--- a/Lectures/Week_2/CSE 599V Lecture 6 - Model Evaluation and System Responses.pptx
+++ b/Lectures/Week_2/CSE 599V Lecture 6 - Model Evaluation and System Responses.pptx
@@ -5,10 +5,10 @@
     <p:sldMasterId id="2147483648" r:id="rId1"/>
   </p:sldMasterIdLst>
   <p:notesMasterIdLst>
-    <p:notesMasterId r:id="rId33"/>
+    <p:notesMasterId r:id="rId34"/>
   </p:notesMasterIdLst>
   <p:handoutMasterIdLst>
-    <p:handoutMasterId r:id="rId34"/>
+    <p:handoutMasterId r:id="rId35"/>
   </p:handoutMasterIdLst>
   <p:sldIdLst>
     <p:sldId id="347" r:id="rId2"/>
@@ -26,22 +26,23 @@
     <p:sldId id="387" r:id="rId14"/>
     <p:sldId id="377" r:id="rId15"/>
     <p:sldId id="388" r:id="rId16"/>
-    <p:sldId id="389" r:id="rId17"/>
-    <p:sldId id="390" r:id="rId18"/>
-    <p:sldId id="391" r:id="rId19"/>
-    <p:sldId id="392" r:id="rId20"/>
-    <p:sldId id="397" r:id="rId21"/>
-    <p:sldId id="393" r:id="rId22"/>
-    <p:sldId id="394" r:id="rId23"/>
-    <p:sldId id="395" r:id="rId24"/>
-    <p:sldId id="403" r:id="rId25"/>
-    <p:sldId id="396" r:id="rId26"/>
-    <p:sldId id="398" r:id="rId27"/>
-    <p:sldId id="399" r:id="rId28"/>
-    <p:sldId id="404" r:id="rId29"/>
-    <p:sldId id="400" r:id="rId30"/>
-    <p:sldId id="402" r:id="rId31"/>
-    <p:sldId id="405" r:id="rId32"/>
+    <p:sldId id="406" r:id="rId17"/>
+    <p:sldId id="389" r:id="rId18"/>
+    <p:sldId id="390" r:id="rId19"/>
+    <p:sldId id="391" r:id="rId20"/>
+    <p:sldId id="392" r:id="rId21"/>
+    <p:sldId id="397" r:id="rId22"/>
+    <p:sldId id="393" r:id="rId23"/>
+    <p:sldId id="394" r:id="rId24"/>
+    <p:sldId id="395" r:id="rId25"/>
+    <p:sldId id="403" r:id="rId26"/>
+    <p:sldId id="396" r:id="rId27"/>
+    <p:sldId id="398" r:id="rId28"/>
+    <p:sldId id="399" r:id="rId29"/>
+    <p:sldId id="404" r:id="rId30"/>
+    <p:sldId id="400" r:id="rId31"/>
+    <p:sldId id="402" r:id="rId32"/>
+    <p:sldId id="405" r:id="rId33"/>
   </p:sldIdLst>
   <p:sldSz cx="9144000" cy="6858000" type="screen4x3"/>
   <p:notesSz cx="6858000" cy="9144000"/>
@@ -312,7 +313,7 @@
               <a:pPr>
                 <a:defRPr/>
               </a:pPr>
-              <a:t>10/3/18</a:t>
+              <a:t>10/11/18</a:t>
             </a:fld>
             <a:endParaRPr lang="en-US" altLang="x-none"/>
           </a:p>
@@ -521,7 +522,7 @@
               <a:pPr>
                 <a:defRPr/>
               </a:pPr>
-              <a:t>10/3/18</a:t>
+              <a:t>10/11/18</a:t>
             </a:fld>
             <a:endParaRPr lang="en-US" altLang="x-none"/>
           </a:p>
@@ -1004,7 +1005,7 @@
               <a:pPr>
                 <a:defRPr/>
               </a:pPr>
-              <a:t>27</a:t>
+              <a:t>28</a:t>
             </a:fld>
             <a:endParaRPr lang="en-US" altLang="x-none"/>
           </a:p>
@@ -1474,7 +1475,7 @@
               <a:pPr>
                 <a:defRPr/>
               </a:pPr>
-              <a:t>19</a:t>
+              <a:t>20</a:t>
             </a:fld>
             <a:endParaRPr lang="en-US" altLang="x-none"/>
           </a:p>
@@ -1564,7 +1565,7 @@
               <a:pPr>
                 <a:defRPr/>
               </a:pPr>
-              <a:t>20</a:t>
+              <a:t>21</a:t>
             </a:fld>
             <a:endParaRPr lang="en-US" altLang="x-none"/>
           </a:p>
@@ -1657,7 +1658,7 @@
               <a:pPr>
                 <a:defRPr/>
               </a:pPr>
-              <a:t>24</a:t>
+              <a:t>25</a:t>
             </a:fld>
             <a:endParaRPr lang="en-US" altLang="x-none"/>
           </a:p>
@@ -1771,7 +1772,7 @@
               <a:pPr>
                 <a:defRPr/>
               </a:pPr>
-              <a:t>25</a:t>
+              <a:t>26</a:t>
             </a:fld>
             <a:endParaRPr lang="en-US" altLang="x-none"/>
           </a:p>
@@ -6762,8 +6763,8 @@
           </a:p>
         </p:txBody>
       </p:sp>
-      <mc:AlternateContent xmlns:mc="http://schemas.openxmlformats.org/markup-compatibility/2006">
-        <mc:Choice xmlns:a14="http://schemas.microsoft.com/office/drawing/2010/main" Requires="a14">
+      <mc:AlternateContent xmlns:mc="http://schemas.openxmlformats.org/markup-compatibility/2006" xmlns:a14="http://schemas.microsoft.com/office/drawing/2010/main">
+        <mc:Choice Requires="a14">
           <p:sp>
             <p:nvSpPr>
               <p:cNvPr id="4" name="TextBox 3">
@@ -6979,7 +6980,7 @@
             </p:txBody>
           </p:sp>
         </mc:Choice>
-        <mc:Fallback>
+        <mc:Fallback xmlns="">
           <p:sp>
             <p:nvSpPr>
               <p:cNvPr id="4" name="TextBox 3">
@@ -7024,8 +7025,8 @@
           </p:sp>
         </mc:Fallback>
       </mc:AlternateContent>
-      <mc:AlternateContent xmlns:mc="http://schemas.openxmlformats.org/markup-compatibility/2006">
-        <mc:Choice xmlns:a14="http://schemas.microsoft.com/office/drawing/2010/main" Requires="a14">
+      <mc:AlternateContent xmlns:mc="http://schemas.openxmlformats.org/markup-compatibility/2006" xmlns:a14="http://schemas.microsoft.com/office/drawing/2010/main">
+        <mc:Choice Requires="a14">
           <p:sp>
             <p:nvSpPr>
               <p:cNvPr id="5" name="TextBox 4">
@@ -7149,7 +7150,7 @@
             </p:txBody>
           </p:sp>
         </mc:Choice>
-        <mc:Fallback>
+        <mc:Fallback xmlns="">
           <p:sp>
             <p:nvSpPr>
               <p:cNvPr id="5" name="TextBox 4">
@@ -7340,6 +7341,2024 @@
           <p:cNvPr id="2" name="Title 1">
             <a:extLst>
               <a:ext uri="{FF2B5EF4-FFF2-40B4-BE49-F238E27FC236}">
+                <a16:creationId xmlns:a16="http://schemas.microsoft.com/office/drawing/2014/main" id="{20F03838-369E-EA45-8A7E-9AC4BBAE4C5F}"/>
+              </a:ext>
+            </a:extLst>
+          </p:cNvPr>
+          <p:cNvSpPr>
+            <a:spLocks noGrp="1"/>
+          </p:cNvSpPr>
+          <p:nvPr>
+            <p:ph type="title"/>
+          </p:nvPr>
+        </p:nvSpPr>
+        <p:spPr/>
+        <p:txBody>
+          <a:bodyPr/>
+          <a:lstStyle/>
+          <a:p>
+            <a:r>
+              <a:rPr lang="en-US" dirty="0"/>
+              <a:t>Finding Fixed Points – Steady State</a:t>
+            </a:r>
+          </a:p>
+        </p:txBody>
+      </p:sp>
+      <p:sp>
+        <p:nvSpPr>
+          <p:cNvPr id="4" name="Slide Number Placeholder 3">
+            <a:extLst>
+              <a:ext uri="{FF2B5EF4-FFF2-40B4-BE49-F238E27FC236}">
+                <a16:creationId xmlns:a16="http://schemas.microsoft.com/office/drawing/2014/main" id="{2DC0988A-5D29-EB4D-8C57-92B11CAD9AB6}"/>
+              </a:ext>
+            </a:extLst>
+          </p:cNvPr>
+          <p:cNvSpPr>
+            <a:spLocks noGrp="1"/>
+          </p:cNvSpPr>
+          <p:nvPr>
+            <p:ph type="sldNum" sz="quarter" idx="11"/>
+          </p:nvPr>
+        </p:nvSpPr>
+        <p:spPr/>
+        <p:txBody>
+          <a:bodyPr/>
+          <a:lstStyle/>
+          <a:p>
+            <a:pPr>
+              <a:defRPr/>
+            </a:pPr>
+            <a:fld id="{3EF4E9CC-9D91-476E-91FD-5BEEC1642931}" type="slidenum">
+              <a:rPr lang="en-US" altLang="x-none" smtClean="0"/>
+              <a:pPr>
+                <a:defRPr/>
+              </a:pPr>
+              <a:t>16</a:t>
+            </a:fld>
+            <a:endParaRPr lang="en-US" altLang="x-none"/>
+          </a:p>
+        </p:txBody>
+      </p:sp>
+      <mc:AlternateContent xmlns:mc="http://schemas.openxmlformats.org/markup-compatibility/2006" xmlns:a14="http://schemas.microsoft.com/office/drawing/2010/main">
+        <mc:Choice Requires="a14">
+          <p:sp>
+            <p:nvSpPr>
+              <p:cNvPr id="5" name="TextBox 4">
+                <a:extLst>
+                  <a:ext uri="{FF2B5EF4-FFF2-40B4-BE49-F238E27FC236}">
+                    <a16:creationId xmlns:a16="http://schemas.microsoft.com/office/drawing/2014/main" id="{30C80FBC-560C-AE47-A905-51FCA4DBB091}"/>
+                  </a:ext>
+                </a:extLst>
+              </p:cNvPr>
+              <p:cNvSpPr txBox="1"/>
+              <p:nvPr/>
+            </p:nvSpPr>
+            <p:spPr>
+              <a:xfrm>
+                <a:off x="675393" y="2194382"/>
+                <a:ext cx="4006353" cy="701218"/>
+              </a:xfrm>
+              <a:prstGeom prst="rect">
+                <a:avLst/>
+              </a:prstGeom>
+              <a:noFill/>
+            </p:spPr>
+            <p:txBody>
+              <a:bodyPr wrap="none" lIns="0" tIns="0" rIns="0" bIns="0" rtlCol="0">
+                <a:spAutoFit/>
+              </a:bodyPr>
+              <a:lstStyle/>
+              <a:p>
+                <a:pPr/>
+                <a14:m>
+                  <m:oMathPara xmlns:m="http://schemas.openxmlformats.org/officeDocument/2006/math">
+                    <m:oMathParaPr>
+                      <m:jc m:val="centerGroup"/>
+                    </m:oMathParaPr>
+                    <m:oMath xmlns:m="http://schemas.openxmlformats.org/officeDocument/2006/math">
+                      <m:f>
+                        <m:fPr>
+                          <m:ctrlPr>
+                            <a:rPr lang="en-US" sz="2400" b="0" i="1" smtClean="0">
+                              <a:latin typeface="Cambria Math" panose="02040503050406030204" pitchFamily="18" charset="0"/>
+                            </a:rPr>
+                          </m:ctrlPr>
+                        </m:fPr>
+                        <m:num>
+                          <m:r>
+                            <a:rPr lang="en-US" sz="2400" i="1">
+                              <a:latin typeface="Cambria Math" panose="02040503050406030204" pitchFamily="18" charset="0"/>
+                            </a:rPr>
+                            <m:t>𝑑</m:t>
+                          </m:r>
+                          <m:sSub>
+                            <m:sSubPr>
+                              <m:ctrlPr>
+                                <a:rPr lang="en-US" sz="2400" i="1">
+                                  <a:latin typeface="Cambria Math" panose="02040503050406030204" pitchFamily="18" charset="0"/>
+                                </a:rPr>
+                              </m:ctrlPr>
+                            </m:sSubPr>
+                            <m:e>
+                              <m:r>
+                                <a:rPr lang="en-US" sz="2400" i="1">
+                                  <a:latin typeface="Cambria Math" panose="02040503050406030204" pitchFamily="18" charset="0"/>
+                                </a:rPr>
+                                <m:t>𝐼</m:t>
+                              </m:r>
+                            </m:e>
+                            <m:sub>
+                              <m:r>
+                                <a:rPr lang="en-US" sz="2400" i="1">
+                                  <a:latin typeface="Cambria Math" panose="02040503050406030204" pitchFamily="18" charset="0"/>
+                                </a:rPr>
+                                <m:t>𝑖𝑛𝑡</m:t>
+                              </m:r>
+                            </m:sub>
+                          </m:sSub>
+                        </m:num>
+                        <m:den>
+                          <m:r>
+                            <a:rPr lang="en-US" sz="2400" b="0" i="1" smtClean="0">
+                              <a:latin typeface="Cambria Math" panose="02040503050406030204" pitchFamily="18" charset="0"/>
+                            </a:rPr>
+                            <m:t>𝑑𝑡</m:t>
+                          </m:r>
+                        </m:den>
+                      </m:f>
+                      <m:r>
+                        <a:rPr lang="en-US" sz="2400" b="0" i="1" smtClean="0">
+                          <a:latin typeface="Cambria Math" panose="02040503050406030204" pitchFamily="18" charset="0"/>
+                        </a:rPr>
+                        <m:t>=</m:t>
+                      </m:r>
+                      <m:r>
+                        <a:rPr lang="en-US" sz="2400" b="0" i="1" smtClean="0">
+                          <a:latin typeface="Cambria Math" panose="02040503050406030204" pitchFamily="18" charset="0"/>
+                        </a:rPr>
+                        <m:t>𝑎</m:t>
+                      </m:r>
+                      <m:d>
+                        <m:dPr>
+                          <m:ctrlPr>
+                            <a:rPr lang="en-US" sz="2400" b="0" i="1" smtClean="0">
+                              <a:latin typeface="Cambria Math" panose="02040503050406030204" pitchFamily="18" charset="0"/>
+                            </a:rPr>
+                          </m:ctrlPr>
+                        </m:dPr>
+                        <m:e>
+                          <m:sSub>
+                            <m:sSubPr>
+                              <m:ctrlPr>
+                                <a:rPr lang="en-US" sz="2400" b="0" i="1" smtClean="0">
+                                  <a:latin typeface="Cambria Math" panose="02040503050406030204" pitchFamily="18" charset="0"/>
+                                </a:rPr>
+                              </m:ctrlPr>
+                            </m:sSubPr>
+                            <m:e>
+                              <m:r>
+                                <a:rPr lang="en-US" sz="2400" b="0" i="1" smtClean="0">
+                                  <a:latin typeface="Cambria Math" panose="02040503050406030204" pitchFamily="18" charset="0"/>
+                                </a:rPr>
+                                <m:t>𝐼</m:t>
+                              </m:r>
+                            </m:e>
+                            <m:sub>
+                              <m:r>
+                                <a:rPr lang="en-US" sz="2400" b="0" i="1" smtClean="0">
+                                  <a:latin typeface="Cambria Math" panose="02040503050406030204" pitchFamily="18" charset="0"/>
+                                </a:rPr>
+                                <m:t>𝑒𝑥𝑡</m:t>
+                              </m:r>
+                            </m:sub>
+                          </m:sSub>
+                          <m:r>
+                            <a:rPr lang="en-US" sz="2400" b="0" i="1" smtClean="0">
+                              <a:latin typeface="Cambria Math" panose="02040503050406030204" pitchFamily="18" charset="0"/>
+                            </a:rPr>
+                            <m:t>−</m:t>
+                          </m:r>
+                          <m:sSub>
+                            <m:sSubPr>
+                              <m:ctrlPr>
+                                <a:rPr lang="en-US" sz="2400" b="0" i="1" smtClean="0">
+                                  <a:latin typeface="Cambria Math" panose="02040503050406030204" pitchFamily="18" charset="0"/>
+                                </a:rPr>
+                              </m:ctrlPr>
+                            </m:sSubPr>
+                            <m:e>
+                              <m:r>
+                                <a:rPr lang="en-US" sz="2400" b="0" i="1" smtClean="0">
+                                  <a:latin typeface="Cambria Math" panose="02040503050406030204" pitchFamily="18" charset="0"/>
+                                </a:rPr>
+                                <m:t>𝐼</m:t>
+                              </m:r>
+                            </m:e>
+                            <m:sub>
+                              <m:r>
+                                <a:rPr lang="en-US" sz="2400" b="0" i="1" smtClean="0">
+                                  <a:latin typeface="Cambria Math" panose="02040503050406030204" pitchFamily="18" charset="0"/>
+                                </a:rPr>
+                                <m:t>𝑖𝑛𝑡</m:t>
+                              </m:r>
+                            </m:sub>
+                          </m:sSub>
+                        </m:e>
+                      </m:d>
+                      <m:r>
+                        <a:rPr lang="en-US" sz="2400" b="0" i="1" smtClean="0">
+                          <a:latin typeface="Cambria Math" panose="02040503050406030204" pitchFamily="18" charset="0"/>
+                        </a:rPr>
+                        <m:t>𝑃</m:t>
+                      </m:r>
+                      <m:r>
+                        <a:rPr lang="en-US" sz="2400" b="0" i="1" smtClean="0">
+                          <a:latin typeface="Cambria Math" panose="02040503050406030204" pitchFamily="18" charset="0"/>
+                        </a:rPr>
+                        <m:t>−</m:t>
+                      </m:r>
+                      <m:r>
+                        <a:rPr lang="en-US" sz="2400" b="0" i="1" smtClean="0">
+                          <a:latin typeface="Cambria Math" panose="02040503050406030204" pitchFamily="18" charset="0"/>
+                        </a:rPr>
+                        <m:t>𝑏</m:t>
+                      </m:r>
+                      <m:sSub>
+                        <m:sSubPr>
+                          <m:ctrlPr>
+                            <a:rPr lang="en-US" sz="2400" b="0" i="1" smtClean="0">
+                              <a:latin typeface="Cambria Math" panose="02040503050406030204" pitchFamily="18" charset="0"/>
+                            </a:rPr>
+                          </m:ctrlPr>
+                        </m:sSubPr>
+                        <m:e>
+                          <m:r>
+                            <a:rPr lang="en-US" sz="2400" b="0" i="1" smtClean="0">
+                              <a:latin typeface="Cambria Math" panose="02040503050406030204" pitchFamily="18" charset="0"/>
+                            </a:rPr>
+                            <m:t>𝐼</m:t>
+                          </m:r>
+                        </m:e>
+                        <m:sub>
+                          <m:r>
+                            <a:rPr lang="en-US" sz="2400" b="0" i="1" smtClean="0">
+                              <a:latin typeface="Cambria Math" panose="02040503050406030204" pitchFamily="18" charset="0"/>
+                            </a:rPr>
+                            <m:t>𝑖𝑛𝑡</m:t>
+                          </m:r>
+                        </m:sub>
+                      </m:sSub>
+                    </m:oMath>
+                  </m:oMathPara>
+                </a14:m>
+                <a:endParaRPr lang="en-US" sz="2400" dirty="0"/>
+              </a:p>
+            </p:txBody>
+          </p:sp>
+        </mc:Choice>
+        <mc:Fallback xmlns="">
+          <p:sp>
+            <p:nvSpPr>
+              <p:cNvPr id="5" name="TextBox 4">
+                <a:extLst>
+                  <a:ext uri="{FF2B5EF4-FFF2-40B4-BE49-F238E27FC236}">
+                    <a16:creationId xmlns:a16="http://schemas.microsoft.com/office/drawing/2014/main" id="{30C80FBC-560C-AE47-A905-51FCA4DBB091}"/>
+                  </a:ext>
+                </a:extLst>
+              </p:cNvPr>
+              <p:cNvSpPr txBox="1">
+                <a:spLocks noRot="1" noChangeAspect="1" noMove="1" noResize="1" noEditPoints="1" noAdjustHandles="1" noChangeArrowheads="1" noChangeShapeType="1" noTextEdit="1"/>
+              </p:cNvSpPr>
+              <p:nvPr/>
+            </p:nvSpPr>
+            <p:spPr>
+              <a:xfrm>
+                <a:off x="675393" y="2194382"/>
+                <a:ext cx="4006353" cy="701218"/>
+              </a:xfrm>
+              <a:prstGeom prst="rect">
+                <a:avLst/>
+              </a:prstGeom>
+              <a:blipFill>
+                <a:blip r:embed="rId2"/>
+                <a:stretch>
+                  <a:fillRect l="-946" t="-1786" b="-12500"/>
+                </a:stretch>
+              </a:blipFill>
+            </p:spPr>
+            <p:txBody>
+              <a:bodyPr/>
+              <a:lstStyle/>
+              <a:p>
+                <a:r>
+                  <a:rPr lang="en-US">
+                    <a:noFill/>
+                  </a:rPr>
+                  <a:t> </a:t>
+                </a:r>
+              </a:p>
+            </p:txBody>
+          </p:sp>
+        </mc:Fallback>
+      </mc:AlternateContent>
+      <mc:AlternateContent xmlns:mc="http://schemas.openxmlformats.org/markup-compatibility/2006" xmlns:a14="http://schemas.microsoft.com/office/drawing/2010/main">
+        <mc:Choice Requires="a14">
+          <p:sp>
+            <p:nvSpPr>
+              <p:cNvPr id="6" name="TextBox 5">
+                <a:extLst>
+                  <a:ext uri="{FF2B5EF4-FFF2-40B4-BE49-F238E27FC236}">
+                    <a16:creationId xmlns:a16="http://schemas.microsoft.com/office/drawing/2014/main" id="{36EF0341-E7D7-354F-AB09-40B0D91D17B4}"/>
+                  </a:ext>
+                </a:extLst>
+              </p:cNvPr>
+              <p:cNvSpPr txBox="1"/>
+              <p:nvPr/>
+            </p:nvSpPr>
+            <p:spPr>
+              <a:xfrm>
+                <a:off x="5766914" y="2194382"/>
+                <a:ext cx="2195986" cy="701218"/>
+              </a:xfrm>
+              <a:prstGeom prst="rect">
+                <a:avLst/>
+              </a:prstGeom>
+              <a:noFill/>
+            </p:spPr>
+            <p:txBody>
+              <a:bodyPr wrap="none" lIns="0" tIns="0" rIns="0" bIns="0" rtlCol="0">
+                <a:spAutoFit/>
+              </a:bodyPr>
+              <a:lstStyle/>
+              <a:p>
+                <a:pPr/>
+                <a14:m>
+                  <m:oMathPara xmlns:m="http://schemas.openxmlformats.org/officeDocument/2006/math">
+                    <m:oMathParaPr>
+                      <m:jc m:val="centerGroup"/>
+                    </m:oMathParaPr>
+                    <m:oMath xmlns:m="http://schemas.openxmlformats.org/officeDocument/2006/math">
+                      <m:f>
+                        <m:fPr>
+                          <m:ctrlPr>
+                            <a:rPr lang="en-US" sz="2400" b="0" i="1" smtClean="0">
+                              <a:latin typeface="Cambria Math" panose="02040503050406030204" pitchFamily="18" charset="0"/>
+                            </a:rPr>
+                          </m:ctrlPr>
+                        </m:fPr>
+                        <m:num>
+                          <m:r>
+                            <a:rPr lang="en-US" sz="2400" i="1">
+                              <a:latin typeface="Cambria Math" panose="02040503050406030204" pitchFamily="18" charset="0"/>
+                            </a:rPr>
+                            <m:t>𝑑</m:t>
+                          </m:r>
+                          <m:r>
+                            <a:rPr lang="en-US" sz="2400" b="0" i="1" smtClean="0">
+                              <a:latin typeface="Cambria Math" panose="02040503050406030204" pitchFamily="18" charset="0"/>
+                            </a:rPr>
+                            <m:t>𝑃</m:t>
+                          </m:r>
+                        </m:num>
+                        <m:den>
+                          <m:r>
+                            <a:rPr lang="en-US" sz="2400" b="0" i="1" smtClean="0">
+                              <a:latin typeface="Cambria Math" panose="02040503050406030204" pitchFamily="18" charset="0"/>
+                            </a:rPr>
+                            <m:t>𝑑𝑡</m:t>
+                          </m:r>
+                        </m:den>
+                      </m:f>
+                      <m:r>
+                        <a:rPr lang="en-US" sz="2400" b="0" i="1" smtClean="0">
+                          <a:latin typeface="Cambria Math" panose="02040503050406030204" pitchFamily="18" charset="0"/>
+                        </a:rPr>
+                        <m:t>=</m:t>
+                      </m:r>
+                      <m:r>
+                        <a:rPr lang="en-US" sz="2400" b="0" i="1" smtClean="0">
+                          <a:latin typeface="Cambria Math" panose="02040503050406030204" pitchFamily="18" charset="0"/>
+                        </a:rPr>
+                        <m:t>𝑐</m:t>
+                      </m:r>
+                      <m:sSub>
+                        <m:sSubPr>
+                          <m:ctrlPr>
+                            <a:rPr lang="en-US" sz="2400" b="0" i="1" smtClean="0">
+                              <a:latin typeface="Cambria Math" panose="02040503050406030204" pitchFamily="18" charset="0"/>
+                            </a:rPr>
+                          </m:ctrlPr>
+                        </m:sSubPr>
+                        <m:e>
+                          <m:r>
+                            <a:rPr lang="en-US" sz="2400" b="0" i="1" smtClean="0">
+                              <a:latin typeface="Cambria Math" panose="02040503050406030204" pitchFamily="18" charset="0"/>
+                            </a:rPr>
+                            <m:t>𝐼</m:t>
+                          </m:r>
+                        </m:e>
+                        <m:sub>
+                          <m:r>
+                            <a:rPr lang="en-US" sz="2400" b="0" i="1" smtClean="0">
+                              <a:latin typeface="Cambria Math" panose="02040503050406030204" pitchFamily="18" charset="0"/>
+                            </a:rPr>
+                            <m:t>𝑖𝑛𝑡</m:t>
+                          </m:r>
+                        </m:sub>
+                      </m:sSub>
+                      <m:r>
+                        <a:rPr lang="en-US" sz="2400" b="0" i="1" smtClean="0">
+                          <a:latin typeface="Cambria Math" panose="02040503050406030204" pitchFamily="18" charset="0"/>
+                        </a:rPr>
+                        <m:t>−</m:t>
+                      </m:r>
+                      <m:r>
+                        <a:rPr lang="en-US" sz="2400" b="0" i="1" smtClean="0">
+                          <a:latin typeface="Cambria Math" panose="02040503050406030204" pitchFamily="18" charset="0"/>
+                        </a:rPr>
+                        <m:t>𝑒𝑃</m:t>
+                      </m:r>
+                    </m:oMath>
+                  </m:oMathPara>
+                </a14:m>
+                <a:endParaRPr lang="en-US" sz="2400" dirty="0"/>
+              </a:p>
+            </p:txBody>
+          </p:sp>
+        </mc:Choice>
+        <mc:Fallback xmlns="">
+          <p:sp>
+            <p:nvSpPr>
+              <p:cNvPr id="6" name="TextBox 5">
+                <a:extLst>
+                  <a:ext uri="{FF2B5EF4-FFF2-40B4-BE49-F238E27FC236}">
+                    <a16:creationId xmlns:a16="http://schemas.microsoft.com/office/drawing/2014/main" id="{36EF0341-E7D7-354F-AB09-40B0D91D17B4}"/>
+                  </a:ext>
+                </a:extLst>
+              </p:cNvPr>
+              <p:cNvSpPr txBox="1">
+                <a:spLocks noRot="1" noChangeAspect="1" noMove="1" noResize="1" noEditPoints="1" noAdjustHandles="1" noChangeArrowheads="1" noChangeShapeType="1" noTextEdit="1"/>
+              </p:cNvSpPr>
+              <p:nvPr/>
+            </p:nvSpPr>
+            <p:spPr>
+              <a:xfrm>
+                <a:off x="5766914" y="2194382"/>
+                <a:ext cx="2195986" cy="701218"/>
+              </a:xfrm>
+              <a:prstGeom prst="rect">
+                <a:avLst/>
+              </a:prstGeom>
+              <a:blipFill>
+                <a:blip r:embed="rId3"/>
+                <a:stretch>
+                  <a:fillRect l="-1724" t="-1786" r="-1149" b="-12500"/>
+                </a:stretch>
+              </a:blipFill>
+            </p:spPr>
+            <p:txBody>
+              <a:bodyPr/>
+              <a:lstStyle/>
+              <a:p>
+                <a:r>
+                  <a:rPr lang="en-US">
+                    <a:noFill/>
+                  </a:rPr>
+                  <a:t> </a:t>
+                </a:r>
+              </a:p>
+            </p:txBody>
+          </p:sp>
+        </mc:Fallback>
+      </mc:AlternateContent>
+      <mc:AlternateContent xmlns:mc="http://schemas.openxmlformats.org/markup-compatibility/2006" xmlns:a14="http://schemas.microsoft.com/office/drawing/2010/main">
+        <mc:Choice Requires="a14">
+          <p:sp>
+            <p:nvSpPr>
+              <p:cNvPr id="11" name="TextBox 10">
+                <a:extLst>
+                  <a:ext uri="{FF2B5EF4-FFF2-40B4-BE49-F238E27FC236}">
+                    <a16:creationId xmlns:a16="http://schemas.microsoft.com/office/drawing/2014/main" id="{CE3708DE-B1F6-5F4A-91FA-5F0A3E551971}"/>
+                  </a:ext>
+                </a:extLst>
+              </p:cNvPr>
+              <p:cNvSpPr txBox="1"/>
+              <p:nvPr/>
+            </p:nvSpPr>
+            <p:spPr>
+              <a:xfrm>
+                <a:off x="777969" y="3867090"/>
+                <a:ext cx="2117631" cy="701410"/>
+              </a:xfrm>
+              <a:prstGeom prst="rect">
+                <a:avLst/>
+              </a:prstGeom>
+              <a:noFill/>
+            </p:spPr>
+            <p:txBody>
+              <a:bodyPr wrap="none" lIns="0" tIns="0" rIns="0" bIns="0" rtlCol="0">
+                <a:spAutoFit/>
+              </a:bodyPr>
+              <a:lstStyle/>
+              <a:p>
+                <a:pPr/>
+                <a14:m>
+                  <m:oMathPara xmlns:m="http://schemas.openxmlformats.org/officeDocument/2006/math">
+                    <m:oMathParaPr>
+                      <m:jc m:val="centerGroup"/>
+                    </m:oMathParaPr>
+                    <m:oMath xmlns:m="http://schemas.openxmlformats.org/officeDocument/2006/math">
+                      <m:sSub>
+                        <m:sSubPr>
+                          <m:ctrlPr>
+                            <a:rPr lang="en-US" sz="2400" b="0" i="1" smtClean="0">
+                              <a:latin typeface="Cambria Math" panose="02040503050406030204" pitchFamily="18" charset="0"/>
+                            </a:rPr>
+                          </m:ctrlPr>
+                        </m:sSubPr>
+                        <m:e>
+                          <m:sSub>
+                            <m:sSubPr>
+                              <m:ctrlPr>
+                                <a:rPr lang="en-US" sz="2400" b="0" i="1" smtClean="0">
+                                  <a:latin typeface="Cambria Math" panose="02040503050406030204" pitchFamily="18" charset="0"/>
+                                </a:rPr>
+                              </m:ctrlPr>
+                            </m:sSubPr>
+                            <m:e>
+                              <m:r>
+                                <a:rPr lang="en-US" sz="2400" b="0" i="1" smtClean="0">
+                                  <a:latin typeface="Cambria Math" panose="02040503050406030204" pitchFamily="18" charset="0"/>
+                                </a:rPr>
+                                <m:t>𝐼</m:t>
+                              </m:r>
+                            </m:e>
+                            <m:sub>
+                              <m:r>
+                                <a:rPr lang="en-US" sz="2400" b="0" i="1" smtClean="0">
+                                  <a:latin typeface="Cambria Math" panose="02040503050406030204" pitchFamily="18" charset="0"/>
+                                </a:rPr>
+                                <m:t>𝑖𝑛𝑡</m:t>
+                              </m:r>
+                            </m:sub>
+                          </m:sSub>
+                          <m:r>
+                            <a:rPr lang="en-US" sz="2400" b="0" i="1" smtClean="0">
+                              <a:latin typeface="Cambria Math" panose="02040503050406030204" pitchFamily="18" charset="0"/>
+                            </a:rPr>
+                            <m:t>=</m:t>
+                          </m:r>
+                          <m:r>
+                            <a:rPr lang="en-US" sz="2400" b="0" i="1" smtClean="0">
+                              <a:latin typeface="Cambria Math" panose="02040503050406030204" pitchFamily="18" charset="0"/>
+                            </a:rPr>
+                            <m:t>𝐼</m:t>
+                          </m:r>
+                        </m:e>
+                        <m:sub>
+                          <m:r>
+                            <a:rPr lang="en-US" sz="2400" b="0" i="1" smtClean="0">
+                              <a:latin typeface="Cambria Math" panose="02040503050406030204" pitchFamily="18" charset="0"/>
+                            </a:rPr>
+                            <m:t>𝑒𝑥𝑡</m:t>
+                          </m:r>
+                        </m:sub>
+                      </m:sSub>
+                      <m:r>
+                        <a:rPr lang="en-US" sz="2400" b="0" i="1" smtClean="0">
+                          <a:latin typeface="Cambria Math" panose="02040503050406030204" pitchFamily="18" charset="0"/>
+                        </a:rPr>
+                        <m:t>−</m:t>
+                      </m:r>
+                      <m:f>
+                        <m:fPr>
+                          <m:ctrlPr>
+                            <a:rPr lang="en-US" sz="2400" b="0" i="1" smtClean="0">
+                              <a:latin typeface="Cambria Math" panose="02040503050406030204" pitchFamily="18" charset="0"/>
+                            </a:rPr>
+                          </m:ctrlPr>
+                        </m:fPr>
+                        <m:num>
+                          <m:r>
+                            <a:rPr lang="en-US" sz="2400" b="0" i="1" smtClean="0">
+                              <a:latin typeface="Cambria Math" panose="02040503050406030204" pitchFamily="18" charset="0"/>
+                            </a:rPr>
+                            <m:t>𝑏𝑒</m:t>
+                          </m:r>
+                        </m:num>
+                        <m:den>
+                          <m:r>
+                            <a:rPr lang="en-US" sz="2400" b="0" i="1" smtClean="0">
+                              <a:latin typeface="Cambria Math" panose="02040503050406030204" pitchFamily="18" charset="0"/>
+                            </a:rPr>
+                            <m:t>𝑎𝑐</m:t>
+                          </m:r>
+                        </m:den>
+                      </m:f>
+                    </m:oMath>
+                  </m:oMathPara>
+                </a14:m>
+                <a:endParaRPr lang="en-US" sz="2400" dirty="0"/>
+              </a:p>
+            </p:txBody>
+          </p:sp>
+        </mc:Choice>
+        <mc:Fallback xmlns="">
+          <p:sp>
+            <p:nvSpPr>
+              <p:cNvPr id="11" name="TextBox 10">
+                <a:extLst>
+                  <a:ext uri="{FF2B5EF4-FFF2-40B4-BE49-F238E27FC236}">
+                    <a16:creationId xmlns:a16="http://schemas.microsoft.com/office/drawing/2014/main" id="{CE3708DE-B1F6-5F4A-91FA-5F0A3E551971}"/>
+                  </a:ext>
+                </a:extLst>
+              </p:cNvPr>
+              <p:cNvSpPr txBox="1">
+                <a:spLocks noRot="1" noChangeAspect="1" noMove="1" noResize="1" noEditPoints="1" noAdjustHandles="1" noChangeArrowheads="1" noChangeShapeType="1" noTextEdit="1"/>
+              </p:cNvSpPr>
+              <p:nvPr/>
+            </p:nvSpPr>
+            <p:spPr>
+              <a:xfrm>
+                <a:off x="777969" y="3867090"/>
+                <a:ext cx="2117631" cy="701410"/>
+              </a:xfrm>
+              <a:prstGeom prst="rect">
+                <a:avLst/>
+              </a:prstGeom>
+              <a:blipFill>
+                <a:blip r:embed="rId4"/>
+                <a:stretch>
+                  <a:fillRect l="-1190" t="-1754" b="-7018"/>
+                </a:stretch>
+              </a:blipFill>
+            </p:spPr>
+            <p:txBody>
+              <a:bodyPr/>
+              <a:lstStyle/>
+              <a:p>
+                <a:r>
+                  <a:rPr lang="en-US">
+                    <a:noFill/>
+                  </a:rPr>
+                  <a:t> </a:t>
+                </a:r>
+              </a:p>
+            </p:txBody>
+          </p:sp>
+        </mc:Fallback>
+      </mc:AlternateContent>
+      <mc:AlternateContent xmlns:mc="http://schemas.openxmlformats.org/markup-compatibility/2006" xmlns:a14="http://schemas.microsoft.com/office/drawing/2010/main">
+        <mc:Choice Requires="a14">
+          <p:sp>
+            <p:nvSpPr>
+              <p:cNvPr id="12" name="TextBox 11">
+                <a:extLst>
+                  <a:ext uri="{FF2B5EF4-FFF2-40B4-BE49-F238E27FC236}">
+                    <a16:creationId xmlns:a16="http://schemas.microsoft.com/office/drawing/2014/main" id="{5C31D2D7-C5FE-6A43-8D2F-50A8DBA073A6}"/>
+                  </a:ext>
+                </a:extLst>
+              </p:cNvPr>
+              <p:cNvSpPr txBox="1"/>
+              <p:nvPr/>
+            </p:nvSpPr>
+            <p:spPr>
+              <a:xfrm>
+                <a:off x="5787696" y="3863447"/>
+                <a:ext cx="1335301" cy="632417"/>
+              </a:xfrm>
+              <a:prstGeom prst="rect">
+                <a:avLst/>
+              </a:prstGeom>
+              <a:noFill/>
+            </p:spPr>
+            <p:txBody>
+              <a:bodyPr wrap="none" lIns="0" tIns="0" rIns="0" bIns="0" rtlCol="0">
+                <a:spAutoFit/>
+              </a:bodyPr>
+              <a:lstStyle/>
+              <a:p>
+                <a:pPr/>
+                <a14:m>
+                  <m:oMathPara xmlns:m="http://schemas.openxmlformats.org/officeDocument/2006/math">
+                    <m:oMathParaPr>
+                      <m:jc m:val="centerGroup"/>
+                    </m:oMathParaPr>
+                    <m:oMath xmlns:m="http://schemas.openxmlformats.org/officeDocument/2006/math">
+                      <m:r>
+                        <a:rPr lang="en-US" sz="2400" b="0" i="1" smtClean="0">
+                          <a:latin typeface="Cambria Math" panose="02040503050406030204" pitchFamily="18" charset="0"/>
+                        </a:rPr>
+                        <m:t>𝑃</m:t>
+                      </m:r>
+                      <m:r>
+                        <a:rPr lang="en-US" sz="2400" b="0" i="1" smtClean="0">
+                          <a:latin typeface="Cambria Math" panose="02040503050406030204" pitchFamily="18" charset="0"/>
+                        </a:rPr>
+                        <m:t>=</m:t>
+                      </m:r>
+                      <m:f>
+                        <m:fPr>
+                          <m:ctrlPr>
+                            <a:rPr lang="en-US" sz="2400" b="0" i="1" smtClean="0">
+                              <a:latin typeface="Cambria Math" panose="02040503050406030204" pitchFamily="18" charset="0"/>
+                            </a:rPr>
+                          </m:ctrlPr>
+                        </m:fPr>
+                        <m:num>
+                          <m:r>
+                            <a:rPr lang="en-US" sz="2400" b="0" i="1" smtClean="0">
+                              <a:latin typeface="Cambria Math" panose="02040503050406030204" pitchFamily="18" charset="0"/>
+                            </a:rPr>
+                            <m:t>𝑐</m:t>
+                          </m:r>
+                        </m:num>
+                        <m:den>
+                          <m:r>
+                            <a:rPr lang="en-US" sz="2400" b="0" i="1" smtClean="0">
+                              <a:latin typeface="Cambria Math" panose="02040503050406030204" pitchFamily="18" charset="0"/>
+                            </a:rPr>
+                            <m:t>𝑒</m:t>
+                          </m:r>
+                        </m:den>
+                      </m:f>
+                      <m:sSub>
+                        <m:sSubPr>
+                          <m:ctrlPr>
+                            <a:rPr lang="en-US" sz="2400" b="0" i="1" smtClean="0">
+                              <a:latin typeface="Cambria Math" panose="02040503050406030204" pitchFamily="18" charset="0"/>
+                            </a:rPr>
+                          </m:ctrlPr>
+                        </m:sSubPr>
+                        <m:e>
+                          <m:r>
+                            <a:rPr lang="en-US" sz="2400" b="0" i="1" smtClean="0">
+                              <a:latin typeface="Cambria Math" panose="02040503050406030204" pitchFamily="18" charset="0"/>
+                            </a:rPr>
+                            <m:t>𝐼</m:t>
+                          </m:r>
+                        </m:e>
+                        <m:sub>
+                          <m:r>
+                            <a:rPr lang="en-US" sz="2400" b="0" i="1" smtClean="0">
+                              <a:latin typeface="Cambria Math" panose="02040503050406030204" pitchFamily="18" charset="0"/>
+                            </a:rPr>
+                            <m:t>𝑖𝑛𝑡</m:t>
+                          </m:r>
+                        </m:sub>
+                      </m:sSub>
+                    </m:oMath>
+                  </m:oMathPara>
+                </a14:m>
+                <a:endParaRPr lang="en-US" sz="2400" dirty="0"/>
+              </a:p>
+            </p:txBody>
+          </p:sp>
+        </mc:Choice>
+        <mc:Fallback xmlns="">
+          <p:sp>
+            <p:nvSpPr>
+              <p:cNvPr id="12" name="TextBox 11">
+                <a:extLst>
+                  <a:ext uri="{FF2B5EF4-FFF2-40B4-BE49-F238E27FC236}">
+                    <a16:creationId xmlns:a16="http://schemas.microsoft.com/office/drawing/2014/main" id="{5C31D2D7-C5FE-6A43-8D2F-50A8DBA073A6}"/>
+                  </a:ext>
+                </a:extLst>
+              </p:cNvPr>
+              <p:cNvSpPr txBox="1">
+                <a:spLocks noRot="1" noChangeAspect="1" noMove="1" noResize="1" noEditPoints="1" noAdjustHandles="1" noChangeArrowheads="1" noChangeShapeType="1" noTextEdit="1"/>
+              </p:cNvSpPr>
+              <p:nvPr/>
+            </p:nvSpPr>
+            <p:spPr>
+              <a:xfrm>
+                <a:off x="5787696" y="3863447"/>
+                <a:ext cx="1335301" cy="632417"/>
+              </a:xfrm>
+              <a:prstGeom prst="rect">
+                <a:avLst/>
+              </a:prstGeom>
+              <a:blipFill>
+                <a:blip r:embed="rId5"/>
+                <a:stretch>
+                  <a:fillRect l="-4762" b="-9804"/>
+                </a:stretch>
+              </a:blipFill>
+            </p:spPr>
+            <p:txBody>
+              <a:bodyPr/>
+              <a:lstStyle/>
+              <a:p>
+                <a:r>
+                  <a:rPr lang="en-US">
+                    <a:noFill/>
+                  </a:rPr>
+                  <a:t> </a:t>
+                </a:r>
+              </a:p>
+            </p:txBody>
+          </p:sp>
+        </mc:Fallback>
+      </mc:AlternateContent>
+      <p:sp>
+        <p:nvSpPr>
+          <p:cNvPr id="14" name="TextBox 13">
+            <a:extLst>
+              <a:ext uri="{FF2B5EF4-FFF2-40B4-BE49-F238E27FC236}">
+                <a16:creationId xmlns:a16="http://schemas.microsoft.com/office/drawing/2014/main" id="{B5F2E22C-DEF9-224C-862D-1D32D043E79A}"/>
+              </a:ext>
+            </a:extLst>
+          </p:cNvPr>
+          <p:cNvSpPr txBox="1"/>
+          <p:nvPr/>
+        </p:nvSpPr>
+        <p:spPr>
+          <a:xfrm>
+            <a:off x="597552" y="1062335"/>
+            <a:ext cx="6793848" cy="461665"/>
+          </a:xfrm>
+          <a:prstGeom prst="rect">
+            <a:avLst/>
+          </a:prstGeom>
+          <a:noFill/>
+        </p:spPr>
+        <p:txBody>
+          <a:bodyPr wrap="none" rtlCol="0">
+            <a:spAutoFit/>
+          </a:bodyPr>
+          <a:lstStyle/>
+          <a:p>
+            <a:r>
+              <a:rPr lang="en-US" sz="2400" i="1" dirty="0"/>
+              <a:t>Solve for variable values when derivatives are 0.</a:t>
+            </a:r>
+          </a:p>
+        </p:txBody>
+      </p:sp>
+      <p:sp>
+        <p:nvSpPr>
+          <p:cNvPr id="15" name="TextBox 14">
+            <a:extLst>
+              <a:ext uri="{FF2B5EF4-FFF2-40B4-BE49-F238E27FC236}">
+                <a16:creationId xmlns:a16="http://schemas.microsoft.com/office/drawing/2014/main" id="{9E3AC385-1DD3-7845-85A8-92BB0A4577C7}"/>
+              </a:ext>
+            </a:extLst>
+          </p:cNvPr>
+          <p:cNvSpPr txBox="1"/>
+          <p:nvPr/>
+        </p:nvSpPr>
+        <p:spPr>
+          <a:xfrm>
+            <a:off x="597552" y="1669702"/>
+            <a:ext cx="2730235" cy="461665"/>
+          </a:xfrm>
+          <a:prstGeom prst="rect">
+            <a:avLst/>
+          </a:prstGeom>
+          <a:noFill/>
+        </p:spPr>
+        <p:txBody>
+          <a:bodyPr wrap="none" rtlCol="0">
+            <a:spAutoFit/>
+          </a:bodyPr>
+          <a:lstStyle/>
+          <a:p>
+            <a:r>
+              <a:rPr lang="en-US" sz="2400" b="1" dirty="0"/>
+              <a:t>lac operon model</a:t>
+            </a:r>
+          </a:p>
+        </p:txBody>
+      </p:sp>
+      <mc:AlternateContent xmlns:mc="http://schemas.openxmlformats.org/markup-compatibility/2006" xmlns:a14="http://schemas.microsoft.com/office/drawing/2010/main">
+        <mc:Choice Requires="a14">
+          <p:sp>
+            <p:nvSpPr>
+              <p:cNvPr id="16" name="TextBox 15">
+                <a:extLst>
+                  <a:ext uri="{FF2B5EF4-FFF2-40B4-BE49-F238E27FC236}">
+                    <a16:creationId xmlns:a16="http://schemas.microsoft.com/office/drawing/2014/main" id="{AB31EAA1-5B21-144C-8FF3-8DA0141A896F}"/>
+                  </a:ext>
+                </a:extLst>
+              </p:cNvPr>
+              <p:cNvSpPr txBox="1"/>
+              <p:nvPr/>
+            </p:nvSpPr>
+            <p:spPr>
+              <a:xfrm>
+                <a:off x="609600" y="3059668"/>
+                <a:ext cx="3633559" cy="369332"/>
+              </a:xfrm>
+              <a:prstGeom prst="rect">
+                <a:avLst/>
+              </a:prstGeom>
+              <a:noFill/>
+            </p:spPr>
+            <p:txBody>
+              <a:bodyPr wrap="none" lIns="0" tIns="0" rIns="0" bIns="0" rtlCol="0">
+                <a:spAutoFit/>
+              </a:bodyPr>
+              <a:lstStyle/>
+              <a:p>
+                <a:pPr/>
+                <a14:m>
+                  <m:oMathPara xmlns:m="http://schemas.openxmlformats.org/officeDocument/2006/math">
+                    <m:oMathParaPr>
+                      <m:jc m:val="centerGroup"/>
+                    </m:oMathParaPr>
+                    <m:oMath xmlns:m="http://schemas.openxmlformats.org/officeDocument/2006/math">
+                      <m:r>
+                        <a:rPr lang="en-US" sz="2400" b="0" i="0" smtClean="0">
+                          <a:latin typeface="Cambria Math" panose="02040503050406030204" pitchFamily="18" charset="0"/>
+                        </a:rPr>
+                        <m:t>0</m:t>
+                      </m:r>
+                      <m:r>
+                        <a:rPr lang="en-US" sz="2400" b="0" i="1" smtClean="0">
+                          <a:latin typeface="Cambria Math" panose="02040503050406030204" pitchFamily="18" charset="0"/>
+                        </a:rPr>
+                        <m:t>=</m:t>
+                      </m:r>
+                      <m:r>
+                        <a:rPr lang="en-US" sz="2400" b="0" i="1" smtClean="0">
+                          <a:latin typeface="Cambria Math" panose="02040503050406030204" pitchFamily="18" charset="0"/>
+                        </a:rPr>
+                        <m:t>𝑎</m:t>
+                      </m:r>
+                      <m:d>
+                        <m:dPr>
+                          <m:ctrlPr>
+                            <a:rPr lang="en-US" sz="2400" b="0" i="1" smtClean="0">
+                              <a:latin typeface="Cambria Math" panose="02040503050406030204" pitchFamily="18" charset="0"/>
+                            </a:rPr>
+                          </m:ctrlPr>
+                        </m:dPr>
+                        <m:e>
+                          <m:sSub>
+                            <m:sSubPr>
+                              <m:ctrlPr>
+                                <a:rPr lang="en-US" sz="2400" b="0" i="1" smtClean="0">
+                                  <a:latin typeface="Cambria Math" panose="02040503050406030204" pitchFamily="18" charset="0"/>
+                                </a:rPr>
+                              </m:ctrlPr>
+                            </m:sSubPr>
+                            <m:e>
+                              <m:r>
+                                <a:rPr lang="en-US" sz="2400" b="0" i="1" smtClean="0">
+                                  <a:latin typeface="Cambria Math" panose="02040503050406030204" pitchFamily="18" charset="0"/>
+                                </a:rPr>
+                                <m:t>𝐼</m:t>
+                              </m:r>
+                            </m:e>
+                            <m:sub>
+                              <m:r>
+                                <a:rPr lang="en-US" sz="2400" b="0" i="1" smtClean="0">
+                                  <a:latin typeface="Cambria Math" panose="02040503050406030204" pitchFamily="18" charset="0"/>
+                                </a:rPr>
+                                <m:t>𝑒𝑥𝑡</m:t>
+                              </m:r>
+                            </m:sub>
+                          </m:sSub>
+                          <m:r>
+                            <a:rPr lang="en-US" sz="2400" b="0" i="1" smtClean="0">
+                              <a:latin typeface="Cambria Math" panose="02040503050406030204" pitchFamily="18" charset="0"/>
+                            </a:rPr>
+                            <m:t>−</m:t>
+                          </m:r>
+                          <m:sSub>
+                            <m:sSubPr>
+                              <m:ctrlPr>
+                                <a:rPr lang="en-US" sz="2400" b="0" i="1" smtClean="0">
+                                  <a:latin typeface="Cambria Math" panose="02040503050406030204" pitchFamily="18" charset="0"/>
+                                </a:rPr>
+                              </m:ctrlPr>
+                            </m:sSubPr>
+                            <m:e>
+                              <m:r>
+                                <a:rPr lang="en-US" sz="2400" b="0" i="1" smtClean="0">
+                                  <a:latin typeface="Cambria Math" panose="02040503050406030204" pitchFamily="18" charset="0"/>
+                                </a:rPr>
+                                <m:t>𝐼</m:t>
+                              </m:r>
+                            </m:e>
+                            <m:sub>
+                              <m:r>
+                                <a:rPr lang="en-US" sz="2400" b="0" i="1" smtClean="0">
+                                  <a:latin typeface="Cambria Math" panose="02040503050406030204" pitchFamily="18" charset="0"/>
+                                </a:rPr>
+                                <m:t>𝑖𝑛𝑡</m:t>
+                              </m:r>
+                            </m:sub>
+                          </m:sSub>
+                        </m:e>
+                      </m:d>
+                      <m:r>
+                        <a:rPr lang="en-US" sz="2400" b="0" i="1" smtClean="0">
+                          <a:latin typeface="Cambria Math" panose="02040503050406030204" pitchFamily="18" charset="0"/>
+                        </a:rPr>
+                        <m:t>𝑃</m:t>
+                      </m:r>
+                      <m:r>
+                        <a:rPr lang="en-US" sz="2400" b="0" i="1" smtClean="0">
+                          <a:latin typeface="Cambria Math" panose="02040503050406030204" pitchFamily="18" charset="0"/>
+                        </a:rPr>
+                        <m:t>−</m:t>
+                      </m:r>
+                      <m:r>
+                        <a:rPr lang="en-US" sz="2400" b="0" i="1" smtClean="0">
+                          <a:latin typeface="Cambria Math" panose="02040503050406030204" pitchFamily="18" charset="0"/>
+                        </a:rPr>
+                        <m:t>𝑏</m:t>
+                      </m:r>
+                      <m:sSub>
+                        <m:sSubPr>
+                          <m:ctrlPr>
+                            <a:rPr lang="en-US" sz="2400" b="0" i="1" smtClean="0">
+                              <a:latin typeface="Cambria Math" panose="02040503050406030204" pitchFamily="18" charset="0"/>
+                            </a:rPr>
+                          </m:ctrlPr>
+                        </m:sSubPr>
+                        <m:e>
+                          <m:r>
+                            <a:rPr lang="en-US" sz="2400" b="0" i="1" smtClean="0">
+                              <a:latin typeface="Cambria Math" panose="02040503050406030204" pitchFamily="18" charset="0"/>
+                            </a:rPr>
+                            <m:t>𝐼</m:t>
+                          </m:r>
+                        </m:e>
+                        <m:sub>
+                          <m:r>
+                            <a:rPr lang="en-US" sz="2400" b="0" i="1" smtClean="0">
+                              <a:latin typeface="Cambria Math" panose="02040503050406030204" pitchFamily="18" charset="0"/>
+                            </a:rPr>
+                            <m:t>𝑖𝑛𝑡</m:t>
+                          </m:r>
+                        </m:sub>
+                      </m:sSub>
+                    </m:oMath>
+                  </m:oMathPara>
+                </a14:m>
+                <a:endParaRPr lang="en-US" sz="2400" dirty="0"/>
+              </a:p>
+            </p:txBody>
+          </p:sp>
+        </mc:Choice>
+        <mc:Fallback xmlns="">
+          <p:sp>
+            <p:nvSpPr>
+              <p:cNvPr id="16" name="TextBox 15">
+                <a:extLst>
+                  <a:ext uri="{FF2B5EF4-FFF2-40B4-BE49-F238E27FC236}">
+                    <a16:creationId xmlns:a16="http://schemas.microsoft.com/office/drawing/2014/main" id="{AB31EAA1-5B21-144C-8FF3-8DA0141A896F}"/>
+                  </a:ext>
+                </a:extLst>
+              </p:cNvPr>
+              <p:cNvSpPr txBox="1">
+                <a:spLocks noRot="1" noChangeAspect="1" noMove="1" noResize="1" noEditPoints="1" noAdjustHandles="1" noChangeArrowheads="1" noChangeShapeType="1" noTextEdit="1"/>
+              </p:cNvSpPr>
+              <p:nvPr/>
+            </p:nvSpPr>
+            <p:spPr>
+              <a:xfrm>
+                <a:off x="609600" y="3059668"/>
+                <a:ext cx="3633559" cy="369332"/>
+              </a:xfrm>
+              <a:prstGeom prst="rect">
+                <a:avLst/>
+              </a:prstGeom>
+              <a:blipFill>
+                <a:blip r:embed="rId6"/>
+                <a:stretch>
+                  <a:fillRect b="-16667"/>
+                </a:stretch>
+              </a:blipFill>
+            </p:spPr>
+            <p:txBody>
+              <a:bodyPr/>
+              <a:lstStyle/>
+              <a:p>
+                <a:r>
+                  <a:rPr lang="en-US">
+                    <a:noFill/>
+                  </a:rPr>
+                  <a:t> </a:t>
+                </a:r>
+              </a:p>
+            </p:txBody>
+          </p:sp>
+        </mc:Fallback>
+      </mc:AlternateContent>
+      <mc:AlternateContent xmlns:mc="http://schemas.openxmlformats.org/markup-compatibility/2006" xmlns:a14="http://schemas.microsoft.com/office/drawing/2010/main">
+        <mc:Choice Requires="a14">
+          <p:sp>
+            <p:nvSpPr>
+              <p:cNvPr id="17" name="TextBox 16">
+                <a:extLst>
+                  <a:ext uri="{FF2B5EF4-FFF2-40B4-BE49-F238E27FC236}">
+                    <a16:creationId xmlns:a16="http://schemas.microsoft.com/office/drawing/2014/main" id="{B704BC5D-A92F-ED4B-BB10-13A0267D0BD3}"/>
+                  </a:ext>
+                </a:extLst>
+              </p:cNvPr>
+              <p:cNvSpPr txBox="1"/>
+              <p:nvPr/>
+            </p:nvSpPr>
+            <p:spPr>
+              <a:xfrm>
+                <a:off x="5701121" y="3124200"/>
+                <a:ext cx="1989712" cy="369332"/>
+              </a:xfrm>
+              <a:prstGeom prst="rect">
+                <a:avLst/>
+              </a:prstGeom>
+              <a:noFill/>
+            </p:spPr>
+            <p:txBody>
+              <a:bodyPr wrap="none" lIns="0" tIns="0" rIns="0" bIns="0" rtlCol="0">
+                <a:spAutoFit/>
+              </a:bodyPr>
+              <a:lstStyle/>
+              <a:p>
+                <a:pPr/>
+                <a14:m>
+                  <m:oMathPara xmlns:m="http://schemas.openxmlformats.org/officeDocument/2006/math">
+                    <m:oMathParaPr>
+                      <m:jc m:val="centerGroup"/>
+                    </m:oMathParaPr>
+                    <m:oMath xmlns:m="http://schemas.openxmlformats.org/officeDocument/2006/math">
+                      <m:r>
+                        <a:rPr lang="en-US" sz="2400" b="0" i="1" smtClean="0">
+                          <a:latin typeface="Cambria Math" panose="02040503050406030204" pitchFamily="18" charset="0"/>
+                        </a:rPr>
+                        <m:t>0=</m:t>
+                      </m:r>
+                      <m:r>
+                        <a:rPr lang="en-US" sz="2400" b="0" i="1" smtClean="0">
+                          <a:latin typeface="Cambria Math" panose="02040503050406030204" pitchFamily="18" charset="0"/>
+                        </a:rPr>
+                        <m:t>𝑐</m:t>
+                      </m:r>
+                      <m:sSub>
+                        <m:sSubPr>
+                          <m:ctrlPr>
+                            <a:rPr lang="en-US" sz="2400" b="0" i="1" smtClean="0">
+                              <a:latin typeface="Cambria Math" panose="02040503050406030204" pitchFamily="18" charset="0"/>
+                            </a:rPr>
+                          </m:ctrlPr>
+                        </m:sSubPr>
+                        <m:e>
+                          <m:r>
+                            <a:rPr lang="en-US" sz="2400" b="0" i="1" smtClean="0">
+                              <a:latin typeface="Cambria Math" panose="02040503050406030204" pitchFamily="18" charset="0"/>
+                            </a:rPr>
+                            <m:t>𝐼</m:t>
+                          </m:r>
+                        </m:e>
+                        <m:sub>
+                          <m:r>
+                            <a:rPr lang="en-US" sz="2400" b="0" i="1" smtClean="0">
+                              <a:latin typeface="Cambria Math" panose="02040503050406030204" pitchFamily="18" charset="0"/>
+                            </a:rPr>
+                            <m:t>𝑖𝑛𝑡</m:t>
+                          </m:r>
+                        </m:sub>
+                      </m:sSub>
+                      <m:r>
+                        <a:rPr lang="en-US" sz="2400" b="0" i="1" smtClean="0">
+                          <a:latin typeface="Cambria Math" panose="02040503050406030204" pitchFamily="18" charset="0"/>
+                        </a:rPr>
+                        <m:t>−</m:t>
+                      </m:r>
+                      <m:r>
+                        <a:rPr lang="en-US" sz="2400" b="0" i="1" smtClean="0">
+                          <a:latin typeface="Cambria Math" panose="02040503050406030204" pitchFamily="18" charset="0"/>
+                        </a:rPr>
+                        <m:t>𝑒𝑃</m:t>
+                      </m:r>
+                    </m:oMath>
+                  </m:oMathPara>
+                </a14:m>
+                <a:endParaRPr lang="en-US" sz="2400" dirty="0"/>
+              </a:p>
+            </p:txBody>
+          </p:sp>
+        </mc:Choice>
+        <mc:Fallback xmlns="">
+          <p:sp>
+            <p:nvSpPr>
+              <p:cNvPr id="17" name="TextBox 16">
+                <a:extLst>
+                  <a:ext uri="{FF2B5EF4-FFF2-40B4-BE49-F238E27FC236}">
+                    <a16:creationId xmlns:a16="http://schemas.microsoft.com/office/drawing/2014/main" id="{B704BC5D-A92F-ED4B-BB10-13A0267D0BD3}"/>
+                  </a:ext>
+                </a:extLst>
+              </p:cNvPr>
+              <p:cNvSpPr txBox="1">
+                <a:spLocks noRot="1" noChangeAspect="1" noMove="1" noResize="1" noEditPoints="1" noAdjustHandles="1" noChangeArrowheads="1" noChangeShapeType="1" noTextEdit="1"/>
+              </p:cNvSpPr>
+              <p:nvPr/>
+            </p:nvSpPr>
+            <p:spPr>
+              <a:xfrm>
+                <a:off x="5701121" y="3124200"/>
+                <a:ext cx="1989712" cy="369332"/>
+              </a:xfrm>
+              <a:prstGeom prst="rect">
+                <a:avLst/>
+              </a:prstGeom>
+              <a:blipFill>
+                <a:blip r:embed="rId7"/>
+                <a:stretch>
+                  <a:fillRect l="-1899" r="-1266" b="-16667"/>
+                </a:stretch>
+              </a:blipFill>
+            </p:spPr>
+            <p:txBody>
+              <a:bodyPr/>
+              <a:lstStyle/>
+              <a:p>
+                <a:r>
+                  <a:rPr lang="en-US">
+                    <a:noFill/>
+                  </a:rPr>
+                  <a:t> </a:t>
+                </a:r>
+              </a:p>
+            </p:txBody>
+          </p:sp>
+        </mc:Fallback>
+      </mc:AlternateContent>
+      <p:sp>
+        <p:nvSpPr>
+          <p:cNvPr id="19" name="TextBox 18">
+            <a:extLst>
+              <a:ext uri="{FF2B5EF4-FFF2-40B4-BE49-F238E27FC236}">
+                <a16:creationId xmlns:a16="http://schemas.microsoft.com/office/drawing/2014/main" id="{B2241BD3-B02B-3A49-85AB-E8C7177927D0}"/>
+              </a:ext>
+            </a:extLst>
+          </p:cNvPr>
+          <p:cNvSpPr txBox="1"/>
+          <p:nvPr/>
+        </p:nvSpPr>
+        <p:spPr>
+          <a:xfrm>
+            <a:off x="685800" y="4876800"/>
+            <a:ext cx="2505814" cy="400110"/>
+          </a:xfrm>
+          <a:prstGeom prst="rect">
+            <a:avLst/>
+          </a:prstGeom>
+          <a:noFill/>
+        </p:spPr>
+        <p:txBody>
+          <a:bodyPr wrap="none" rtlCol="0">
+            <a:spAutoFit/>
+          </a:bodyPr>
+          <a:lstStyle/>
+          <a:p>
+            <a:r>
+              <a:rPr lang="en-US" sz="2000" dirty="0"/>
+              <a:t>For the values used:</a:t>
+            </a:r>
+          </a:p>
+        </p:txBody>
+      </p:sp>
+      <mc:AlternateContent xmlns:mc="http://schemas.openxmlformats.org/markup-compatibility/2006" xmlns:a14="http://schemas.microsoft.com/office/drawing/2010/main">
+        <mc:Choice Requires="a14">
+          <p:sp>
+            <p:nvSpPr>
+              <p:cNvPr id="20" name="TextBox 19">
+                <a:extLst>
+                  <a:ext uri="{FF2B5EF4-FFF2-40B4-BE49-F238E27FC236}">
+                    <a16:creationId xmlns:a16="http://schemas.microsoft.com/office/drawing/2014/main" id="{580528BC-DE84-4146-AEFA-7884DC62708F}"/>
+                  </a:ext>
+                </a:extLst>
+              </p:cNvPr>
+              <p:cNvSpPr txBox="1"/>
+              <p:nvPr/>
+            </p:nvSpPr>
+            <p:spPr>
+              <a:xfrm>
+                <a:off x="1066800" y="5322332"/>
+                <a:ext cx="1395575" cy="369332"/>
+              </a:xfrm>
+              <a:prstGeom prst="rect">
+                <a:avLst/>
+              </a:prstGeom>
+              <a:noFill/>
+            </p:spPr>
+            <p:txBody>
+              <a:bodyPr wrap="none" lIns="0" tIns="0" rIns="0" bIns="0" rtlCol="0">
+                <a:spAutoFit/>
+              </a:bodyPr>
+              <a:lstStyle/>
+              <a:p>
+                <a:pPr/>
+                <a14:m>
+                  <m:oMathPara xmlns:m="http://schemas.openxmlformats.org/officeDocument/2006/math">
+                    <m:oMathParaPr>
+                      <m:jc m:val="centerGroup"/>
+                    </m:oMathParaPr>
+                    <m:oMath xmlns:m="http://schemas.openxmlformats.org/officeDocument/2006/math">
+                      <m:sSub>
+                        <m:sSubPr>
+                          <m:ctrlPr>
+                            <a:rPr lang="en-US" sz="2400" b="0" i="1" smtClean="0">
+                              <a:latin typeface="Cambria Math" panose="02040503050406030204" pitchFamily="18" charset="0"/>
+                            </a:rPr>
+                          </m:ctrlPr>
+                        </m:sSubPr>
+                        <m:e>
+                          <m:sSub>
+                            <m:sSubPr>
+                              <m:ctrlPr>
+                                <a:rPr lang="en-US" sz="2400" b="0" i="1" smtClean="0">
+                                  <a:latin typeface="Cambria Math" panose="02040503050406030204" pitchFamily="18" charset="0"/>
+                                </a:rPr>
+                              </m:ctrlPr>
+                            </m:sSubPr>
+                            <m:e>
+                              <m:r>
+                                <a:rPr lang="en-US" sz="2400" b="0" i="1" smtClean="0">
+                                  <a:latin typeface="Cambria Math" panose="02040503050406030204" pitchFamily="18" charset="0"/>
+                                </a:rPr>
+                                <m:t>𝐼</m:t>
+                              </m:r>
+                            </m:e>
+                            <m:sub>
+                              <m:r>
+                                <a:rPr lang="en-US" sz="2400" b="0" i="1" smtClean="0">
+                                  <a:latin typeface="Cambria Math" panose="02040503050406030204" pitchFamily="18" charset="0"/>
+                                </a:rPr>
+                                <m:t>𝑖𝑛𝑡</m:t>
+                              </m:r>
+                            </m:sub>
+                          </m:sSub>
+                          <m:r>
+                            <a:rPr lang="en-US" sz="2400" b="0" i="1" smtClean="0">
+                              <a:latin typeface="Cambria Math" panose="02040503050406030204" pitchFamily="18" charset="0"/>
+                            </a:rPr>
+                            <m:t>≈</m:t>
+                          </m:r>
+                          <m:r>
+                            <a:rPr lang="en-US" sz="2400" b="0" i="1" smtClean="0">
+                              <a:latin typeface="Cambria Math" panose="02040503050406030204" pitchFamily="18" charset="0"/>
+                            </a:rPr>
+                            <m:t>𝐼</m:t>
+                          </m:r>
+                        </m:e>
+                        <m:sub>
+                          <m:r>
+                            <a:rPr lang="en-US" sz="2400" b="0" i="1" smtClean="0">
+                              <a:latin typeface="Cambria Math" panose="02040503050406030204" pitchFamily="18" charset="0"/>
+                            </a:rPr>
+                            <m:t>𝑒𝑥𝑡</m:t>
+                          </m:r>
+                        </m:sub>
+                      </m:sSub>
+                    </m:oMath>
+                  </m:oMathPara>
+                </a14:m>
+                <a:endParaRPr lang="en-US" sz="2400" dirty="0"/>
+              </a:p>
+            </p:txBody>
+          </p:sp>
+        </mc:Choice>
+        <mc:Fallback xmlns="">
+          <p:sp>
+            <p:nvSpPr>
+              <p:cNvPr id="20" name="TextBox 19">
+                <a:extLst>
+                  <a:ext uri="{FF2B5EF4-FFF2-40B4-BE49-F238E27FC236}">
+                    <a16:creationId xmlns:a16="http://schemas.microsoft.com/office/drawing/2014/main" id="{580528BC-DE84-4146-AEFA-7884DC62708F}"/>
+                  </a:ext>
+                </a:extLst>
+              </p:cNvPr>
+              <p:cNvSpPr txBox="1">
+                <a:spLocks noRot="1" noChangeAspect="1" noMove="1" noResize="1" noEditPoints="1" noAdjustHandles="1" noChangeArrowheads="1" noChangeShapeType="1" noTextEdit="1"/>
+              </p:cNvSpPr>
+              <p:nvPr/>
+            </p:nvSpPr>
+            <p:spPr>
+              <a:xfrm>
+                <a:off x="1066800" y="5322332"/>
+                <a:ext cx="1395575" cy="369332"/>
+              </a:xfrm>
+              <a:prstGeom prst="rect">
+                <a:avLst/>
+              </a:prstGeom>
+              <a:blipFill>
+                <a:blip r:embed="rId8"/>
+                <a:stretch>
+                  <a:fillRect l="-4545" b="-16667"/>
+                </a:stretch>
+              </a:blipFill>
+            </p:spPr>
+            <p:txBody>
+              <a:bodyPr/>
+              <a:lstStyle/>
+              <a:p>
+                <a:r>
+                  <a:rPr lang="en-US">
+                    <a:noFill/>
+                  </a:rPr>
+                  <a:t> </a:t>
+                </a:r>
+              </a:p>
+            </p:txBody>
+          </p:sp>
+        </mc:Fallback>
+      </mc:AlternateContent>
+      <mc:AlternateContent xmlns:mc="http://schemas.openxmlformats.org/markup-compatibility/2006" xmlns:a14="http://schemas.microsoft.com/office/drawing/2010/main">
+        <mc:Choice Requires="a14">
+          <p:sp>
+            <p:nvSpPr>
+              <p:cNvPr id="21" name="TextBox 20">
+                <a:extLst>
+                  <a:ext uri="{FF2B5EF4-FFF2-40B4-BE49-F238E27FC236}">
+                    <a16:creationId xmlns:a16="http://schemas.microsoft.com/office/drawing/2014/main" id="{7C42EBBD-54E7-344E-B70F-B6E25B05595D}"/>
+                  </a:ext>
+                </a:extLst>
+              </p:cNvPr>
+              <p:cNvSpPr txBox="1"/>
+              <p:nvPr/>
+            </p:nvSpPr>
+            <p:spPr>
+              <a:xfrm>
+                <a:off x="2825560" y="5322332"/>
+                <a:ext cx="1322157" cy="369332"/>
+              </a:xfrm>
+              <a:prstGeom prst="rect">
+                <a:avLst/>
+              </a:prstGeom>
+              <a:noFill/>
+            </p:spPr>
+            <p:txBody>
+              <a:bodyPr wrap="none" lIns="0" tIns="0" rIns="0" bIns="0" rtlCol="0">
+                <a:spAutoFit/>
+              </a:bodyPr>
+              <a:lstStyle/>
+              <a:p>
+                <a:pPr/>
+                <a14:m>
+                  <m:oMathPara xmlns:m="http://schemas.openxmlformats.org/officeDocument/2006/math">
+                    <m:oMathParaPr>
+                      <m:jc m:val="centerGroup"/>
+                    </m:oMathParaPr>
+                    <m:oMath xmlns:m="http://schemas.openxmlformats.org/officeDocument/2006/math">
+                      <m:r>
+                        <a:rPr lang="en-US" sz="2400" b="0" i="1" smtClean="0">
+                          <a:latin typeface="Cambria Math" panose="02040503050406030204" pitchFamily="18" charset="0"/>
+                        </a:rPr>
+                        <m:t>𝑃</m:t>
+                      </m:r>
+                      <m:r>
+                        <a:rPr lang="en-US" sz="2400" b="0" i="1" smtClean="0">
+                          <a:latin typeface="Cambria Math" panose="02040503050406030204" pitchFamily="18" charset="0"/>
+                        </a:rPr>
+                        <m:t>≈2</m:t>
+                      </m:r>
+                      <m:sSub>
+                        <m:sSubPr>
+                          <m:ctrlPr>
+                            <a:rPr lang="en-US" sz="2400" b="0" i="1" smtClean="0">
+                              <a:latin typeface="Cambria Math" panose="02040503050406030204" pitchFamily="18" charset="0"/>
+                            </a:rPr>
+                          </m:ctrlPr>
+                        </m:sSubPr>
+                        <m:e>
+                          <m:r>
+                            <a:rPr lang="en-US" sz="2400" b="0" i="1" smtClean="0">
+                              <a:latin typeface="Cambria Math" panose="02040503050406030204" pitchFamily="18" charset="0"/>
+                            </a:rPr>
+                            <m:t>𝐼</m:t>
+                          </m:r>
+                        </m:e>
+                        <m:sub>
+                          <m:r>
+                            <a:rPr lang="en-US" sz="2400" b="0" i="1" smtClean="0">
+                              <a:latin typeface="Cambria Math" panose="02040503050406030204" pitchFamily="18" charset="0"/>
+                            </a:rPr>
+                            <m:t>𝑒𝑥𝑡</m:t>
+                          </m:r>
+                        </m:sub>
+                      </m:sSub>
+                    </m:oMath>
+                  </m:oMathPara>
+                </a14:m>
+                <a:endParaRPr lang="en-US" sz="2400" dirty="0"/>
+              </a:p>
+            </p:txBody>
+          </p:sp>
+        </mc:Choice>
+        <mc:Fallback xmlns="">
+          <p:sp>
+            <p:nvSpPr>
+              <p:cNvPr id="21" name="TextBox 20">
+                <a:extLst>
+                  <a:ext uri="{FF2B5EF4-FFF2-40B4-BE49-F238E27FC236}">
+                    <a16:creationId xmlns:a16="http://schemas.microsoft.com/office/drawing/2014/main" id="{7C42EBBD-54E7-344E-B70F-B6E25B05595D}"/>
+                  </a:ext>
+                </a:extLst>
+              </p:cNvPr>
+              <p:cNvSpPr txBox="1">
+                <a:spLocks noRot="1" noChangeAspect="1" noMove="1" noResize="1" noEditPoints="1" noAdjustHandles="1" noChangeArrowheads="1" noChangeShapeType="1" noTextEdit="1"/>
+              </p:cNvSpPr>
+              <p:nvPr/>
+            </p:nvSpPr>
+            <p:spPr>
+              <a:xfrm>
+                <a:off x="2825560" y="5322332"/>
+                <a:ext cx="1322157" cy="369332"/>
+              </a:xfrm>
+              <a:prstGeom prst="rect">
+                <a:avLst/>
+              </a:prstGeom>
+              <a:blipFill>
+                <a:blip r:embed="rId9"/>
+                <a:stretch>
+                  <a:fillRect l="-3774" b="-13333"/>
+                </a:stretch>
+              </a:blipFill>
+            </p:spPr>
+            <p:txBody>
+              <a:bodyPr/>
+              <a:lstStyle/>
+              <a:p>
+                <a:r>
+                  <a:rPr lang="en-US">
+                    <a:noFill/>
+                  </a:rPr>
+                  <a:t> </a:t>
+                </a:r>
+              </a:p>
+            </p:txBody>
+          </p:sp>
+        </mc:Fallback>
+      </mc:AlternateContent>
+      <p:sp>
+        <p:nvSpPr>
+          <p:cNvPr id="22" name="TextBox 21">
+            <a:extLst>
+              <a:ext uri="{FF2B5EF4-FFF2-40B4-BE49-F238E27FC236}">
+                <a16:creationId xmlns:a16="http://schemas.microsoft.com/office/drawing/2014/main" id="{11A88FD9-5F3F-E64D-800E-651AA448D726}"/>
+              </a:ext>
+            </a:extLst>
+          </p:cNvPr>
+          <p:cNvSpPr txBox="1"/>
+          <p:nvPr/>
+        </p:nvSpPr>
+        <p:spPr>
+          <a:xfrm>
+            <a:off x="730422" y="3610524"/>
+            <a:ext cx="1098378" cy="400110"/>
+          </a:xfrm>
+          <a:prstGeom prst="rect">
+            <a:avLst/>
+          </a:prstGeom>
+          <a:noFill/>
+        </p:spPr>
+        <p:txBody>
+          <a:bodyPr wrap="none" rtlCol="0">
+            <a:spAutoFit/>
+          </a:bodyPr>
+          <a:lstStyle/>
+          <a:p>
+            <a:r>
+              <a:rPr lang="en-US" sz="2000" dirty="0"/>
+              <a:t>Solving:</a:t>
+            </a:r>
+          </a:p>
+        </p:txBody>
+      </p:sp>
+    </p:spTree>
+    <p:extLst>
+      <p:ext uri="{BB962C8B-B14F-4D97-AF65-F5344CB8AC3E}">
+        <p14:creationId xmlns:p14="http://schemas.microsoft.com/office/powerpoint/2010/main" val="1650100181"/>
+      </p:ext>
+    </p:extLst>
+  </p:cSld>
+  <p:clrMapOvr>
+    <a:masterClrMapping/>
+  </p:clrMapOvr>
+  <p:timing>
+    <p:tnLst>
+      <p:par>
+        <p:cTn id="1" dur="indefinite" restart="never" nodeType="tmRoot">
+          <p:childTnLst>
+            <p:seq concurrent="1" nextAc="seek">
+              <p:cTn id="2" dur="indefinite" nodeType="mainSeq">
+                <p:childTnLst>
+                  <p:par>
+                    <p:cTn id="3" fill="hold">
+                      <p:stCondLst>
+                        <p:cond delay="indefinite"/>
+                      </p:stCondLst>
+                      <p:childTnLst>
+                        <p:par>
+                          <p:cTn id="4" fill="hold">
+                            <p:stCondLst>
+                              <p:cond delay="0"/>
+                            </p:stCondLst>
+                            <p:childTnLst>
+                              <p:par>
+                                <p:cTn id="5" presetID="1" presetClass="entr" presetSubtype="0" fill="hold" grpId="0" nodeType="clickEffect">
+                                  <p:stCondLst>
+                                    <p:cond delay="0"/>
+                                  </p:stCondLst>
+                                  <p:childTnLst>
+                                    <p:set>
+                                      <p:cBhvr>
+                                        <p:cTn id="6" dur="1" fill="hold">
+                                          <p:stCondLst>
+                                            <p:cond delay="0"/>
+                                          </p:stCondLst>
+                                        </p:cTn>
+                                        <p:tgtEl>
+                                          <p:spTgt spid="5"/>
+                                        </p:tgtEl>
+                                        <p:attrNameLst>
+                                          <p:attrName>style.visibility</p:attrName>
+                                        </p:attrNameLst>
+                                      </p:cBhvr>
+                                      <p:to>
+                                        <p:strVal val="visible"/>
+                                      </p:to>
+                                    </p:set>
+                                  </p:childTnLst>
+                                </p:cTn>
+                              </p:par>
+                              <p:par>
+                                <p:cTn id="7" presetID="1" presetClass="entr" presetSubtype="0" fill="hold" grpId="0" nodeType="withEffect">
+                                  <p:stCondLst>
+                                    <p:cond delay="0"/>
+                                  </p:stCondLst>
+                                  <p:childTnLst>
+                                    <p:set>
+                                      <p:cBhvr>
+                                        <p:cTn id="8" dur="1" fill="hold">
+                                          <p:stCondLst>
+                                            <p:cond delay="0"/>
+                                          </p:stCondLst>
+                                        </p:cTn>
+                                        <p:tgtEl>
+                                          <p:spTgt spid="6"/>
+                                        </p:tgtEl>
+                                        <p:attrNameLst>
+                                          <p:attrName>style.visibility</p:attrName>
+                                        </p:attrNameLst>
+                                      </p:cBhvr>
+                                      <p:to>
+                                        <p:strVal val="visible"/>
+                                      </p:to>
+                                    </p:set>
+                                  </p:childTnLst>
+                                </p:cTn>
+                              </p:par>
+                              <p:par>
+                                <p:cTn id="9" presetID="1" presetClass="entr" presetSubtype="0" fill="hold" grpId="0" nodeType="withEffect">
+                                  <p:stCondLst>
+                                    <p:cond delay="0"/>
+                                  </p:stCondLst>
+                                  <p:childTnLst>
+                                    <p:set>
+                                      <p:cBhvr>
+                                        <p:cTn id="10" dur="1" fill="hold">
+                                          <p:stCondLst>
+                                            <p:cond delay="0"/>
+                                          </p:stCondLst>
+                                        </p:cTn>
+                                        <p:tgtEl>
+                                          <p:spTgt spid="15"/>
+                                        </p:tgtEl>
+                                        <p:attrNameLst>
+                                          <p:attrName>style.visibility</p:attrName>
+                                        </p:attrNameLst>
+                                      </p:cBhvr>
+                                      <p:to>
+                                        <p:strVal val="visible"/>
+                                      </p:to>
+                                    </p:set>
+                                  </p:childTnLst>
+                                </p:cTn>
+                              </p:par>
+                            </p:childTnLst>
+                          </p:cTn>
+                        </p:par>
+                      </p:childTnLst>
+                    </p:cTn>
+                  </p:par>
+                  <p:par>
+                    <p:cTn id="11" fill="hold">
+                      <p:stCondLst>
+                        <p:cond delay="indefinite"/>
+                      </p:stCondLst>
+                      <p:childTnLst>
+                        <p:par>
+                          <p:cTn id="12" fill="hold">
+                            <p:stCondLst>
+                              <p:cond delay="0"/>
+                            </p:stCondLst>
+                            <p:childTnLst>
+                              <p:par>
+                                <p:cTn id="13" presetID="1" presetClass="entr" presetSubtype="0" fill="hold" grpId="0" nodeType="clickEffect">
+                                  <p:stCondLst>
+                                    <p:cond delay="0"/>
+                                  </p:stCondLst>
+                                  <p:childTnLst>
+                                    <p:set>
+                                      <p:cBhvr>
+                                        <p:cTn id="14" dur="1" fill="hold">
+                                          <p:stCondLst>
+                                            <p:cond delay="0"/>
+                                          </p:stCondLst>
+                                        </p:cTn>
+                                        <p:tgtEl>
+                                          <p:spTgt spid="16"/>
+                                        </p:tgtEl>
+                                        <p:attrNameLst>
+                                          <p:attrName>style.visibility</p:attrName>
+                                        </p:attrNameLst>
+                                      </p:cBhvr>
+                                      <p:to>
+                                        <p:strVal val="visible"/>
+                                      </p:to>
+                                    </p:set>
+                                  </p:childTnLst>
+                                </p:cTn>
+                              </p:par>
+                              <p:par>
+                                <p:cTn id="15" presetID="1" presetClass="entr" presetSubtype="0" fill="hold" grpId="0" nodeType="withEffect">
+                                  <p:stCondLst>
+                                    <p:cond delay="0"/>
+                                  </p:stCondLst>
+                                  <p:childTnLst>
+                                    <p:set>
+                                      <p:cBhvr>
+                                        <p:cTn id="16" dur="1" fill="hold">
+                                          <p:stCondLst>
+                                            <p:cond delay="0"/>
+                                          </p:stCondLst>
+                                        </p:cTn>
+                                        <p:tgtEl>
+                                          <p:spTgt spid="17"/>
+                                        </p:tgtEl>
+                                        <p:attrNameLst>
+                                          <p:attrName>style.visibility</p:attrName>
+                                        </p:attrNameLst>
+                                      </p:cBhvr>
+                                      <p:to>
+                                        <p:strVal val="visible"/>
+                                      </p:to>
+                                    </p:set>
+                                  </p:childTnLst>
+                                </p:cTn>
+                              </p:par>
+                            </p:childTnLst>
+                          </p:cTn>
+                        </p:par>
+                      </p:childTnLst>
+                    </p:cTn>
+                  </p:par>
+                  <p:par>
+                    <p:cTn id="17" fill="hold">
+                      <p:stCondLst>
+                        <p:cond delay="indefinite"/>
+                      </p:stCondLst>
+                      <p:childTnLst>
+                        <p:par>
+                          <p:cTn id="18" fill="hold">
+                            <p:stCondLst>
+                              <p:cond delay="0"/>
+                            </p:stCondLst>
+                            <p:childTnLst>
+                              <p:par>
+                                <p:cTn id="19" presetID="1" presetClass="entr" presetSubtype="0" fill="hold" grpId="0" nodeType="clickEffect">
+                                  <p:stCondLst>
+                                    <p:cond delay="0"/>
+                                  </p:stCondLst>
+                                  <p:childTnLst>
+                                    <p:set>
+                                      <p:cBhvr>
+                                        <p:cTn id="20" dur="1" fill="hold">
+                                          <p:stCondLst>
+                                            <p:cond delay="0"/>
+                                          </p:stCondLst>
+                                        </p:cTn>
+                                        <p:tgtEl>
+                                          <p:spTgt spid="11"/>
+                                        </p:tgtEl>
+                                        <p:attrNameLst>
+                                          <p:attrName>style.visibility</p:attrName>
+                                        </p:attrNameLst>
+                                      </p:cBhvr>
+                                      <p:to>
+                                        <p:strVal val="visible"/>
+                                      </p:to>
+                                    </p:set>
+                                  </p:childTnLst>
+                                </p:cTn>
+                              </p:par>
+                              <p:par>
+                                <p:cTn id="21" presetID="1" presetClass="entr" presetSubtype="0" fill="hold" grpId="0" nodeType="withEffect">
+                                  <p:stCondLst>
+                                    <p:cond delay="0"/>
+                                  </p:stCondLst>
+                                  <p:childTnLst>
+                                    <p:set>
+                                      <p:cBhvr>
+                                        <p:cTn id="22" dur="1" fill="hold">
+                                          <p:stCondLst>
+                                            <p:cond delay="0"/>
+                                          </p:stCondLst>
+                                        </p:cTn>
+                                        <p:tgtEl>
+                                          <p:spTgt spid="12"/>
+                                        </p:tgtEl>
+                                        <p:attrNameLst>
+                                          <p:attrName>style.visibility</p:attrName>
+                                        </p:attrNameLst>
+                                      </p:cBhvr>
+                                      <p:to>
+                                        <p:strVal val="visible"/>
+                                      </p:to>
+                                    </p:set>
+                                  </p:childTnLst>
+                                </p:cTn>
+                              </p:par>
+                              <p:par>
+                                <p:cTn id="23" presetID="1" presetClass="entr" presetSubtype="0" fill="hold" grpId="0" nodeType="withEffect">
+                                  <p:stCondLst>
+                                    <p:cond delay="0"/>
+                                  </p:stCondLst>
+                                  <p:childTnLst>
+                                    <p:set>
+                                      <p:cBhvr>
+                                        <p:cTn id="24" dur="1" fill="hold">
+                                          <p:stCondLst>
+                                            <p:cond delay="0"/>
+                                          </p:stCondLst>
+                                        </p:cTn>
+                                        <p:tgtEl>
+                                          <p:spTgt spid="22"/>
+                                        </p:tgtEl>
+                                        <p:attrNameLst>
+                                          <p:attrName>style.visibility</p:attrName>
+                                        </p:attrNameLst>
+                                      </p:cBhvr>
+                                      <p:to>
+                                        <p:strVal val="visible"/>
+                                      </p:to>
+                                    </p:set>
+                                  </p:childTnLst>
+                                </p:cTn>
+                              </p:par>
+                              <p:par>
+                                <p:cTn id="25" presetID="1" presetClass="entr" presetSubtype="0" fill="hold" grpId="0" nodeType="withEffect">
+                                  <p:stCondLst>
+                                    <p:cond delay="0"/>
+                                  </p:stCondLst>
+                                  <p:childTnLst>
+                                    <p:set>
+                                      <p:cBhvr>
+                                        <p:cTn id="26" dur="1" fill="hold">
+                                          <p:stCondLst>
+                                            <p:cond delay="0"/>
+                                          </p:stCondLst>
+                                        </p:cTn>
+                                        <p:tgtEl>
+                                          <p:spTgt spid="19"/>
+                                        </p:tgtEl>
+                                        <p:attrNameLst>
+                                          <p:attrName>style.visibility</p:attrName>
+                                        </p:attrNameLst>
+                                      </p:cBhvr>
+                                      <p:to>
+                                        <p:strVal val="visible"/>
+                                      </p:to>
+                                    </p:set>
+                                  </p:childTnLst>
+                                </p:cTn>
+                              </p:par>
+                              <p:par>
+                                <p:cTn id="27" presetID="1" presetClass="entr" presetSubtype="0" fill="hold" grpId="0" nodeType="withEffect">
+                                  <p:stCondLst>
+                                    <p:cond delay="0"/>
+                                  </p:stCondLst>
+                                  <p:childTnLst>
+                                    <p:set>
+                                      <p:cBhvr>
+                                        <p:cTn id="28" dur="1" fill="hold">
+                                          <p:stCondLst>
+                                            <p:cond delay="0"/>
+                                          </p:stCondLst>
+                                        </p:cTn>
+                                        <p:tgtEl>
+                                          <p:spTgt spid="20"/>
+                                        </p:tgtEl>
+                                        <p:attrNameLst>
+                                          <p:attrName>style.visibility</p:attrName>
+                                        </p:attrNameLst>
+                                      </p:cBhvr>
+                                      <p:to>
+                                        <p:strVal val="visible"/>
+                                      </p:to>
+                                    </p:set>
+                                  </p:childTnLst>
+                                </p:cTn>
+                              </p:par>
+                              <p:par>
+                                <p:cTn id="29" presetID="1" presetClass="entr" presetSubtype="0" fill="hold" grpId="0" nodeType="withEffect">
+                                  <p:stCondLst>
+                                    <p:cond delay="0"/>
+                                  </p:stCondLst>
+                                  <p:childTnLst>
+                                    <p:set>
+                                      <p:cBhvr>
+                                        <p:cTn id="30" dur="1" fill="hold">
+                                          <p:stCondLst>
+                                            <p:cond delay="0"/>
+                                          </p:stCondLst>
+                                        </p:cTn>
+                                        <p:tgtEl>
+                                          <p:spTgt spid="21"/>
+                                        </p:tgtEl>
+                                        <p:attrNameLst>
+                                          <p:attrName>style.visibility</p:attrName>
+                                        </p:attrNameLst>
+                                      </p:cBhvr>
+                                      <p:to>
+                                        <p:strVal val="visible"/>
+                                      </p:to>
+                                    </p:set>
+                                  </p:childTnLst>
+                                </p:cTn>
+                              </p:par>
+                            </p:childTnLst>
+                          </p:cTn>
+                        </p:par>
+                      </p:childTnLst>
+                    </p:cTn>
+                  </p:par>
+                </p:childTnLst>
+              </p:cTn>
+              <p:prevCondLst>
+                <p:cond evt="onPrev" delay="0">
+                  <p:tgtEl>
+                    <p:sldTgt/>
+                  </p:tgtEl>
+                </p:cond>
+              </p:prevCondLst>
+              <p:nextCondLst>
+                <p:cond evt="onNext" delay="0">
+                  <p:tgtEl>
+                    <p:sldTgt/>
+                  </p:tgtEl>
+                </p:cond>
+              </p:nextCondLst>
+            </p:seq>
+          </p:childTnLst>
+        </p:cTn>
+      </p:par>
+    </p:tnLst>
+    <p:bldLst>
+      <p:bldP spid="5" grpId="0"/>
+      <p:bldP spid="6" grpId="0"/>
+      <p:bldP spid="11" grpId="0"/>
+      <p:bldP spid="12" grpId="0"/>
+      <p:bldP spid="15" grpId="0"/>
+      <p:bldP spid="16" grpId="0"/>
+      <p:bldP spid="17" grpId="0"/>
+      <p:bldP spid="19" grpId="0"/>
+      <p:bldP spid="20" grpId="0"/>
+      <p:bldP spid="21" grpId="0"/>
+      <p:bldP spid="22" grpId="0"/>
+    </p:bldLst>
+  </p:timing>
+</p:sld>
+</file>
+
+<file path=ppt/slides/slide17.xml><?xml version="1.0" encoding="utf-8"?>
+<p:sld xmlns:a="http://schemas.openxmlformats.org/drawingml/2006/main" xmlns:r="http://schemas.openxmlformats.org/officeDocument/2006/relationships" xmlns:p="http://schemas.openxmlformats.org/presentationml/2006/main">
+  <p:cSld>
+    <p:spTree>
+      <p:nvGrpSpPr>
+        <p:cNvPr id="1" name=""/>
+        <p:cNvGrpSpPr/>
+        <p:nvPr/>
+      </p:nvGrpSpPr>
+      <p:grpSpPr>
+        <a:xfrm>
+          <a:off x="0" y="0"/>
+          <a:ext cx="0" cy="0"/>
+          <a:chOff x="0" y="0"/>
+          <a:chExt cx="0" cy="0"/>
+        </a:xfrm>
+      </p:grpSpPr>
+      <p:sp>
+        <p:nvSpPr>
+          <p:cNvPr id="2" name="Title 1">
+            <a:extLst>
+              <a:ext uri="{FF2B5EF4-FFF2-40B4-BE49-F238E27FC236}">
                 <a16:creationId xmlns:a16="http://schemas.microsoft.com/office/drawing/2014/main" id="{E8BB832E-CC9B-854B-8A05-8A22B43B0D4C}"/>
               </a:ext>
             </a:extLst>
@@ -7441,7 +9460,7 @@
               <a:pPr>
                 <a:defRPr/>
               </a:pPr>
-              <a:t>16</a:t>
+              <a:t>17</a:t>
             </a:fld>
             <a:endParaRPr lang="en-US" altLang="x-none"/>
           </a:p>
@@ -7460,7 +9479,7 @@
 </p:sld>
 </file>
 
-<file path=ppt/slides/slide17.xml><?xml version="1.0" encoding="utf-8"?>
+<file path=ppt/slides/slide18.xml><?xml version="1.0" encoding="utf-8"?>
 <p:sld xmlns:a="http://schemas.openxmlformats.org/drawingml/2006/main" xmlns:r="http://schemas.openxmlformats.org/officeDocument/2006/relationships" xmlns:p="http://schemas.openxmlformats.org/presentationml/2006/main">
   <p:cSld>
     <p:spTree>
@@ -7534,7 +9553,7 @@
               <a:pPr>
                 <a:defRPr/>
               </a:pPr>
-              <a:t>17</a:t>
+              <a:t>18</a:t>
             </a:fld>
             <a:endParaRPr lang="en-US" altLang="x-none"/>
           </a:p>
@@ -8009,7 +10028,7 @@
 </p:sld>
 </file>
 
-<file path=ppt/slides/slide18.xml><?xml version="1.0" encoding="utf-8"?>
+<file path=ppt/slides/slide19.xml><?xml version="1.0" encoding="utf-8"?>
 <p:sld xmlns:a="http://schemas.openxmlformats.org/drawingml/2006/main" xmlns:r="http://schemas.openxmlformats.org/officeDocument/2006/relationships" xmlns:p="http://schemas.openxmlformats.org/presentationml/2006/main">
   <p:cSld>
     <p:spTree>
@@ -8083,7 +10102,7 @@
               <a:pPr>
                 <a:defRPr/>
               </a:pPr>
-              <a:t>18</a:t>
+              <a:t>19</a:t>
             </a:fld>
             <a:endParaRPr lang="en-US" altLang="x-none"/>
           </a:p>
@@ -8167,7 +10186,146 @@
 </p:sld>
 </file>
 
-<file path=ppt/slides/slide19.xml><?xml version="1.0" encoding="utf-8"?>
+<file path=ppt/slides/slide2.xml><?xml version="1.0" encoding="utf-8"?>
+<p:sld xmlns:a="http://schemas.openxmlformats.org/drawingml/2006/main" xmlns:r="http://schemas.openxmlformats.org/officeDocument/2006/relationships" xmlns:p="http://schemas.openxmlformats.org/presentationml/2006/main">
+  <p:cSld>
+    <p:spTree>
+      <p:nvGrpSpPr>
+        <p:cNvPr id="1" name=""/>
+        <p:cNvGrpSpPr/>
+        <p:nvPr/>
+      </p:nvGrpSpPr>
+      <p:grpSpPr>
+        <a:xfrm>
+          <a:off x="0" y="0"/>
+          <a:ext cx="0" cy="0"/>
+          <a:chOff x="0" y="0"/>
+          <a:chExt cx="0" cy="0"/>
+        </a:xfrm>
+      </p:grpSpPr>
+      <p:sp>
+        <p:nvSpPr>
+          <p:cNvPr id="2" name="Title 1">
+            <a:extLst>
+              <a:ext uri="{FF2B5EF4-FFF2-40B4-BE49-F238E27FC236}">
+                <a16:creationId xmlns:a16="http://schemas.microsoft.com/office/drawing/2014/main" id="{E8BB832E-CC9B-854B-8A05-8A22B43B0D4C}"/>
+              </a:ext>
+            </a:extLst>
+          </p:cNvPr>
+          <p:cNvSpPr>
+            <a:spLocks noGrp="1"/>
+          </p:cNvSpPr>
+          <p:nvPr>
+            <p:ph type="title"/>
+          </p:nvPr>
+        </p:nvSpPr>
+        <p:spPr/>
+        <p:txBody>
+          <a:bodyPr/>
+          <a:lstStyle/>
+          <a:p>
+            <a:r>
+              <a:rPr lang="en-US" sz="4000" dirty="0"/>
+              <a:t>Model Solvers</a:t>
+            </a:r>
+          </a:p>
+        </p:txBody>
+      </p:sp>
+      <p:sp>
+        <p:nvSpPr>
+          <p:cNvPr id="3" name="Content Placeholder 2">
+            <a:extLst>
+              <a:ext uri="{FF2B5EF4-FFF2-40B4-BE49-F238E27FC236}">
+                <a16:creationId xmlns:a16="http://schemas.microsoft.com/office/drawing/2014/main" id="{0923531A-5613-644F-A452-FD07BB5BE2AA}"/>
+              </a:ext>
+            </a:extLst>
+          </p:cNvPr>
+          <p:cNvSpPr>
+            <a:spLocks noGrp="1"/>
+          </p:cNvSpPr>
+          <p:nvPr>
+            <p:ph idx="1"/>
+          </p:nvPr>
+        </p:nvSpPr>
+        <p:spPr/>
+        <p:txBody>
+          <a:bodyPr/>
+          <a:lstStyle/>
+          <a:p>
+            <a:r>
+              <a:rPr lang="en-US" dirty="0"/>
+              <a:t>Motivating example – lac operon</a:t>
+            </a:r>
+          </a:p>
+          <a:p>
+            <a:r>
+              <a:rPr lang="en-US" dirty="0"/>
+              <a:t>Alternative methods</a:t>
+            </a:r>
+          </a:p>
+          <a:p>
+            <a:r>
+              <a:rPr lang="en-US" dirty="0"/>
+              <a:t>Software</a:t>
+            </a:r>
+          </a:p>
+          <a:p>
+            <a:r>
+              <a:rPr lang="en-US" dirty="0"/>
+              <a:t>In class exercise</a:t>
+            </a:r>
+          </a:p>
+        </p:txBody>
+      </p:sp>
+      <p:sp>
+        <p:nvSpPr>
+          <p:cNvPr id="4" name="Slide Number Placeholder 3">
+            <a:extLst>
+              <a:ext uri="{FF2B5EF4-FFF2-40B4-BE49-F238E27FC236}">
+                <a16:creationId xmlns:a16="http://schemas.microsoft.com/office/drawing/2014/main" id="{DADC0F65-AB27-044B-8A55-409E7FDC9598}"/>
+              </a:ext>
+            </a:extLst>
+          </p:cNvPr>
+          <p:cNvSpPr>
+            <a:spLocks noGrp="1"/>
+          </p:cNvSpPr>
+          <p:nvPr>
+            <p:ph type="sldNum" sz="quarter" idx="11"/>
+          </p:nvPr>
+        </p:nvSpPr>
+        <p:spPr/>
+        <p:txBody>
+          <a:bodyPr/>
+          <a:lstStyle/>
+          <a:p>
+            <a:pPr>
+              <a:defRPr/>
+            </a:pPr>
+            <a:fld id="{3EF4E9CC-9D91-476E-91FD-5BEEC1642931}" type="slidenum">
+              <a:rPr lang="en-US" altLang="x-none" smtClean="0"/>
+              <a:pPr>
+                <a:defRPr/>
+              </a:pPr>
+              <a:t>2</a:t>
+            </a:fld>
+            <a:endParaRPr lang="en-US" altLang="x-none"/>
+          </a:p>
+        </p:txBody>
+      </p:sp>
+    </p:spTree>
+    <p:extLst>
+      <p:ext uri="{BB962C8B-B14F-4D97-AF65-F5344CB8AC3E}">
+        <p14:creationId xmlns:p14="http://schemas.microsoft.com/office/powerpoint/2010/main" val="803054132"/>
+      </p:ext>
+    </p:extLst>
+  </p:cSld>
+  <p:clrMapOvr>
+    <a:masterClrMapping/>
+  </p:clrMapOvr>
+</p:sld>
+</file>
+
+<file path=ppt/slides/slide20.xml><?xml version="1.0" encoding="utf-8"?>
 <p:sld xmlns:a="http://schemas.openxmlformats.org/drawingml/2006/main" xmlns:r="http://schemas.openxmlformats.org/officeDocument/2006/relationships" xmlns:p="http://schemas.openxmlformats.org/presentationml/2006/main">
   <p:cSld>
     <p:spTree>
@@ -8241,7 +10399,7 @@
               <a:pPr>
                 <a:defRPr/>
               </a:pPr>
-              <a:t>19</a:t>
+              <a:t>20</a:t>
             </a:fld>
             <a:endParaRPr lang="en-US" altLang="x-none"/>
           </a:p>
@@ -8320,8 +10478,8 @@
           </a:prstGeom>
         </p:spPr>
       </p:pic>
-      <mc:AlternateContent xmlns:mc="http://schemas.openxmlformats.org/markup-compatibility/2006">
-        <mc:Choice xmlns:a14="http://schemas.microsoft.com/office/drawing/2010/main" Requires="a14">
+      <mc:AlternateContent xmlns:mc="http://schemas.openxmlformats.org/markup-compatibility/2006" xmlns:a14="http://schemas.microsoft.com/office/drawing/2010/main">
+        <mc:Choice Requires="a14">
           <p:sp>
             <p:nvSpPr>
               <p:cNvPr id="7" name="TextBox 6">
@@ -8350,6 +10508,7 @@
               </a:bodyPr>
               <a:lstStyle/>
               <a:p>
+                <a:pPr/>
                 <a14:m>
                   <m:oMathPara xmlns:m="http://schemas.openxmlformats.org/officeDocument/2006/math">
                     <m:oMathParaPr>
@@ -8382,7 +10541,7 @@
             </p:txBody>
           </p:sp>
         </mc:Choice>
-        <mc:Fallback>
+        <mc:Fallback xmlns="">
           <p:sp>
             <p:nvSpPr>
               <p:cNvPr id="7" name="TextBox 6">
@@ -8629,8 +10788,8 @@
           </a:p>
         </p:txBody>
       </p:sp>
-      <mc:AlternateContent xmlns:mc="http://schemas.openxmlformats.org/markup-compatibility/2006">
-        <mc:Choice xmlns:a14="http://schemas.microsoft.com/office/drawing/2010/main" Requires="a14">
+      <mc:AlternateContent xmlns:mc="http://schemas.openxmlformats.org/markup-compatibility/2006" xmlns:a14="http://schemas.microsoft.com/office/drawing/2010/main">
+        <mc:Choice Requires="a14">
           <p:sp>
             <p:nvSpPr>
               <p:cNvPr id="15" name="TextBox 14">
@@ -8659,6 +10818,7 @@
               </a:bodyPr>
               <a:lstStyle/>
               <a:p>
+                <a:pPr/>
                 <a14:m>
                   <m:oMathPara xmlns:m="http://schemas.openxmlformats.org/officeDocument/2006/math">
                     <m:oMathParaPr>
@@ -8698,7 +10858,7 @@
             </p:txBody>
           </p:sp>
         </mc:Choice>
-        <mc:Fallback>
+        <mc:Fallback xmlns="">
           <p:sp>
             <p:nvSpPr>
               <p:cNvPr id="15" name="TextBox 14">
@@ -8916,146 +11076,7 @@
 </p:sld>
 </file>
 
-<file path=ppt/slides/slide2.xml><?xml version="1.0" encoding="utf-8"?>
-<p:sld xmlns:a="http://schemas.openxmlformats.org/drawingml/2006/main" xmlns:r="http://schemas.openxmlformats.org/officeDocument/2006/relationships" xmlns:p="http://schemas.openxmlformats.org/presentationml/2006/main">
-  <p:cSld>
-    <p:spTree>
-      <p:nvGrpSpPr>
-        <p:cNvPr id="1" name=""/>
-        <p:cNvGrpSpPr/>
-        <p:nvPr/>
-      </p:nvGrpSpPr>
-      <p:grpSpPr>
-        <a:xfrm>
-          <a:off x="0" y="0"/>
-          <a:ext cx="0" cy="0"/>
-          <a:chOff x="0" y="0"/>
-          <a:chExt cx="0" cy="0"/>
-        </a:xfrm>
-      </p:grpSpPr>
-      <p:sp>
-        <p:nvSpPr>
-          <p:cNvPr id="2" name="Title 1">
-            <a:extLst>
-              <a:ext uri="{FF2B5EF4-FFF2-40B4-BE49-F238E27FC236}">
-                <a16:creationId xmlns:a16="http://schemas.microsoft.com/office/drawing/2014/main" id="{E8BB832E-CC9B-854B-8A05-8A22B43B0D4C}"/>
-              </a:ext>
-            </a:extLst>
-          </p:cNvPr>
-          <p:cNvSpPr>
-            <a:spLocks noGrp="1"/>
-          </p:cNvSpPr>
-          <p:nvPr>
-            <p:ph type="title"/>
-          </p:nvPr>
-        </p:nvSpPr>
-        <p:spPr/>
-        <p:txBody>
-          <a:bodyPr/>
-          <a:lstStyle/>
-          <a:p>
-            <a:r>
-              <a:rPr lang="en-US" sz="4000" dirty="0"/>
-              <a:t>Model Solvers</a:t>
-            </a:r>
-          </a:p>
-        </p:txBody>
-      </p:sp>
-      <p:sp>
-        <p:nvSpPr>
-          <p:cNvPr id="3" name="Content Placeholder 2">
-            <a:extLst>
-              <a:ext uri="{FF2B5EF4-FFF2-40B4-BE49-F238E27FC236}">
-                <a16:creationId xmlns:a16="http://schemas.microsoft.com/office/drawing/2014/main" id="{0923531A-5613-644F-A452-FD07BB5BE2AA}"/>
-              </a:ext>
-            </a:extLst>
-          </p:cNvPr>
-          <p:cNvSpPr>
-            <a:spLocks noGrp="1"/>
-          </p:cNvSpPr>
-          <p:nvPr>
-            <p:ph idx="1"/>
-          </p:nvPr>
-        </p:nvSpPr>
-        <p:spPr/>
-        <p:txBody>
-          <a:bodyPr/>
-          <a:lstStyle/>
-          <a:p>
-            <a:r>
-              <a:rPr lang="en-US" dirty="0"/>
-              <a:t>Motivating example – lac operon</a:t>
-            </a:r>
-          </a:p>
-          <a:p>
-            <a:r>
-              <a:rPr lang="en-US" dirty="0"/>
-              <a:t>Alternative methods</a:t>
-            </a:r>
-          </a:p>
-          <a:p>
-            <a:r>
-              <a:rPr lang="en-US" dirty="0"/>
-              <a:t>Software</a:t>
-            </a:r>
-          </a:p>
-          <a:p>
-            <a:r>
-              <a:rPr lang="en-US" dirty="0"/>
-              <a:t>In class exercise</a:t>
-            </a:r>
-          </a:p>
-        </p:txBody>
-      </p:sp>
-      <p:sp>
-        <p:nvSpPr>
-          <p:cNvPr id="4" name="Slide Number Placeholder 3">
-            <a:extLst>
-              <a:ext uri="{FF2B5EF4-FFF2-40B4-BE49-F238E27FC236}">
-                <a16:creationId xmlns:a16="http://schemas.microsoft.com/office/drawing/2014/main" id="{DADC0F65-AB27-044B-8A55-409E7FDC9598}"/>
-              </a:ext>
-            </a:extLst>
-          </p:cNvPr>
-          <p:cNvSpPr>
-            <a:spLocks noGrp="1"/>
-          </p:cNvSpPr>
-          <p:nvPr>
-            <p:ph type="sldNum" sz="quarter" idx="11"/>
-          </p:nvPr>
-        </p:nvSpPr>
-        <p:spPr/>
-        <p:txBody>
-          <a:bodyPr/>
-          <a:lstStyle/>
-          <a:p>
-            <a:pPr>
-              <a:defRPr/>
-            </a:pPr>
-            <a:fld id="{3EF4E9CC-9D91-476E-91FD-5BEEC1642931}" type="slidenum">
-              <a:rPr lang="en-US" altLang="x-none" smtClean="0"/>
-              <a:pPr>
-                <a:defRPr/>
-              </a:pPr>
-              <a:t>2</a:t>
-            </a:fld>
-            <a:endParaRPr lang="en-US" altLang="x-none"/>
-          </a:p>
-        </p:txBody>
-      </p:sp>
-    </p:spTree>
-    <p:extLst>
-      <p:ext uri="{BB962C8B-B14F-4D97-AF65-F5344CB8AC3E}">
-        <p14:creationId xmlns:p14="http://schemas.microsoft.com/office/powerpoint/2010/main" val="803054132"/>
-      </p:ext>
-    </p:extLst>
-  </p:cSld>
-  <p:clrMapOvr>
-    <a:masterClrMapping/>
-  </p:clrMapOvr>
-</p:sld>
-</file>
-
-<file path=ppt/slides/slide20.xml><?xml version="1.0" encoding="utf-8"?>
+<file path=ppt/slides/slide21.xml><?xml version="1.0" encoding="utf-8"?>
 <p:sld xmlns:a="http://schemas.openxmlformats.org/drawingml/2006/main" xmlns:r="http://schemas.openxmlformats.org/officeDocument/2006/relationships" xmlns:p="http://schemas.openxmlformats.org/presentationml/2006/main">
   <p:cSld>
     <p:spTree>
@@ -9182,7 +11203,7 @@
               <a:pPr>
                 <a:defRPr/>
               </a:pPr>
-              <a:t>20</a:t>
+              <a:t>21</a:t>
             </a:fld>
             <a:endParaRPr lang="en-US" altLang="x-none"/>
           </a:p>
@@ -9477,7 +11498,7 @@
 </p:sld>
 </file>
 
-<file path=ppt/slides/slide21.xml><?xml version="1.0" encoding="utf-8"?>
+<file path=ppt/slides/slide22.xml><?xml version="1.0" encoding="utf-8"?>
 <p:sld xmlns:a="http://schemas.openxmlformats.org/drawingml/2006/main" xmlns:r="http://schemas.openxmlformats.org/officeDocument/2006/relationships" xmlns:p="http://schemas.openxmlformats.org/presentationml/2006/main">
   <p:cSld>
     <p:spTree>
@@ -9522,8 +11543,8 @@
           </a:p>
         </p:txBody>
       </p:sp>
-      <mc:AlternateContent xmlns:mc="http://schemas.openxmlformats.org/markup-compatibility/2006">
-        <mc:Choice xmlns:a14="http://schemas.microsoft.com/office/drawing/2010/main" Requires="a14">
+      <mc:AlternateContent xmlns:mc="http://schemas.openxmlformats.org/markup-compatibility/2006" xmlns:a14="http://schemas.microsoft.com/office/drawing/2010/main">
+        <mc:Choice Requires="a14">
           <p:sp>
             <p:nvSpPr>
               <p:cNvPr id="4" name="Content Placeholder 3">
@@ -9697,7 +11718,7 @@
             </p:txBody>
           </p:sp>
         </mc:Choice>
-        <mc:Fallback>
+        <mc:Fallback xmlns="">
           <p:sp>
             <p:nvSpPr>
               <p:cNvPr id="4" name="Content Placeholder 3">
@@ -9770,14 +11791,14 @@
               <a:pPr>
                 <a:defRPr/>
               </a:pPr>
-              <a:t>21</a:t>
+              <a:t>22</a:t>
             </a:fld>
             <a:endParaRPr lang="en-US" altLang="x-none"/>
           </a:p>
         </p:txBody>
       </p:sp>
-      <mc:AlternateContent xmlns:mc="http://schemas.openxmlformats.org/markup-compatibility/2006">
-        <mc:Choice xmlns:a14="http://schemas.microsoft.com/office/drawing/2010/main" Requires="a14">
+      <mc:AlternateContent xmlns:mc="http://schemas.openxmlformats.org/markup-compatibility/2006" xmlns:a14="http://schemas.microsoft.com/office/drawing/2010/main">
+        <mc:Choice Requires="a14">
           <p:sp>
             <p:nvSpPr>
               <p:cNvPr id="8" name="TextBox 7">
@@ -9806,6 +11827,7 @@
               </a:bodyPr>
               <a:lstStyle/>
               <a:p>
+                <a:pPr/>
                 <a14:m>
                   <m:oMathPara xmlns:m="http://schemas.openxmlformats.org/officeDocument/2006/math">
                     <m:oMathParaPr>
@@ -9838,7 +11860,7 @@
             </p:txBody>
           </p:sp>
         </mc:Choice>
-        <mc:Fallback>
+        <mc:Fallback xmlns="">
           <p:sp>
             <p:nvSpPr>
               <p:cNvPr id="8" name="TextBox 7">
@@ -10006,7 +12028,7 @@
 </p:sld>
 </file>
 
-<file path=ppt/slides/slide22.xml><?xml version="1.0" encoding="utf-8"?>
+<file path=ppt/slides/slide23.xml><?xml version="1.0" encoding="utf-8"?>
 <p:sld xmlns:a="http://schemas.openxmlformats.org/drawingml/2006/main" xmlns:r="http://schemas.openxmlformats.org/officeDocument/2006/relationships" xmlns:p="http://schemas.openxmlformats.org/presentationml/2006/main">
   <p:cSld>
     <p:spTree>
@@ -10051,8 +12073,8 @@
           </a:p>
         </p:txBody>
       </p:sp>
-      <mc:AlternateContent xmlns:mc="http://schemas.openxmlformats.org/markup-compatibility/2006">
-        <mc:Choice xmlns:a14="http://schemas.microsoft.com/office/drawing/2010/main" Requires="a14">
+      <mc:AlternateContent xmlns:mc="http://schemas.openxmlformats.org/markup-compatibility/2006" xmlns:a14="http://schemas.microsoft.com/office/drawing/2010/main">
+        <mc:Choice Requires="a14">
           <p:sp>
             <p:nvSpPr>
               <p:cNvPr id="4" name="Content Placeholder 3">
@@ -10698,7 +12720,7 @@
             </p:txBody>
           </p:sp>
         </mc:Choice>
-        <mc:Fallback>
+        <mc:Fallback xmlns="">
           <p:sp>
             <p:nvSpPr>
               <p:cNvPr id="4" name="Content Placeholder 3">
@@ -10771,14 +12793,14 @@
               <a:pPr>
                 <a:defRPr/>
               </a:pPr>
-              <a:t>22</a:t>
+              <a:t>23</a:t>
             </a:fld>
             <a:endParaRPr lang="en-US" altLang="x-none"/>
           </a:p>
         </p:txBody>
       </p:sp>
-      <mc:AlternateContent xmlns:mc="http://schemas.openxmlformats.org/markup-compatibility/2006">
-        <mc:Choice xmlns:a14="http://schemas.microsoft.com/office/drawing/2010/main" Requires="a14">
+      <mc:AlternateContent xmlns:mc="http://schemas.openxmlformats.org/markup-compatibility/2006" xmlns:a14="http://schemas.microsoft.com/office/drawing/2010/main">
+        <mc:Choice Requires="a14">
           <p:sp>
             <p:nvSpPr>
               <p:cNvPr id="8" name="TextBox 7">
@@ -10807,6 +12829,7 @@
               </a:bodyPr>
               <a:lstStyle/>
               <a:p>
+                <a:pPr/>
                 <a14:m>
                   <m:oMathPara xmlns:m="http://schemas.openxmlformats.org/officeDocument/2006/math">
                     <m:oMathParaPr>
@@ -10839,7 +12862,7 @@
             </p:txBody>
           </p:sp>
         </mc:Choice>
-        <mc:Fallback>
+        <mc:Fallback xmlns="">
           <p:sp>
             <p:nvSpPr>
               <p:cNvPr id="8" name="TextBox 7">
@@ -11221,7 +13244,7 @@
 </p:sld>
 </file>
 
-<file path=ppt/slides/slide23.xml><?xml version="1.0" encoding="utf-8"?>
+<file path=ppt/slides/slide24.xml><?xml version="1.0" encoding="utf-8"?>
 <p:sld xmlns:a="http://schemas.openxmlformats.org/drawingml/2006/main" xmlns:r="http://schemas.openxmlformats.org/officeDocument/2006/relationships" xmlns:p="http://schemas.openxmlformats.org/presentationml/2006/main">
   <p:cSld>
     <p:spTree>
@@ -11266,8 +13289,8 @@
           </a:p>
         </p:txBody>
       </p:sp>
-      <mc:AlternateContent xmlns:mc="http://schemas.openxmlformats.org/markup-compatibility/2006">
-        <mc:Choice xmlns:a14="http://schemas.microsoft.com/office/drawing/2010/main" Requires="a14">
+      <mc:AlternateContent xmlns:mc="http://schemas.openxmlformats.org/markup-compatibility/2006" xmlns:a14="http://schemas.microsoft.com/office/drawing/2010/main">
+        <mc:Choice Requires="a14">
           <p:sp>
             <p:nvSpPr>
               <p:cNvPr id="3" name="Content Placeholder 2">
@@ -11512,7 +13535,7 @@
             </p:txBody>
           </p:sp>
         </mc:Choice>
-        <mc:Fallback>
+        <mc:Fallback xmlns="">
           <p:sp>
             <p:nvSpPr>
               <p:cNvPr id="3" name="Content Placeholder 2">
@@ -11585,7 +13608,7 @@
               <a:pPr>
                 <a:defRPr/>
               </a:pPr>
-              <a:t>23</a:t>
+              <a:t>24</a:t>
             </a:fld>
             <a:endParaRPr lang="en-US" altLang="x-none"/>
           </a:p>
@@ -11621,8 +13644,8 @@
           </a:prstGeom>
         </p:spPr>
       </p:pic>
-      <mc:AlternateContent xmlns:mc="http://schemas.openxmlformats.org/markup-compatibility/2006">
-        <mc:Choice xmlns:a14="http://schemas.microsoft.com/office/drawing/2010/main" Requires="a14">
+      <mc:AlternateContent xmlns:mc="http://schemas.openxmlformats.org/markup-compatibility/2006" xmlns:a14="http://schemas.microsoft.com/office/drawing/2010/main">
+        <mc:Choice Requires="a14">
           <p:sp>
             <p:nvSpPr>
               <p:cNvPr id="5" name="TextBox 4">
@@ -11651,6 +13674,7 @@
               </a:bodyPr>
               <a:lstStyle/>
               <a:p>
+                <a:pPr/>
                 <a14:m>
                   <m:oMathPara xmlns:m="http://schemas.openxmlformats.org/officeDocument/2006/math">
                     <m:oMathParaPr>
@@ -11683,7 +13707,7 @@
             </p:txBody>
           </p:sp>
         </mc:Choice>
-        <mc:Fallback>
+        <mc:Fallback xmlns="">
           <p:sp>
             <p:nvSpPr>
               <p:cNvPr id="5" name="TextBox 4">
@@ -11967,7 +13991,7 @@
 </p:sld>
 </file>
 
-<file path=ppt/slides/slide24.xml><?xml version="1.0" encoding="utf-8"?>
+<file path=ppt/slides/slide25.xml><?xml version="1.0" encoding="utf-8"?>
 <p:sld xmlns:a="http://schemas.openxmlformats.org/drawingml/2006/main" xmlns:r="http://schemas.openxmlformats.org/officeDocument/2006/relationships" xmlns:p="http://schemas.openxmlformats.org/presentationml/2006/main">
   <p:cSld>
     <p:spTree>
@@ -12284,7 +14308,7 @@
               <a:pPr>
                 <a:defRPr/>
               </a:pPr>
-              <a:t>24</a:t>
+              <a:t>25</a:t>
             </a:fld>
             <a:endParaRPr lang="en-US" altLang="x-none"/>
           </a:p>
@@ -12333,7 +14357,7 @@
 </p:sld>
 </file>
 
-<file path=ppt/slides/slide25.xml><?xml version="1.0" encoding="utf-8"?>
+<file path=ppt/slides/slide26.xml><?xml version="1.0" encoding="utf-8"?>
 <p:sld xmlns:a="http://schemas.openxmlformats.org/drawingml/2006/main" xmlns:r="http://schemas.openxmlformats.org/officeDocument/2006/relationships" xmlns:p="http://schemas.openxmlformats.org/presentationml/2006/main">
   <p:cSld>
     <p:spTree>
@@ -12383,8 +14407,8 @@
           </a:p>
         </p:txBody>
       </p:sp>
-      <mc:AlternateContent xmlns:mc="http://schemas.openxmlformats.org/markup-compatibility/2006">
-        <mc:Choice xmlns:a14="http://schemas.microsoft.com/office/drawing/2010/main" Requires="a14">
+      <mc:AlternateContent xmlns:mc="http://schemas.openxmlformats.org/markup-compatibility/2006" xmlns:a14="http://schemas.microsoft.com/office/drawing/2010/main">
+        <mc:Choice Requires="a14">
           <p:sp>
             <p:nvSpPr>
               <p:cNvPr id="3" name="Content Placeholder 2">
@@ -15398,7 +17422,7 @@
             </p:txBody>
           </p:sp>
         </mc:Choice>
-        <mc:Fallback>
+        <mc:Fallback xmlns="">
           <p:sp>
             <p:nvSpPr>
               <p:cNvPr id="3" name="Content Placeholder 2">
@@ -15492,8 +17516,8 @@
             </a:prstGeom>
           </p:spPr>
         </p:pic>
-        <mc:AlternateContent xmlns:mc="http://schemas.openxmlformats.org/markup-compatibility/2006">
-          <mc:Choice xmlns:a14="http://schemas.microsoft.com/office/drawing/2010/main" Requires="a14">
+        <mc:AlternateContent xmlns:mc="http://schemas.openxmlformats.org/markup-compatibility/2006" xmlns:a14="http://schemas.microsoft.com/office/drawing/2010/main">
+          <mc:Choice Requires="a14">
             <p:sp>
               <p:nvSpPr>
                 <p:cNvPr id="6" name="TextBox 5">
@@ -15522,6 +17546,7 @@
                 </a:bodyPr>
                 <a:lstStyle/>
                 <a:p>
+                  <a:pPr/>
                   <a14:m>
                     <m:oMathPara xmlns:m="http://schemas.openxmlformats.org/officeDocument/2006/math">
                       <m:oMathParaPr>
@@ -15554,7 +17579,7 @@
               </p:txBody>
             </p:sp>
           </mc:Choice>
-          <mc:Fallback>
+          <mc:Fallback xmlns="">
             <p:sp>
               <p:nvSpPr>
                 <p:cNvPr id="6" name="TextBox 5">
@@ -16110,7 +18135,7 @@
 </p:sld>
 </file>
 
-<file path=ppt/slides/slide26.xml><?xml version="1.0" encoding="utf-8"?>
+<file path=ppt/slides/slide27.xml><?xml version="1.0" encoding="utf-8"?>
 <p:sld xmlns:a="http://schemas.openxmlformats.org/drawingml/2006/main" xmlns:r="http://schemas.openxmlformats.org/officeDocument/2006/relationships" xmlns:p="http://schemas.openxmlformats.org/presentationml/2006/main">
   <p:cSld>
     <p:spTree>
@@ -16127,8 +18152,8 @@
           <a:chExt cx="0" cy="0"/>
         </a:xfrm>
       </p:grpSpPr>
-      <mc:AlternateContent xmlns:mc="http://schemas.openxmlformats.org/markup-compatibility/2006">
-        <mc:Choice xmlns:a14="http://schemas.microsoft.com/office/drawing/2010/main" Requires="a14">
+      <mc:AlternateContent xmlns:mc="http://schemas.openxmlformats.org/markup-compatibility/2006" xmlns:a14="http://schemas.microsoft.com/office/drawing/2010/main">
+        <mc:Choice Requires="a14">
           <p:sp>
             <p:nvSpPr>
               <p:cNvPr id="2" name="Title 1">
@@ -16181,7 +18206,7 @@
             </p:txBody>
           </p:sp>
         </mc:Choice>
-        <mc:Fallback>
+        <mc:Fallback xmlns="">
           <p:sp>
             <p:nvSpPr>
               <p:cNvPr id="2" name="Title 1">
@@ -16221,8 +18246,8 @@
           </p:sp>
         </mc:Fallback>
       </mc:AlternateContent>
-      <mc:AlternateContent xmlns:mc="http://schemas.openxmlformats.org/markup-compatibility/2006">
-        <mc:Choice xmlns:a14="http://schemas.microsoft.com/office/drawing/2010/main" Requires="a14">
+      <mc:AlternateContent xmlns:mc="http://schemas.openxmlformats.org/markup-compatibility/2006" xmlns:a14="http://schemas.microsoft.com/office/drawing/2010/main">
+        <mc:Choice Requires="a14">
           <p:sp>
             <p:nvSpPr>
               <p:cNvPr id="3" name="Content Placeholder 2">
@@ -16358,7 +18383,9 @@
                           </m:dPr>
                           <m:e>
                             <m:r>
-                              <a:rPr lang="en-US" sz="2400"/>
+                              <a:rPr lang="en-US" sz="2400">
+                                <a:latin typeface="Cambria Math" panose="02040503050406030204" pitchFamily="18" charset="0"/>
+                              </a:rPr>
                               <m:t>​</m:t>
                             </m:r>
                           </m:e>
@@ -17162,7 +19189,7 @@
             </p:txBody>
           </p:sp>
         </mc:Choice>
-        <mc:Fallback>
+        <mc:Fallback xmlns="">
           <p:sp>
             <p:nvSpPr>
               <p:cNvPr id="3" name="Content Placeholder 2">
@@ -17235,14 +19262,14 @@
               <a:pPr>
                 <a:defRPr/>
               </a:pPr>
-              <a:t>26</a:t>
+              <a:t>27</a:t>
             </a:fld>
             <a:endParaRPr lang="en-US" altLang="x-none"/>
           </a:p>
         </p:txBody>
       </p:sp>
-      <mc:AlternateContent xmlns:mc="http://schemas.openxmlformats.org/markup-compatibility/2006">
-        <mc:Choice xmlns:a14="http://schemas.microsoft.com/office/drawing/2010/main" Requires="a14">
+      <mc:AlternateContent xmlns:mc="http://schemas.openxmlformats.org/markup-compatibility/2006" xmlns:a14="http://schemas.microsoft.com/office/drawing/2010/main">
+        <mc:Choice Requires="a14">
           <p:sp>
             <p:nvSpPr>
               <p:cNvPr id="5" name="Rectangle 4">
@@ -17270,6 +19297,7 @@
               </a:bodyPr>
               <a:lstStyle/>
               <a:p>
+                <a:pPr/>
                 <a14:m>
                   <m:oMathPara xmlns:m="http://schemas.openxmlformats.org/officeDocument/2006/math">
                     <m:oMathParaPr>
@@ -17753,7 +19781,7 @@
             </p:txBody>
           </p:sp>
         </mc:Choice>
-        <mc:Fallback>
+        <mc:Fallback xmlns="">
           <p:sp>
             <p:nvSpPr>
               <p:cNvPr id="5" name="Rectangle 4">
@@ -18086,7 +20114,7 @@
 </p:sld>
 </file>
 
-<file path=ppt/slides/slide27.xml><?xml version="1.0" encoding="utf-8"?>
+<file path=ppt/slides/slide28.xml><?xml version="1.0" encoding="utf-8"?>
 <p:sld xmlns:a="http://schemas.openxmlformats.org/drawingml/2006/main" xmlns:r="http://schemas.openxmlformats.org/officeDocument/2006/relationships" xmlns:p="http://schemas.openxmlformats.org/presentationml/2006/main">
   <p:cSld>
     <p:spTree>
@@ -18103,8 +20131,8 @@
           <a:chExt cx="0" cy="0"/>
         </a:xfrm>
       </p:grpSpPr>
-      <mc:AlternateContent xmlns:mc="http://schemas.openxmlformats.org/markup-compatibility/2006">
-        <mc:Choice xmlns:a14="http://schemas.microsoft.com/office/drawing/2010/main" Requires="a14">
+      <mc:AlternateContent xmlns:mc="http://schemas.openxmlformats.org/markup-compatibility/2006" xmlns:a14="http://schemas.microsoft.com/office/drawing/2010/main">
+        <mc:Choice Requires="a14">
           <p:sp>
             <p:nvSpPr>
               <p:cNvPr id="5" name="Title 4">
@@ -18126,6 +20154,7 @@
               <a:bodyPr/>
               <a:lstStyle/>
               <a:p>
+                <a:pPr/>
                 <a14:m>
                   <m:oMathPara xmlns:m="http://schemas.openxmlformats.org/officeDocument/2006/math">
                     <m:oMathParaPr>
@@ -18158,7 +20187,7 @@
             </p:txBody>
           </p:sp>
         </mc:Choice>
-        <mc:Fallback>
+        <mc:Fallback xmlns="">
           <p:sp>
             <p:nvSpPr>
               <p:cNvPr id="5" name="Title 4">
@@ -18227,7 +20256,7 @@
               <a:pPr>
                 <a:defRPr/>
               </a:pPr>
-              <a:t>27</a:t>
+              <a:t>28</a:t>
             </a:fld>
             <a:endParaRPr lang="en-US" altLang="x-none"/>
           </a:p>
@@ -18603,8 +20632,8 @@
           </a:p>
         </p:txBody>
       </p:sp>
-      <mc:AlternateContent xmlns:mc="http://schemas.openxmlformats.org/markup-compatibility/2006">
-        <mc:Choice xmlns:a14="http://schemas.microsoft.com/office/drawing/2010/main" Requires="a14">
+      <mc:AlternateContent xmlns:mc="http://schemas.openxmlformats.org/markup-compatibility/2006" xmlns:a14="http://schemas.microsoft.com/office/drawing/2010/main">
+        <mc:Choice Requires="a14">
           <p:sp>
             <p:nvSpPr>
               <p:cNvPr id="27" name="Rectangle 26">
@@ -18632,6 +20661,7 @@
               </a:bodyPr>
               <a:lstStyle/>
               <a:p>
+                <a:pPr/>
                 <a14:m>
                   <m:oMathPara xmlns:m="http://schemas.openxmlformats.org/officeDocument/2006/math">
                     <m:oMathParaPr>
@@ -19115,7 +21145,7 @@
             </p:txBody>
           </p:sp>
         </mc:Choice>
-        <mc:Fallback>
+        <mc:Fallback xmlns="">
           <p:sp>
             <p:nvSpPr>
               <p:cNvPr id="27" name="Rectangle 26">
@@ -19278,7 +21308,7 @@
 </p:sld>
 </file>
 
-<file path=ppt/slides/slide28.xml><?xml version="1.0" encoding="utf-8"?>
+<file path=ppt/slides/slide29.xml><?xml version="1.0" encoding="utf-8"?>
 <p:sld xmlns:a="http://schemas.openxmlformats.org/drawingml/2006/main" xmlns:r="http://schemas.openxmlformats.org/officeDocument/2006/relationships" xmlns:p="http://schemas.openxmlformats.org/presentationml/2006/main">
   <p:cSld>
     <p:spTree>
@@ -19482,7 +21512,7 @@
               <a:pPr>
                 <a:defRPr/>
               </a:pPr>
-              <a:t>28</a:t>
+              <a:t>29</a:t>
             </a:fld>
             <a:endParaRPr lang="en-US" altLang="x-none"/>
           </a:p>
@@ -19609,1014 +21639,6 @@
     </p:tnLst>
     <p:bldLst>
       <p:bldP spid="5" grpId="0"/>
-    </p:bldLst>
-  </p:timing>
-</p:sld>
-</file>
-
-<file path=ppt/slides/slide29.xml><?xml version="1.0" encoding="utf-8"?>
-<p:sld xmlns:a="http://schemas.openxmlformats.org/drawingml/2006/main" xmlns:r="http://schemas.openxmlformats.org/officeDocument/2006/relationships" xmlns:p="http://schemas.openxmlformats.org/presentationml/2006/main">
-  <p:cSld>
-    <p:spTree>
-      <p:nvGrpSpPr>
-        <p:cNvPr id="1" name=""/>
-        <p:cNvGrpSpPr/>
-        <p:nvPr/>
-      </p:nvGrpSpPr>
-      <p:grpSpPr>
-        <a:xfrm>
-          <a:off x="0" y="0"/>
-          <a:ext cx="0" cy="0"/>
-          <a:chOff x="0" y="0"/>
-          <a:chExt cx="0" cy="0"/>
-        </a:xfrm>
-      </p:grpSpPr>
-      <p:sp>
-        <p:nvSpPr>
-          <p:cNvPr id="2" name="Title 1">
-            <a:extLst>
-              <a:ext uri="{FF2B5EF4-FFF2-40B4-BE49-F238E27FC236}">
-                <a16:creationId xmlns:a16="http://schemas.microsoft.com/office/drawing/2014/main" id="{C47DB169-E51C-CE4A-BE9D-D56CC2A66347}"/>
-              </a:ext>
-            </a:extLst>
-          </p:cNvPr>
-          <p:cNvSpPr>
-            <a:spLocks noGrp="1"/>
-          </p:cNvSpPr>
-          <p:nvPr>
-            <p:ph type="title"/>
-          </p:nvPr>
-        </p:nvSpPr>
-        <p:spPr>
-          <a:xfrm>
-            <a:off x="457200" y="381000"/>
-            <a:ext cx="5943600" cy="669924"/>
-          </a:xfrm>
-        </p:spPr>
-        <p:txBody>
-          <a:bodyPr/>
-          <a:lstStyle/>
-          <a:p>
-            <a:r>
-              <a:rPr lang="en-US" dirty="0"/>
-              <a:t>Reversible Reaction, Open System</a:t>
-            </a:r>
-          </a:p>
-        </p:txBody>
-      </p:sp>
-      <mc:AlternateContent xmlns:mc="http://schemas.openxmlformats.org/markup-compatibility/2006">
-        <mc:Choice xmlns:a14="http://schemas.microsoft.com/office/drawing/2010/main" Requires="a14">
-          <p:sp>
-            <p:nvSpPr>
-              <p:cNvPr id="19" name="Content Placeholder 18">
-                <a:extLst>
-                  <a:ext uri="{FF2B5EF4-FFF2-40B4-BE49-F238E27FC236}">
-                    <a16:creationId xmlns:a16="http://schemas.microsoft.com/office/drawing/2014/main" id="{13487E7F-A9C5-8140-8016-5F6D4EF9BA5E}"/>
-                  </a:ext>
-                </a:extLst>
-              </p:cNvPr>
-              <p:cNvSpPr>
-                <a:spLocks noGrp="1"/>
-              </p:cNvSpPr>
-              <p:nvPr>
-                <p:ph idx="1"/>
-              </p:nvPr>
-            </p:nvSpPr>
-            <p:spPr>
-              <a:xfrm>
-                <a:off x="457200" y="3581399"/>
-                <a:ext cx="8229600" cy="3032126"/>
-              </a:xfrm>
-              <a:solidFill>
-                <a:schemeClr val="bg1"/>
-              </a:solidFill>
-            </p:spPr>
-            <p:txBody>
-              <a:bodyPr/>
-              <a:lstStyle/>
-              <a:p>
-                <a:r>
-                  <a:rPr lang="en-US" dirty="0"/>
-                  <a:t>What is </a:t>
-                </a:r>
-                <a14:m>
-                  <m:oMath xmlns:m="http://schemas.openxmlformats.org/officeDocument/2006/math">
-                    <m:r>
-                      <a:rPr lang="en-US" b="0" i="1" smtClean="0">
-                        <a:latin typeface="Cambria Math" panose="02040503050406030204" pitchFamily="18" charset="0"/>
-                      </a:rPr>
-                      <m:t>𝐴</m:t>
-                    </m:r>
-                    <m:d>
-                      <m:dPr>
-                        <m:ctrlPr>
-                          <a:rPr lang="en-US" b="0" i="1" smtClean="0">
-                            <a:latin typeface="Cambria Math" panose="02040503050406030204" pitchFamily="18" charset="0"/>
-                          </a:rPr>
-                        </m:ctrlPr>
-                      </m:dPr>
-                      <m:e>
-                        <m:r>
-                          <a:rPr lang="en-US" b="0" i="1" smtClean="0">
-                            <a:latin typeface="Cambria Math" panose="02040503050406030204" pitchFamily="18" charset="0"/>
-                          </a:rPr>
-                          <m:t>0</m:t>
-                        </m:r>
-                      </m:e>
-                    </m:d>
-                    <m:r>
-                      <a:rPr lang="en-US" b="0" i="1" smtClean="0">
-                        <a:latin typeface="Cambria Math" panose="02040503050406030204" pitchFamily="18" charset="0"/>
-                      </a:rPr>
-                      <m:t>, </m:t>
-                    </m:r>
-                    <m:r>
-                      <a:rPr lang="en-US" b="0" i="1" smtClean="0">
-                        <a:latin typeface="Cambria Math" panose="02040503050406030204" pitchFamily="18" charset="0"/>
-                      </a:rPr>
-                      <m:t>𝐵</m:t>
-                    </m:r>
-                    <m:d>
-                      <m:dPr>
-                        <m:ctrlPr>
-                          <a:rPr lang="en-US" b="0" i="1" smtClean="0">
-                            <a:latin typeface="Cambria Math" panose="02040503050406030204" pitchFamily="18" charset="0"/>
-                          </a:rPr>
-                        </m:ctrlPr>
-                      </m:dPr>
-                      <m:e>
-                        <m:r>
-                          <a:rPr lang="en-US" b="0" i="1" smtClean="0">
-                            <a:latin typeface="Cambria Math" panose="02040503050406030204" pitchFamily="18" charset="0"/>
-                          </a:rPr>
-                          <m:t>0</m:t>
-                        </m:r>
-                      </m:e>
-                    </m:d>
-                    <m:r>
-                      <a:rPr lang="en-US" b="0" i="1" smtClean="0">
-                        <a:latin typeface="Cambria Math" panose="02040503050406030204" pitchFamily="18" charset="0"/>
-                      </a:rPr>
-                      <m:t>?</m:t>
-                    </m:r>
-                  </m:oMath>
-                </a14:m>
-                <a:endParaRPr lang="en-US" b="0" dirty="0"/>
-              </a:p>
-              <a:p>
-                <a:r>
-                  <a:rPr lang="en-US" dirty="0"/>
-                  <a:t>What is </a:t>
-                </a:r>
-                <a14:m>
-                  <m:oMath xmlns:m="http://schemas.openxmlformats.org/officeDocument/2006/math">
-                    <m:r>
-                      <a:rPr lang="en-US" b="0" i="1" smtClean="0">
-                        <a:latin typeface="Cambria Math" panose="02040503050406030204" pitchFamily="18" charset="0"/>
-                      </a:rPr>
-                      <m:t>𝐴</m:t>
-                    </m:r>
-                    <m:d>
-                      <m:dPr>
-                        <m:ctrlPr>
-                          <a:rPr lang="en-US" b="0" i="1" smtClean="0">
-                            <a:latin typeface="Cambria Math" panose="02040503050406030204" pitchFamily="18" charset="0"/>
-                          </a:rPr>
-                        </m:ctrlPr>
-                      </m:dPr>
-                      <m:e>
-                        <m:r>
-                          <a:rPr lang="en-US" b="0" i="1" smtClean="0">
-                            <a:latin typeface="Cambria Math" panose="02040503050406030204" pitchFamily="18" charset="0"/>
-                          </a:rPr>
-                          <m:t>∞</m:t>
-                        </m:r>
-                      </m:e>
-                    </m:d>
-                    <m:r>
-                      <a:rPr lang="en-US" b="0" i="1" smtClean="0">
-                        <a:latin typeface="Cambria Math" panose="02040503050406030204" pitchFamily="18" charset="0"/>
-                      </a:rPr>
-                      <m:t>, </m:t>
-                    </m:r>
-                    <m:r>
-                      <a:rPr lang="en-US" b="0" i="1" smtClean="0">
-                        <a:latin typeface="Cambria Math" panose="02040503050406030204" pitchFamily="18" charset="0"/>
-                      </a:rPr>
-                      <m:t>𝐵</m:t>
-                    </m:r>
-                    <m:d>
-                      <m:dPr>
-                        <m:ctrlPr>
-                          <a:rPr lang="en-US" b="0" i="1" smtClean="0">
-                            <a:latin typeface="Cambria Math" panose="02040503050406030204" pitchFamily="18" charset="0"/>
-                          </a:rPr>
-                        </m:ctrlPr>
-                      </m:dPr>
-                      <m:e>
-                        <m:r>
-                          <a:rPr lang="en-US" b="0" i="1" smtClean="0">
-                            <a:latin typeface="Cambria Math" panose="02040503050406030204" pitchFamily="18" charset="0"/>
-                          </a:rPr>
-                          <m:t>∞</m:t>
-                        </m:r>
-                      </m:e>
-                    </m:d>
-                    <m:r>
-                      <a:rPr lang="en-US" b="0" i="1" smtClean="0">
-                        <a:latin typeface="Cambria Math" panose="02040503050406030204" pitchFamily="18" charset="0"/>
-                      </a:rPr>
-                      <m:t>?</m:t>
-                    </m:r>
-                  </m:oMath>
-                </a14:m>
-                <a:endParaRPr lang="en-US" b="0" dirty="0"/>
-              </a:p>
-              <a:p>
-                <a:r>
-                  <a:rPr lang="en-US" dirty="0"/>
-                  <a:t>What is </a:t>
-                </a:r>
-                <a14:m>
-                  <m:oMath xmlns:m="http://schemas.openxmlformats.org/officeDocument/2006/math">
-                    <m:f>
-                      <m:fPr>
-                        <m:ctrlPr>
-                          <a:rPr lang="en-US" b="0" i="1" smtClean="0">
-                            <a:latin typeface="Cambria Math" panose="02040503050406030204" pitchFamily="18" charset="0"/>
-                          </a:rPr>
-                        </m:ctrlPr>
-                      </m:fPr>
-                      <m:num>
-                        <m:r>
-                          <a:rPr lang="en-US" b="0" i="1" smtClean="0">
-                            <a:latin typeface="Cambria Math" panose="02040503050406030204" pitchFamily="18" charset="0"/>
-                          </a:rPr>
-                          <m:t>𝑑𝐴</m:t>
-                        </m:r>
-                      </m:num>
-                      <m:den>
-                        <m:r>
-                          <a:rPr lang="en-US" b="0" i="1" smtClean="0">
-                            <a:latin typeface="Cambria Math" panose="02040503050406030204" pitchFamily="18" charset="0"/>
-                          </a:rPr>
-                          <m:t>𝑑𝑡</m:t>
-                        </m:r>
-                      </m:den>
-                    </m:f>
-                    <m:sSub>
-                      <m:sSubPr>
-                        <m:ctrlPr>
-                          <a:rPr lang="en-US" b="0" i="1" smtClean="0">
-                            <a:latin typeface="Cambria Math" panose="02040503050406030204" pitchFamily="18" charset="0"/>
-                          </a:rPr>
-                        </m:ctrlPr>
-                      </m:sSubPr>
-                      <m:e>
-                        <m:d>
-                          <m:dPr>
-                            <m:begChr m:val=""/>
-                            <m:endChr m:val="|"/>
-                            <m:ctrlPr>
-                              <a:rPr lang="en-US" b="0" i="1" smtClean="0">
-                                <a:latin typeface="Cambria Math" panose="02040503050406030204" pitchFamily="18" charset="0"/>
-                              </a:rPr>
-                            </m:ctrlPr>
-                          </m:dPr>
-                          <m:e>
-                            <m:r>
-                              <a:rPr lang="en-US"/>
-                              <m:t>​</m:t>
-                            </m:r>
-                          </m:e>
-                        </m:d>
-                      </m:e>
-                      <m:sub>
-                        <m:r>
-                          <a:rPr lang="en-US" b="0" i="1" smtClean="0">
-                            <a:latin typeface="Cambria Math" panose="02040503050406030204" pitchFamily="18" charset="0"/>
-                          </a:rPr>
-                          <m:t>𝑡</m:t>
-                        </m:r>
-                        <m:r>
-                          <a:rPr lang="en-US" b="0" i="1" smtClean="0">
-                            <a:latin typeface="Cambria Math" panose="02040503050406030204" pitchFamily="18" charset="0"/>
-                          </a:rPr>
-                          <m:t>→∞</m:t>
-                        </m:r>
-                      </m:sub>
-                    </m:sSub>
-                    <m:r>
-                      <a:rPr lang="en-US" b="0" i="1" smtClean="0">
-                        <a:latin typeface="Cambria Math" panose="02040503050406030204" pitchFamily="18" charset="0"/>
-                      </a:rPr>
-                      <m:t>?</m:t>
-                    </m:r>
-                  </m:oMath>
-                </a14:m>
-                <a:endParaRPr lang="en-US" dirty="0"/>
-              </a:p>
-            </p:txBody>
-          </p:sp>
-        </mc:Choice>
-        <mc:Fallback>
-          <p:sp>
-            <p:nvSpPr>
-              <p:cNvPr id="19" name="Content Placeholder 18">
-                <a:extLst>
-                  <a:ext uri="{FF2B5EF4-FFF2-40B4-BE49-F238E27FC236}">
-                    <a16:creationId xmlns:a16="http://schemas.microsoft.com/office/drawing/2014/main" id="{13487E7F-A9C5-8140-8016-5F6D4EF9BA5E}"/>
-                  </a:ext>
-                </a:extLst>
-              </p:cNvPr>
-              <p:cNvSpPr>
-                <a:spLocks noGrp="1" noRot="1" noChangeAspect="1" noMove="1" noResize="1" noEditPoints="1" noAdjustHandles="1" noChangeArrowheads="1" noChangeShapeType="1" noTextEdit="1"/>
-              </p:cNvSpPr>
-              <p:nvPr>
-                <p:ph idx="1"/>
-              </p:nvPr>
-            </p:nvSpPr>
-            <p:spPr>
-              <a:xfrm>
-                <a:off x="457200" y="3581399"/>
-                <a:ext cx="8229600" cy="3032126"/>
-              </a:xfrm>
-              <a:blipFill>
-                <a:blip r:embed="rId2"/>
-                <a:stretch>
-                  <a:fillRect l="-1389" t="-2083"/>
-                </a:stretch>
-              </a:blipFill>
-            </p:spPr>
-            <p:txBody>
-              <a:bodyPr/>
-              <a:lstStyle/>
-              <a:p>
-                <a:r>
-                  <a:rPr lang="en-US">
-                    <a:noFill/>
-                  </a:rPr>
-                  <a:t> </a:t>
-                </a:r>
-              </a:p>
-            </p:txBody>
-          </p:sp>
-        </mc:Fallback>
-      </mc:AlternateContent>
-      <p:sp>
-        <p:nvSpPr>
-          <p:cNvPr id="3" name="Slide Number Placeholder 2">
-            <a:extLst>
-              <a:ext uri="{FF2B5EF4-FFF2-40B4-BE49-F238E27FC236}">
-                <a16:creationId xmlns:a16="http://schemas.microsoft.com/office/drawing/2014/main" id="{EEAEBDC9-C993-9D43-A764-1097E4D6D1B4}"/>
-              </a:ext>
-            </a:extLst>
-          </p:cNvPr>
-          <p:cNvSpPr>
-            <a:spLocks noGrp="1"/>
-          </p:cNvSpPr>
-          <p:nvPr>
-            <p:ph type="sldNum" sz="quarter" idx="11"/>
-          </p:nvPr>
-        </p:nvSpPr>
-        <p:spPr/>
-        <p:txBody>
-          <a:bodyPr/>
-          <a:lstStyle/>
-          <a:p>
-            <a:pPr>
-              <a:defRPr/>
-            </a:pPr>
-            <a:fld id="{2E4304A7-0FB2-4094-BC1E-DB17183AD0C1}" type="slidenum">
-              <a:rPr lang="en-US" altLang="x-none" smtClean="0"/>
-              <a:pPr>
-                <a:defRPr/>
-              </a:pPr>
-              <a:t>29</a:t>
-            </a:fld>
-            <a:endParaRPr lang="en-US" altLang="x-none"/>
-          </a:p>
-        </p:txBody>
-      </p:sp>
-      <p:pic>
-        <p:nvPicPr>
-          <p:cNvPr id="15" name="Picture 14">
-            <a:extLst>
-              <a:ext uri="{FF2B5EF4-FFF2-40B4-BE49-F238E27FC236}">
-                <a16:creationId xmlns:a16="http://schemas.microsoft.com/office/drawing/2014/main" id="{E428C62B-D592-2743-9F75-FAC255EE2CE6}"/>
-              </a:ext>
-            </a:extLst>
-          </p:cNvPr>
-          <p:cNvPicPr>
-            <a:picLocks noChangeAspect="1"/>
-          </p:cNvPicPr>
-          <p:nvPr/>
-        </p:nvPicPr>
-        <p:blipFill>
-          <a:blip r:embed="rId3"/>
-          <a:stretch>
-            <a:fillRect/>
-          </a:stretch>
-        </p:blipFill>
-        <p:spPr>
-          <a:xfrm>
-            <a:off x="533399" y="1432796"/>
-            <a:ext cx="7169431" cy="2148603"/>
-          </a:xfrm>
-          <a:prstGeom prst="rect">
-            <a:avLst/>
-          </a:prstGeom>
-        </p:spPr>
-      </p:pic>
-      <p:sp>
-        <p:nvSpPr>
-          <p:cNvPr id="16" name="TextBox 15">
-            <a:extLst>
-              <a:ext uri="{FF2B5EF4-FFF2-40B4-BE49-F238E27FC236}">
-                <a16:creationId xmlns:a16="http://schemas.microsoft.com/office/drawing/2014/main" id="{77CCFB39-3C27-6142-9442-6F89CA2F9EF4}"/>
-              </a:ext>
-            </a:extLst>
-          </p:cNvPr>
-          <p:cNvSpPr txBox="1"/>
-          <p:nvPr/>
-        </p:nvSpPr>
-        <p:spPr>
-          <a:xfrm>
-            <a:off x="6581507" y="2678668"/>
-            <a:ext cx="1800493" cy="369332"/>
-          </a:xfrm>
-          <a:prstGeom prst="rect">
-            <a:avLst/>
-          </a:prstGeom>
-          <a:noFill/>
-        </p:spPr>
-        <p:txBody>
-          <a:bodyPr wrap="none" rtlCol="0">
-            <a:spAutoFit/>
-          </a:bodyPr>
-          <a:lstStyle/>
-          <a:p>
-            <a:r>
-              <a:rPr lang="en-US" dirty="0"/>
-              <a:t>(from text book)</a:t>
-            </a:r>
-          </a:p>
-        </p:txBody>
-      </p:sp>
-      <p:grpSp>
-        <p:nvGrpSpPr>
-          <p:cNvPr id="25" name="Group 24">
-            <a:extLst>
-              <a:ext uri="{FF2B5EF4-FFF2-40B4-BE49-F238E27FC236}">
-                <a16:creationId xmlns:a16="http://schemas.microsoft.com/office/drawing/2014/main" id="{5735C6C1-F9A9-304A-864B-D687B805B448}"/>
-              </a:ext>
-            </a:extLst>
-          </p:cNvPr>
-          <p:cNvGrpSpPr/>
-          <p:nvPr/>
-        </p:nvGrpSpPr>
-        <p:grpSpPr>
-          <a:xfrm>
-            <a:off x="6781800" y="334168"/>
-            <a:ext cx="2133600" cy="1723232"/>
-            <a:chOff x="6858000" y="334168"/>
-            <a:chExt cx="2133600" cy="1723232"/>
-          </a:xfrm>
-        </p:grpSpPr>
-        <p:pic>
-          <p:nvPicPr>
-            <p:cNvPr id="21" name="Picture 20">
-              <a:extLst>
-                <a:ext uri="{FF2B5EF4-FFF2-40B4-BE49-F238E27FC236}">
-                  <a16:creationId xmlns:a16="http://schemas.microsoft.com/office/drawing/2014/main" id="{D544468C-58F2-C54B-BFDE-60175B855C83}"/>
-                </a:ext>
-              </a:extLst>
-            </p:cNvPr>
-            <p:cNvPicPr>
-              <a:picLocks noChangeAspect="1"/>
-            </p:cNvPicPr>
-            <p:nvPr/>
-          </p:nvPicPr>
-          <p:blipFill>
-            <a:blip r:embed="rId4"/>
-            <a:stretch>
-              <a:fillRect/>
-            </a:stretch>
-          </p:blipFill>
-          <p:spPr>
-            <a:xfrm>
-              <a:off x="6896674" y="334168"/>
-              <a:ext cx="1880479" cy="1723232"/>
-            </a:xfrm>
-            <a:prstGeom prst="rect">
-              <a:avLst/>
-            </a:prstGeom>
-          </p:spPr>
-        </p:pic>
-        <p:pic>
-          <p:nvPicPr>
-            <p:cNvPr id="22" name="Picture 21">
-              <a:extLst>
-                <a:ext uri="{FF2B5EF4-FFF2-40B4-BE49-F238E27FC236}">
-                  <a16:creationId xmlns:a16="http://schemas.microsoft.com/office/drawing/2014/main" id="{2A5BF163-C88E-9F4A-A9B8-E8C918CBC00B}"/>
-                </a:ext>
-              </a:extLst>
-            </p:cNvPr>
-            <p:cNvPicPr>
-              <a:picLocks noChangeAspect="1"/>
-            </p:cNvPicPr>
-            <p:nvPr/>
-          </p:nvPicPr>
-          <p:blipFill>
-            <a:blip r:embed="rId5"/>
-            <a:stretch>
-              <a:fillRect/>
-            </a:stretch>
-          </p:blipFill>
-          <p:spPr>
-            <a:xfrm>
-              <a:off x="6858000" y="1195784"/>
-              <a:ext cx="1388702" cy="609165"/>
-            </a:xfrm>
-            <a:prstGeom prst="rect">
-              <a:avLst/>
-            </a:prstGeom>
-          </p:spPr>
-        </p:pic>
-        <p:sp>
-          <p:nvSpPr>
-            <p:cNvPr id="23" name="Freeform 22">
-              <a:extLst>
-                <a:ext uri="{FF2B5EF4-FFF2-40B4-BE49-F238E27FC236}">
-                  <a16:creationId xmlns:a16="http://schemas.microsoft.com/office/drawing/2014/main" id="{CA258781-393E-554B-9C6A-146F8A74D0B1}"/>
-                </a:ext>
-              </a:extLst>
-            </p:cNvPr>
-            <p:cNvSpPr/>
-            <p:nvPr/>
-          </p:nvSpPr>
-          <p:spPr>
-            <a:xfrm>
-              <a:off x="7078126" y="1208808"/>
-              <a:ext cx="314635" cy="618171"/>
-            </a:xfrm>
-            <a:custGeom>
-              <a:avLst/>
-              <a:gdLst>
-                <a:gd name="connsiteX0" fmla="*/ 0 w 562708"/>
-                <a:gd name="connsiteY0" fmla="*/ 0 h 1041009"/>
-                <a:gd name="connsiteX1" fmla="*/ 84407 w 562708"/>
-                <a:gd name="connsiteY1" fmla="*/ 506437 h 1041009"/>
-                <a:gd name="connsiteX2" fmla="*/ 309490 w 562708"/>
-                <a:gd name="connsiteY2" fmla="*/ 844061 h 1041009"/>
-                <a:gd name="connsiteX3" fmla="*/ 562708 w 562708"/>
-                <a:gd name="connsiteY3" fmla="*/ 1041009 h 1041009"/>
-              </a:gdLst>
-              <a:ahLst/>
-              <a:cxnLst>
-                <a:cxn ang="0">
-                  <a:pos x="connsiteX0" y="connsiteY0"/>
-                </a:cxn>
-                <a:cxn ang="0">
-                  <a:pos x="connsiteX1" y="connsiteY1"/>
-                </a:cxn>
-                <a:cxn ang="0">
-                  <a:pos x="connsiteX2" y="connsiteY2"/>
-                </a:cxn>
-                <a:cxn ang="0">
-                  <a:pos x="connsiteX3" y="connsiteY3"/>
-                </a:cxn>
-              </a:cxnLst>
-              <a:rect l="l" t="t" r="r" b="b"/>
-              <a:pathLst>
-                <a:path w="562708" h="1041009">
-                  <a:moveTo>
-                    <a:pt x="0" y="0"/>
-                  </a:moveTo>
-                  <a:cubicBezTo>
-                    <a:pt x="16412" y="182880"/>
-                    <a:pt x="32825" y="365760"/>
-                    <a:pt x="84407" y="506437"/>
-                  </a:cubicBezTo>
-                  <a:cubicBezTo>
-                    <a:pt x="135989" y="647114"/>
-                    <a:pt x="229773" y="754966"/>
-                    <a:pt x="309490" y="844061"/>
-                  </a:cubicBezTo>
-                  <a:cubicBezTo>
-                    <a:pt x="389207" y="933156"/>
-                    <a:pt x="562708" y="1041009"/>
-                    <a:pt x="562708" y="1041009"/>
-                  </a:cubicBezTo>
-                </a:path>
-              </a:pathLst>
-            </a:custGeom>
-            <a:noFill/>
-            <a:ln>
-              <a:solidFill>
-                <a:schemeClr val="tx1"/>
-              </a:solidFill>
-              <a:prstDash val="dash"/>
-            </a:ln>
-          </p:spPr>
-          <p:style>
-            <a:lnRef idx="1">
-              <a:schemeClr val="accent1"/>
-            </a:lnRef>
-            <a:fillRef idx="3">
-              <a:schemeClr val="accent1"/>
-            </a:fillRef>
-            <a:effectRef idx="2">
-              <a:schemeClr val="accent1"/>
-            </a:effectRef>
-            <a:fontRef idx="minor">
-              <a:schemeClr val="lt1"/>
-            </a:fontRef>
-          </p:style>
-          <p:txBody>
-            <a:bodyPr rtlCol="0" anchor="ctr"/>
-            <a:lstStyle/>
-            <a:p>
-              <a:pPr algn="ctr"/>
-              <a:endParaRPr lang="en-US"/>
-            </a:p>
-          </p:txBody>
-        </p:sp>
-        <mc:AlternateContent xmlns:mc="http://schemas.openxmlformats.org/markup-compatibility/2006">
-          <mc:Choice xmlns:a14="http://schemas.microsoft.com/office/drawing/2010/main" Requires="a14">
-            <p:sp>
-              <p:nvSpPr>
-                <p:cNvPr id="24" name="TextBox 23">
-                  <a:extLst>
-                    <a:ext uri="{FF2B5EF4-FFF2-40B4-BE49-F238E27FC236}">
-                      <a16:creationId xmlns:a16="http://schemas.microsoft.com/office/drawing/2014/main" id="{BCA239F0-821B-2A47-94CA-FDD037CB656F}"/>
-                    </a:ext>
-                  </a:extLst>
-                </p:cNvPr>
-                <p:cNvSpPr txBox="1"/>
-                <p:nvPr/>
-              </p:nvSpPr>
-              <p:spPr>
-                <a:xfrm>
-                  <a:off x="8686516" y="1323201"/>
-                  <a:ext cx="305084" cy="276999"/>
-                </a:xfrm>
-                <a:prstGeom prst="rect">
-                  <a:avLst/>
-                </a:prstGeom>
-                <a:noFill/>
-              </p:spPr>
-              <p:txBody>
-                <a:bodyPr wrap="none" lIns="0" tIns="0" rIns="0" bIns="0" rtlCol="0">
-                  <a:spAutoFit/>
-                </a:bodyPr>
-                <a:lstStyle/>
-                <a:p>
-                  <a14:m>
-                    <m:oMathPara xmlns:m="http://schemas.openxmlformats.org/officeDocument/2006/math">
-                      <m:oMathParaPr>
-                        <m:jc m:val="centerGroup"/>
-                      </m:oMathParaPr>
-                      <m:oMath xmlns:m="http://schemas.openxmlformats.org/officeDocument/2006/math">
-                        <m:sSub>
-                          <m:sSubPr>
-                            <m:ctrlPr>
-                              <a:rPr lang="en-US" b="0" i="1" smtClean="0">
-                                <a:latin typeface="Cambria Math" panose="02040503050406030204" pitchFamily="18" charset="0"/>
-                              </a:rPr>
-                            </m:ctrlPr>
-                          </m:sSubPr>
-                          <m:e>
-                            <m:r>
-                              <a:rPr lang="en-US" b="0" i="1" smtClean="0">
-                                <a:latin typeface="Cambria Math" panose="02040503050406030204" pitchFamily="18" charset="0"/>
-                              </a:rPr>
-                              <m:t>𝑋</m:t>
-                            </m:r>
-                          </m:e>
-                          <m:sub>
-                            <m:r>
-                              <a:rPr lang="en-US" b="0" i="1" smtClean="0">
-                                <a:latin typeface="Cambria Math" panose="02040503050406030204" pitchFamily="18" charset="0"/>
-                              </a:rPr>
-                              <m:t>1</m:t>
-                            </m:r>
-                          </m:sub>
-                        </m:sSub>
-                      </m:oMath>
-                    </m:oMathPara>
-                  </a14:m>
-                  <a:endParaRPr lang="en-US" dirty="0"/>
-                </a:p>
-              </p:txBody>
-            </p:sp>
-          </mc:Choice>
-          <mc:Fallback>
-            <p:sp>
-              <p:nvSpPr>
-                <p:cNvPr id="24" name="TextBox 23">
-                  <a:extLst>
-                    <a:ext uri="{FF2B5EF4-FFF2-40B4-BE49-F238E27FC236}">
-                      <a16:creationId xmlns:a16="http://schemas.microsoft.com/office/drawing/2014/main" id="{BCA239F0-821B-2A47-94CA-FDD037CB656F}"/>
-                    </a:ext>
-                  </a:extLst>
-                </p:cNvPr>
-                <p:cNvSpPr txBox="1">
-                  <a:spLocks noRot="1" noChangeAspect="1" noMove="1" noResize="1" noEditPoints="1" noAdjustHandles="1" noChangeArrowheads="1" noChangeShapeType="1" noTextEdit="1"/>
-                </p:cNvSpPr>
-                <p:nvPr/>
-              </p:nvSpPr>
-              <p:spPr>
-                <a:xfrm>
-                  <a:off x="8686516" y="1323201"/>
-                  <a:ext cx="305084" cy="276999"/>
-                </a:xfrm>
-                <a:prstGeom prst="rect">
-                  <a:avLst/>
-                </a:prstGeom>
-                <a:blipFill>
-                  <a:blip r:embed="rId6"/>
-                  <a:stretch>
-                    <a:fillRect l="-12000" b="-17391"/>
-                  </a:stretch>
-                </a:blipFill>
-              </p:spPr>
-              <p:txBody>
-                <a:bodyPr/>
-                <a:lstStyle/>
-                <a:p>
-                  <a:r>
-                    <a:rPr lang="en-US">
-                      <a:noFill/>
-                    </a:rPr>
-                    <a:t> </a:t>
-                  </a:r>
-                </a:p>
-              </p:txBody>
-            </p:sp>
-          </mc:Fallback>
-        </mc:AlternateContent>
-      </p:grpSp>
-    </p:spTree>
-    <p:extLst>
-      <p:ext uri="{BB962C8B-B14F-4D97-AF65-F5344CB8AC3E}">
-        <p14:creationId xmlns:p14="http://schemas.microsoft.com/office/powerpoint/2010/main" val="200577848"/>
-      </p:ext>
-    </p:extLst>
-  </p:cSld>
-  <p:clrMapOvr>
-    <a:masterClrMapping/>
-  </p:clrMapOvr>
-  <p:timing>
-    <p:tnLst>
-      <p:par>
-        <p:cTn id="1" dur="indefinite" restart="never" nodeType="tmRoot">
-          <p:childTnLst>
-            <p:seq concurrent="1" nextAc="seek">
-              <p:cTn id="2" dur="indefinite" nodeType="mainSeq">
-                <p:childTnLst>
-                  <p:par>
-                    <p:cTn id="3" fill="hold">
-                      <p:stCondLst>
-                        <p:cond delay="indefinite"/>
-                      </p:stCondLst>
-                      <p:childTnLst>
-                        <p:par>
-                          <p:cTn id="4" fill="hold">
-                            <p:stCondLst>
-                              <p:cond delay="0"/>
-                            </p:stCondLst>
-                            <p:childTnLst>
-                              <p:par>
-                                <p:cTn id="5" presetID="1" presetClass="entr" presetSubtype="0" fill="hold" nodeType="clickEffect">
-                                  <p:stCondLst>
-                                    <p:cond delay="0"/>
-                                  </p:stCondLst>
-                                  <p:childTnLst>
-                                    <p:set>
-                                      <p:cBhvr>
-                                        <p:cTn id="6" dur="1" fill="hold">
-                                          <p:stCondLst>
-                                            <p:cond delay="0"/>
-                                          </p:stCondLst>
-                                        </p:cTn>
-                                        <p:tgtEl>
-                                          <p:spTgt spid="15"/>
-                                        </p:tgtEl>
-                                        <p:attrNameLst>
-                                          <p:attrName>style.visibility</p:attrName>
-                                        </p:attrNameLst>
-                                      </p:cBhvr>
-                                      <p:to>
-                                        <p:strVal val="visible"/>
-                                      </p:to>
-                                    </p:set>
-                                  </p:childTnLst>
-                                </p:cTn>
-                              </p:par>
-                              <p:par>
-                                <p:cTn id="7" presetID="1" presetClass="entr" presetSubtype="0" fill="hold" grpId="0" nodeType="withEffect">
-                                  <p:stCondLst>
-                                    <p:cond delay="0"/>
-                                  </p:stCondLst>
-                                  <p:childTnLst>
-                                    <p:set>
-                                      <p:cBhvr>
-                                        <p:cTn id="8" dur="1" fill="hold">
-                                          <p:stCondLst>
-                                            <p:cond delay="0"/>
-                                          </p:stCondLst>
-                                        </p:cTn>
-                                        <p:tgtEl>
-                                          <p:spTgt spid="16"/>
-                                        </p:tgtEl>
-                                        <p:attrNameLst>
-                                          <p:attrName>style.visibility</p:attrName>
-                                        </p:attrNameLst>
-                                      </p:cBhvr>
-                                      <p:to>
-                                        <p:strVal val="visible"/>
-                                      </p:to>
-                                    </p:set>
-                                  </p:childTnLst>
-                                </p:cTn>
-                              </p:par>
-                            </p:childTnLst>
-                          </p:cTn>
-                        </p:par>
-                      </p:childTnLst>
-                    </p:cTn>
-                  </p:par>
-                  <p:par>
-                    <p:cTn id="9" fill="hold">
-                      <p:stCondLst>
-                        <p:cond delay="indefinite"/>
-                      </p:stCondLst>
-                      <p:childTnLst>
-                        <p:par>
-                          <p:cTn id="10" fill="hold">
-                            <p:stCondLst>
-                              <p:cond delay="0"/>
-                            </p:stCondLst>
-                            <p:childTnLst>
-                              <p:par>
-                                <p:cTn id="11" presetID="1" presetClass="entr" presetSubtype="0" fill="hold" nodeType="clickEffect">
-                                  <p:stCondLst>
-                                    <p:cond delay="0"/>
-                                  </p:stCondLst>
-                                  <p:childTnLst>
-                                    <p:set>
-                                      <p:cBhvr>
-                                        <p:cTn id="12" dur="1" fill="hold">
-                                          <p:stCondLst>
-                                            <p:cond delay="0"/>
-                                          </p:stCondLst>
-                                        </p:cTn>
-                                        <p:tgtEl>
-                                          <p:spTgt spid="19">
-                                            <p:txEl>
-                                              <p:pRg st="0" end="0"/>
-                                            </p:txEl>
-                                          </p:spTgt>
-                                        </p:tgtEl>
-                                        <p:attrNameLst>
-                                          <p:attrName>style.visibility</p:attrName>
-                                        </p:attrNameLst>
-                                      </p:cBhvr>
-                                      <p:to>
-                                        <p:strVal val="visible"/>
-                                      </p:to>
-                                    </p:set>
-                                  </p:childTnLst>
-                                </p:cTn>
-                              </p:par>
-                            </p:childTnLst>
-                          </p:cTn>
-                        </p:par>
-                      </p:childTnLst>
-                    </p:cTn>
-                  </p:par>
-                  <p:par>
-                    <p:cTn id="13" fill="hold">
-                      <p:stCondLst>
-                        <p:cond delay="indefinite"/>
-                      </p:stCondLst>
-                      <p:childTnLst>
-                        <p:par>
-                          <p:cTn id="14" fill="hold">
-                            <p:stCondLst>
-                              <p:cond delay="0"/>
-                            </p:stCondLst>
-                            <p:childTnLst>
-                              <p:par>
-                                <p:cTn id="15" presetID="1" presetClass="entr" presetSubtype="0" fill="hold" nodeType="clickEffect">
-                                  <p:stCondLst>
-                                    <p:cond delay="0"/>
-                                  </p:stCondLst>
-                                  <p:childTnLst>
-                                    <p:set>
-                                      <p:cBhvr>
-                                        <p:cTn id="16" dur="1" fill="hold">
-                                          <p:stCondLst>
-                                            <p:cond delay="0"/>
-                                          </p:stCondLst>
-                                        </p:cTn>
-                                        <p:tgtEl>
-                                          <p:spTgt spid="19">
-                                            <p:txEl>
-                                              <p:pRg st="1" end="1"/>
-                                            </p:txEl>
-                                          </p:spTgt>
-                                        </p:tgtEl>
-                                        <p:attrNameLst>
-                                          <p:attrName>style.visibility</p:attrName>
-                                        </p:attrNameLst>
-                                      </p:cBhvr>
-                                      <p:to>
-                                        <p:strVal val="visible"/>
-                                      </p:to>
-                                    </p:set>
-                                  </p:childTnLst>
-                                </p:cTn>
-                              </p:par>
-                            </p:childTnLst>
-                          </p:cTn>
-                        </p:par>
-                      </p:childTnLst>
-                    </p:cTn>
-                  </p:par>
-                  <p:par>
-                    <p:cTn id="17" fill="hold">
-                      <p:stCondLst>
-                        <p:cond delay="indefinite"/>
-                      </p:stCondLst>
-                      <p:childTnLst>
-                        <p:par>
-                          <p:cTn id="18" fill="hold">
-                            <p:stCondLst>
-                              <p:cond delay="0"/>
-                            </p:stCondLst>
-                            <p:childTnLst>
-                              <p:par>
-                                <p:cTn id="19" presetID="1" presetClass="entr" presetSubtype="0" fill="hold" nodeType="clickEffect">
-                                  <p:stCondLst>
-                                    <p:cond delay="0"/>
-                                  </p:stCondLst>
-                                  <p:childTnLst>
-                                    <p:set>
-                                      <p:cBhvr>
-                                        <p:cTn id="20" dur="1" fill="hold">
-                                          <p:stCondLst>
-                                            <p:cond delay="0"/>
-                                          </p:stCondLst>
-                                        </p:cTn>
-                                        <p:tgtEl>
-                                          <p:spTgt spid="19">
-                                            <p:txEl>
-                                              <p:pRg st="2" end="2"/>
-                                            </p:txEl>
-                                          </p:spTgt>
-                                        </p:tgtEl>
-                                        <p:attrNameLst>
-                                          <p:attrName>style.visibility</p:attrName>
-                                        </p:attrNameLst>
-                                      </p:cBhvr>
-                                      <p:to>
-                                        <p:strVal val="visible"/>
-                                      </p:to>
-                                    </p:set>
-                                  </p:childTnLst>
-                                </p:cTn>
-                              </p:par>
-                            </p:childTnLst>
-                          </p:cTn>
-                        </p:par>
-                      </p:childTnLst>
-                    </p:cTn>
-                  </p:par>
-                </p:childTnLst>
-              </p:cTn>
-              <p:prevCondLst>
-                <p:cond evt="onPrev" delay="0">
-                  <p:tgtEl>
-                    <p:sldTgt/>
-                  </p:tgtEl>
-                </p:cond>
-              </p:prevCondLst>
-              <p:nextCondLst>
-                <p:cond evt="onNext" delay="0">
-                  <p:tgtEl>
-                    <p:sldTgt/>
-                  </p:tgtEl>
-                </p:cond>
-              </p:nextCondLst>
-            </p:seq>
-          </p:childTnLst>
-        </p:cTn>
-      </p:par>
-    </p:tnLst>
-    <p:bldLst>
-      <p:bldP spid="16" grpId="0"/>
     </p:bldLst>
   </p:timing>
 </p:sld>
@@ -20974,8 +21996,8 @@
             </p:txBody>
           </p:sp>
         </p:grpSp>
-        <mc:AlternateContent xmlns:mc="http://schemas.openxmlformats.org/markup-compatibility/2006">
-          <mc:Choice xmlns:a14="http://schemas.microsoft.com/office/drawing/2010/main" Requires="a14">
+        <mc:AlternateContent xmlns:mc="http://schemas.openxmlformats.org/markup-compatibility/2006" xmlns:a14="http://schemas.microsoft.com/office/drawing/2010/main">
+          <mc:Choice Requires="a14">
             <p:sp>
               <p:nvSpPr>
                 <p:cNvPr id="11" name="Rectangle 10">
@@ -21040,7 +22062,7 @@
               </p:txBody>
             </p:sp>
           </mc:Choice>
-          <mc:Fallback>
+          <mc:Fallback xmlns="">
             <p:sp>
               <p:nvSpPr>
                 <p:cNvPr id="11" name="Rectangle 10">
@@ -21085,8 +22107,8 @@
             </p:sp>
           </mc:Fallback>
         </mc:AlternateContent>
-        <mc:AlternateContent xmlns:mc="http://schemas.openxmlformats.org/markup-compatibility/2006">
-          <mc:Choice xmlns:a14="http://schemas.microsoft.com/office/drawing/2010/main" Requires="a14">
+        <mc:AlternateContent xmlns:mc="http://schemas.openxmlformats.org/markup-compatibility/2006" xmlns:a14="http://schemas.microsoft.com/office/drawing/2010/main">
+          <mc:Choice Requires="a14">
             <p:sp>
               <p:nvSpPr>
                 <p:cNvPr id="16" name="Rectangle 15">
@@ -21114,6 +22136,7 @@
                 </a:bodyPr>
                 <a:lstStyle/>
                 <a:p>
+                  <a:pPr/>
                   <a14:m>
                     <m:oMathPara xmlns:m="http://schemas.openxmlformats.org/officeDocument/2006/math">
                       <m:oMathParaPr>
@@ -21153,7 +22176,7 @@
               </p:txBody>
             </p:sp>
           </mc:Choice>
-          <mc:Fallback>
+          <mc:Fallback xmlns="">
             <p:sp>
               <p:nvSpPr>
                 <p:cNvPr id="16" name="Rectangle 15">
@@ -21198,8 +22221,8 @@
             </p:sp>
           </mc:Fallback>
         </mc:AlternateContent>
-        <mc:AlternateContent xmlns:mc="http://schemas.openxmlformats.org/markup-compatibility/2006">
-          <mc:Choice xmlns:a14="http://schemas.microsoft.com/office/drawing/2010/main" Requires="a14">
+        <mc:AlternateContent xmlns:mc="http://schemas.openxmlformats.org/markup-compatibility/2006" xmlns:a14="http://schemas.microsoft.com/office/drawing/2010/main">
+          <mc:Choice Requires="a14">
             <p:sp>
               <p:nvSpPr>
                 <p:cNvPr id="19" name="Rectangle 18">
@@ -21227,6 +22250,7 @@
                 </a:bodyPr>
                 <a:lstStyle/>
                 <a:p>
+                  <a:pPr/>
                   <a14:m>
                     <m:oMathPara xmlns:m="http://schemas.openxmlformats.org/officeDocument/2006/math">
                       <m:oMathParaPr>
@@ -21247,7 +22271,7 @@
               </p:txBody>
             </p:sp>
           </mc:Choice>
-          <mc:Fallback>
+          <mc:Fallback xmlns="">
             <p:sp>
               <p:nvSpPr>
                 <p:cNvPr id="19" name="Rectangle 18">
@@ -21356,8 +22380,8 @@
           </a:p>
         </p:txBody>
       </p:sp>
-      <mc:AlternateContent xmlns:mc="http://schemas.openxmlformats.org/markup-compatibility/2006">
-        <mc:Choice xmlns:a14="http://schemas.microsoft.com/office/drawing/2010/main" Requires="a14">
+      <mc:AlternateContent xmlns:mc="http://schemas.openxmlformats.org/markup-compatibility/2006" xmlns:a14="http://schemas.microsoft.com/office/drawing/2010/main">
+        <mc:Choice Requires="a14">
           <p:sp>
             <p:nvSpPr>
               <p:cNvPr id="15" name="TextBox 14">
@@ -21573,7 +22597,7 @@
             </p:txBody>
           </p:sp>
         </mc:Choice>
-        <mc:Fallback>
+        <mc:Fallback xmlns="">
           <p:sp>
             <p:nvSpPr>
               <p:cNvPr id="15" name="TextBox 14">
@@ -21618,8 +22642,8 @@
           </p:sp>
         </mc:Fallback>
       </mc:AlternateContent>
-      <mc:AlternateContent xmlns:mc="http://schemas.openxmlformats.org/markup-compatibility/2006">
-        <mc:Choice xmlns:a14="http://schemas.microsoft.com/office/drawing/2010/main" Requires="a14">
+      <mc:AlternateContent xmlns:mc="http://schemas.openxmlformats.org/markup-compatibility/2006" xmlns:a14="http://schemas.microsoft.com/office/drawing/2010/main">
+        <mc:Choice Requires="a14">
           <p:sp>
             <p:nvSpPr>
               <p:cNvPr id="17" name="TextBox 16">
@@ -21743,7 +22767,7 @@
             </p:txBody>
           </p:sp>
         </mc:Choice>
-        <mc:Fallback>
+        <mc:Fallback xmlns="">
           <p:sp>
             <p:nvSpPr>
               <p:cNvPr id="17" name="TextBox 16">
@@ -21788,8 +22812,8 @@
           </p:sp>
         </mc:Fallback>
       </mc:AlternateContent>
-      <mc:AlternateContent xmlns:mc="http://schemas.openxmlformats.org/markup-compatibility/2006">
-        <mc:Choice xmlns:a14="http://schemas.microsoft.com/office/drawing/2010/main" Requires="a14">
+      <mc:AlternateContent xmlns:mc="http://schemas.openxmlformats.org/markup-compatibility/2006" xmlns:a14="http://schemas.microsoft.com/office/drawing/2010/main">
+        <mc:Choice Requires="a14">
           <p:sp>
             <p:nvSpPr>
               <p:cNvPr id="42" name="TextBox 41">
@@ -21906,7 +22930,7 @@
             </p:txBody>
           </p:sp>
         </mc:Choice>
-        <mc:Fallback>
+        <mc:Fallback xmlns="">
           <p:sp>
             <p:nvSpPr>
               <p:cNvPr id="42" name="TextBox 41">
@@ -21951,8 +22975,8 @@
           </p:sp>
         </mc:Fallback>
       </mc:AlternateContent>
-      <mc:AlternateContent xmlns:mc="http://schemas.openxmlformats.org/markup-compatibility/2006">
-        <mc:Choice xmlns:a14="http://schemas.microsoft.com/office/drawing/2010/main" Requires="a14">
+      <mc:AlternateContent xmlns:mc="http://schemas.openxmlformats.org/markup-compatibility/2006" xmlns:a14="http://schemas.microsoft.com/office/drawing/2010/main">
+        <mc:Choice Requires="a14">
           <p:sp>
             <p:nvSpPr>
               <p:cNvPr id="43" name="TextBox 42">
@@ -21981,7 +23005,6 @@
               </a:bodyPr>
               <a:lstStyle/>
               <a:p>
-                <a:pPr/>
                 <a:r>
                   <a:rPr lang="en-US" sz="2800" b="1" dirty="0">
                     <a:latin typeface="+mn-lt"/>
@@ -22163,7 +23186,6 @@
                 </a:endParaRPr>
               </a:p>
               <a:p>
-                <a:pPr/>
                 <a:r>
                   <a:rPr lang="en-US" sz="2800" b="1" dirty="0">
                     <a:latin typeface="+mn-lt"/>
@@ -22260,7 +23282,7 @@
             </p:txBody>
           </p:sp>
         </mc:Choice>
-        <mc:Fallback>
+        <mc:Fallback xmlns="">
           <p:sp>
             <p:nvSpPr>
               <p:cNvPr id="43" name="TextBox 42">
@@ -22492,6 +23514,1017 @@
           <p:cNvPr id="2" name="Title 1">
             <a:extLst>
               <a:ext uri="{FF2B5EF4-FFF2-40B4-BE49-F238E27FC236}">
+                <a16:creationId xmlns:a16="http://schemas.microsoft.com/office/drawing/2014/main" id="{C47DB169-E51C-CE4A-BE9D-D56CC2A66347}"/>
+              </a:ext>
+            </a:extLst>
+          </p:cNvPr>
+          <p:cNvSpPr>
+            <a:spLocks noGrp="1"/>
+          </p:cNvSpPr>
+          <p:nvPr>
+            <p:ph type="title"/>
+          </p:nvPr>
+        </p:nvSpPr>
+        <p:spPr>
+          <a:xfrm>
+            <a:off x="457200" y="381000"/>
+            <a:ext cx="5943600" cy="669924"/>
+          </a:xfrm>
+        </p:spPr>
+        <p:txBody>
+          <a:bodyPr/>
+          <a:lstStyle/>
+          <a:p>
+            <a:r>
+              <a:rPr lang="en-US" dirty="0"/>
+              <a:t>Reversible Reaction, Open System</a:t>
+            </a:r>
+          </a:p>
+        </p:txBody>
+      </p:sp>
+      <mc:AlternateContent xmlns:mc="http://schemas.openxmlformats.org/markup-compatibility/2006" xmlns:a14="http://schemas.microsoft.com/office/drawing/2010/main">
+        <mc:Choice Requires="a14">
+          <p:sp>
+            <p:nvSpPr>
+              <p:cNvPr id="19" name="Content Placeholder 18">
+                <a:extLst>
+                  <a:ext uri="{FF2B5EF4-FFF2-40B4-BE49-F238E27FC236}">
+                    <a16:creationId xmlns:a16="http://schemas.microsoft.com/office/drawing/2014/main" id="{13487E7F-A9C5-8140-8016-5F6D4EF9BA5E}"/>
+                  </a:ext>
+                </a:extLst>
+              </p:cNvPr>
+              <p:cNvSpPr>
+                <a:spLocks noGrp="1"/>
+              </p:cNvSpPr>
+              <p:nvPr>
+                <p:ph idx="1"/>
+              </p:nvPr>
+            </p:nvSpPr>
+            <p:spPr>
+              <a:xfrm>
+                <a:off x="457200" y="3581399"/>
+                <a:ext cx="8229600" cy="3032126"/>
+              </a:xfrm>
+              <a:solidFill>
+                <a:schemeClr val="bg1"/>
+              </a:solidFill>
+            </p:spPr>
+            <p:txBody>
+              <a:bodyPr/>
+              <a:lstStyle/>
+              <a:p>
+                <a:r>
+                  <a:rPr lang="en-US" dirty="0"/>
+                  <a:t>What is </a:t>
+                </a:r>
+                <a14:m>
+                  <m:oMath xmlns:m="http://schemas.openxmlformats.org/officeDocument/2006/math">
+                    <m:r>
+                      <a:rPr lang="en-US" b="0" i="1" smtClean="0">
+                        <a:latin typeface="Cambria Math" panose="02040503050406030204" pitchFamily="18" charset="0"/>
+                      </a:rPr>
+                      <m:t>𝐴</m:t>
+                    </m:r>
+                    <m:d>
+                      <m:dPr>
+                        <m:ctrlPr>
+                          <a:rPr lang="en-US" b="0" i="1" smtClean="0">
+                            <a:latin typeface="Cambria Math" panose="02040503050406030204" pitchFamily="18" charset="0"/>
+                          </a:rPr>
+                        </m:ctrlPr>
+                      </m:dPr>
+                      <m:e>
+                        <m:r>
+                          <a:rPr lang="en-US" b="0" i="1" smtClean="0">
+                            <a:latin typeface="Cambria Math" panose="02040503050406030204" pitchFamily="18" charset="0"/>
+                          </a:rPr>
+                          <m:t>0</m:t>
+                        </m:r>
+                      </m:e>
+                    </m:d>
+                    <m:r>
+                      <a:rPr lang="en-US" b="0" i="1" smtClean="0">
+                        <a:latin typeface="Cambria Math" panose="02040503050406030204" pitchFamily="18" charset="0"/>
+                      </a:rPr>
+                      <m:t>, </m:t>
+                    </m:r>
+                    <m:r>
+                      <a:rPr lang="en-US" b="0" i="1" smtClean="0">
+                        <a:latin typeface="Cambria Math" panose="02040503050406030204" pitchFamily="18" charset="0"/>
+                      </a:rPr>
+                      <m:t>𝐵</m:t>
+                    </m:r>
+                    <m:d>
+                      <m:dPr>
+                        <m:ctrlPr>
+                          <a:rPr lang="en-US" b="0" i="1" smtClean="0">
+                            <a:latin typeface="Cambria Math" panose="02040503050406030204" pitchFamily="18" charset="0"/>
+                          </a:rPr>
+                        </m:ctrlPr>
+                      </m:dPr>
+                      <m:e>
+                        <m:r>
+                          <a:rPr lang="en-US" b="0" i="1" smtClean="0">
+                            <a:latin typeface="Cambria Math" panose="02040503050406030204" pitchFamily="18" charset="0"/>
+                          </a:rPr>
+                          <m:t>0</m:t>
+                        </m:r>
+                      </m:e>
+                    </m:d>
+                    <m:r>
+                      <a:rPr lang="en-US" b="0" i="1" smtClean="0">
+                        <a:latin typeface="Cambria Math" panose="02040503050406030204" pitchFamily="18" charset="0"/>
+                      </a:rPr>
+                      <m:t>?</m:t>
+                    </m:r>
+                  </m:oMath>
+                </a14:m>
+                <a:endParaRPr lang="en-US" b="0" dirty="0"/>
+              </a:p>
+              <a:p>
+                <a:r>
+                  <a:rPr lang="en-US" dirty="0"/>
+                  <a:t>What is </a:t>
+                </a:r>
+                <a14:m>
+                  <m:oMath xmlns:m="http://schemas.openxmlformats.org/officeDocument/2006/math">
+                    <m:r>
+                      <a:rPr lang="en-US" b="0" i="1" smtClean="0">
+                        <a:latin typeface="Cambria Math" panose="02040503050406030204" pitchFamily="18" charset="0"/>
+                      </a:rPr>
+                      <m:t>𝐴</m:t>
+                    </m:r>
+                    <m:d>
+                      <m:dPr>
+                        <m:ctrlPr>
+                          <a:rPr lang="en-US" b="0" i="1" smtClean="0">
+                            <a:latin typeface="Cambria Math" panose="02040503050406030204" pitchFamily="18" charset="0"/>
+                          </a:rPr>
+                        </m:ctrlPr>
+                      </m:dPr>
+                      <m:e>
+                        <m:r>
+                          <a:rPr lang="en-US" b="0" i="1" smtClean="0">
+                            <a:latin typeface="Cambria Math" panose="02040503050406030204" pitchFamily="18" charset="0"/>
+                          </a:rPr>
+                          <m:t>∞</m:t>
+                        </m:r>
+                      </m:e>
+                    </m:d>
+                    <m:r>
+                      <a:rPr lang="en-US" b="0" i="1" smtClean="0">
+                        <a:latin typeface="Cambria Math" panose="02040503050406030204" pitchFamily="18" charset="0"/>
+                      </a:rPr>
+                      <m:t>, </m:t>
+                    </m:r>
+                    <m:r>
+                      <a:rPr lang="en-US" b="0" i="1" smtClean="0">
+                        <a:latin typeface="Cambria Math" panose="02040503050406030204" pitchFamily="18" charset="0"/>
+                      </a:rPr>
+                      <m:t>𝐵</m:t>
+                    </m:r>
+                    <m:d>
+                      <m:dPr>
+                        <m:ctrlPr>
+                          <a:rPr lang="en-US" b="0" i="1" smtClean="0">
+                            <a:latin typeface="Cambria Math" panose="02040503050406030204" pitchFamily="18" charset="0"/>
+                          </a:rPr>
+                        </m:ctrlPr>
+                      </m:dPr>
+                      <m:e>
+                        <m:r>
+                          <a:rPr lang="en-US" b="0" i="1" smtClean="0">
+                            <a:latin typeface="Cambria Math" panose="02040503050406030204" pitchFamily="18" charset="0"/>
+                          </a:rPr>
+                          <m:t>∞</m:t>
+                        </m:r>
+                      </m:e>
+                    </m:d>
+                    <m:r>
+                      <a:rPr lang="en-US" b="0" i="1" smtClean="0">
+                        <a:latin typeface="Cambria Math" panose="02040503050406030204" pitchFamily="18" charset="0"/>
+                      </a:rPr>
+                      <m:t>?</m:t>
+                    </m:r>
+                  </m:oMath>
+                </a14:m>
+                <a:endParaRPr lang="en-US" b="0" dirty="0"/>
+              </a:p>
+              <a:p>
+                <a:r>
+                  <a:rPr lang="en-US" dirty="0"/>
+                  <a:t>What is </a:t>
+                </a:r>
+                <a14:m>
+                  <m:oMath xmlns:m="http://schemas.openxmlformats.org/officeDocument/2006/math">
+                    <m:f>
+                      <m:fPr>
+                        <m:ctrlPr>
+                          <a:rPr lang="en-US" b="0" i="1" smtClean="0">
+                            <a:latin typeface="Cambria Math" panose="02040503050406030204" pitchFamily="18" charset="0"/>
+                          </a:rPr>
+                        </m:ctrlPr>
+                      </m:fPr>
+                      <m:num>
+                        <m:r>
+                          <a:rPr lang="en-US" b="0" i="1" smtClean="0">
+                            <a:latin typeface="Cambria Math" panose="02040503050406030204" pitchFamily="18" charset="0"/>
+                          </a:rPr>
+                          <m:t>𝑑𝐴</m:t>
+                        </m:r>
+                      </m:num>
+                      <m:den>
+                        <m:r>
+                          <a:rPr lang="en-US" b="0" i="1" smtClean="0">
+                            <a:latin typeface="Cambria Math" panose="02040503050406030204" pitchFamily="18" charset="0"/>
+                          </a:rPr>
+                          <m:t>𝑑𝑡</m:t>
+                        </m:r>
+                      </m:den>
+                    </m:f>
+                    <m:sSub>
+                      <m:sSubPr>
+                        <m:ctrlPr>
+                          <a:rPr lang="en-US" b="0" i="1" smtClean="0">
+                            <a:latin typeface="Cambria Math" panose="02040503050406030204" pitchFamily="18" charset="0"/>
+                          </a:rPr>
+                        </m:ctrlPr>
+                      </m:sSubPr>
+                      <m:e>
+                        <m:d>
+                          <m:dPr>
+                            <m:begChr m:val=""/>
+                            <m:endChr m:val="|"/>
+                            <m:ctrlPr>
+                              <a:rPr lang="en-US" b="0" i="1" smtClean="0">
+                                <a:latin typeface="Cambria Math" panose="02040503050406030204" pitchFamily="18" charset="0"/>
+                              </a:rPr>
+                            </m:ctrlPr>
+                          </m:dPr>
+                          <m:e>
+                            <m:r>
+                              <a:rPr lang="en-US">
+                                <a:latin typeface="Cambria Math" panose="02040503050406030204" pitchFamily="18" charset="0"/>
+                              </a:rPr>
+                              <m:t>​</m:t>
+                            </m:r>
+                          </m:e>
+                        </m:d>
+                      </m:e>
+                      <m:sub>
+                        <m:r>
+                          <a:rPr lang="en-US" b="0" i="1" smtClean="0">
+                            <a:latin typeface="Cambria Math" panose="02040503050406030204" pitchFamily="18" charset="0"/>
+                          </a:rPr>
+                          <m:t>𝑡</m:t>
+                        </m:r>
+                        <m:r>
+                          <a:rPr lang="en-US" b="0" i="1" smtClean="0">
+                            <a:latin typeface="Cambria Math" panose="02040503050406030204" pitchFamily="18" charset="0"/>
+                          </a:rPr>
+                          <m:t>→∞</m:t>
+                        </m:r>
+                      </m:sub>
+                    </m:sSub>
+                    <m:r>
+                      <a:rPr lang="en-US" b="0" i="1" smtClean="0">
+                        <a:latin typeface="Cambria Math" panose="02040503050406030204" pitchFamily="18" charset="0"/>
+                      </a:rPr>
+                      <m:t>?</m:t>
+                    </m:r>
+                  </m:oMath>
+                </a14:m>
+                <a:endParaRPr lang="en-US" dirty="0"/>
+              </a:p>
+            </p:txBody>
+          </p:sp>
+        </mc:Choice>
+        <mc:Fallback xmlns="">
+          <p:sp>
+            <p:nvSpPr>
+              <p:cNvPr id="19" name="Content Placeholder 18">
+                <a:extLst>
+                  <a:ext uri="{FF2B5EF4-FFF2-40B4-BE49-F238E27FC236}">
+                    <a16:creationId xmlns:a16="http://schemas.microsoft.com/office/drawing/2014/main" id="{13487E7F-A9C5-8140-8016-5F6D4EF9BA5E}"/>
+                  </a:ext>
+                </a:extLst>
+              </p:cNvPr>
+              <p:cNvSpPr>
+                <a:spLocks noGrp="1" noRot="1" noChangeAspect="1" noMove="1" noResize="1" noEditPoints="1" noAdjustHandles="1" noChangeArrowheads="1" noChangeShapeType="1" noTextEdit="1"/>
+              </p:cNvSpPr>
+              <p:nvPr>
+                <p:ph idx="1"/>
+              </p:nvPr>
+            </p:nvSpPr>
+            <p:spPr>
+              <a:xfrm>
+                <a:off x="457200" y="3581399"/>
+                <a:ext cx="8229600" cy="3032126"/>
+              </a:xfrm>
+              <a:blipFill>
+                <a:blip r:embed="rId2"/>
+                <a:stretch>
+                  <a:fillRect l="-1389" t="-2083"/>
+                </a:stretch>
+              </a:blipFill>
+            </p:spPr>
+            <p:txBody>
+              <a:bodyPr/>
+              <a:lstStyle/>
+              <a:p>
+                <a:r>
+                  <a:rPr lang="en-US">
+                    <a:noFill/>
+                  </a:rPr>
+                  <a:t> </a:t>
+                </a:r>
+              </a:p>
+            </p:txBody>
+          </p:sp>
+        </mc:Fallback>
+      </mc:AlternateContent>
+      <p:sp>
+        <p:nvSpPr>
+          <p:cNvPr id="3" name="Slide Number Placeholder 2">
+            <a:extLst>
+              <a:ext uri="{FF2B5EF4-FFF2-40B4-BE49-F238E27FC236}">
+                <a16:creationId xmlns:a16="http://schemas.microsoft.com/office/drawing/2014/main" id="{EEAEBDC9-C993-9D43-A764-1097E4D6D1B4}"/>
+              </a:ext>
+            </a:extLst>
+          </p:cNvPr>
+          <p:cNvSpPr>
+            <a:spLocks noGrp="1"/>
+          </p:cNvSpPr>
+          <p:nvPr>
+            <p:ph type="sldNum" sz="quarter" idx="11"/>
+          </p:nvPr>
+        </p:nvSpPr>
+        <p:spPr/>
+        <p:txBody>
+          <a:bodyPr/>
+          <a:lstStyle/>
+          <a:p>
+            <a:pPr>
+              <a:defRPr/>
+            </a:pPr>
+            <a:fld id="{2E4304A7-0FB2-4094-BC1E-DB17183AD0C1}" type="slidenum">
+              <a:rPr lang="en-US" altLang="x-none" smtClean="0"/>
+              <a:pPr>
+                <a:defRPr/>
+              </a:pPr>
+              <a:t>30</a:t>
+            </a:fld>
+            <a:endParaRPr lang="en-US" altLang="x-none"/>
+          </a:p>
+        </p:txBody>
+      </p:sp>
+      <p:pic>
+        <p:nvPicPr>
+          <p:cNvPr id="15" name="Picture 14">
+            <a:extLst>
+              <a:ext uri="{FF2B5EF4-FFF2-40B4-BE49-F238E27FC236}">
+                <a16:creationId xmlns:a16="http://schemas.microsoft.com/office/drawing/2014/main" id="{E428C62B-D592-2743-9F75-FAC255EE2CE6}"/>
+              </a:ext>
+            </a:extLst>
+          </p:cNvPr>
+          <p:cNvPicPr>
+            <a:picLocks noChangeAspect="1"/>
+          </p:cNvPicPr>
+          <p:nvPr/>
+        </p:nvPicPr>
+        <p:blipFill>
+          <a:blip r:embed="rId3"/>
+          <a:stretch>
+            <a:fillRect/>
+          </a:stretch>
+        </p:blipFill>
+        <p:spPr>
+          <a:xfrm>
+            <a:off x="533399" y="1432796"/>
+            <a:ext cx="7169431" cy="2148603"/>
+          </a:xfrm>
+          <a:prstGeom prst="rect">
+            <a:avLst/>
+          </a:prstGeom>
+        </p:spPr>
+      </p:pic>
+      <p:sp>
+        <p:nvSpPr>
+          <p:cNvPr id="16" name="TextBox 15">
+            <a:extLst>
+              <a:ext uri="{FF2B5EF4-FFF2-40B4-BE49-F238E27FC236}">
+                <a16:creationId xmlns:a16="http://schemas.microsoft.com/office/drawing/2014/main" id="{77CCFB39-3C27-6142-9442-6F89CA2F9EF4}"/>
+              </a:ext>
+            </a:extLst>
+          </p:cNvPr>
+          <p:cNvSpPr txBox="1"/>
+          <p:nvPr/>
+        </p:nvSpPr>
+        <p:spPr>
+          <a:xfrm>
+            <a:off x="6581507" y="2678668"/>
+            <a:ext cx="1800493" cy="369332"/>
+          </a:xfrm>
+          <a:prstGeom prst="rect">
+            <a:avLst/>
+          </a:prstGeom>
+          <a:noFill/>
+        </p:spPr>
+        <p:txBody>
+          <a:bodyPr wrap="none" rtlCol="0">
+            <a:spAutoFit/>
+          </a:bodyPr>
+          <a:lstStyle/>
+          <a:p>
+            <a:r>
+              <a:rPr lang="en-US" dirty="0"/>
+              <a:t>(from text book)</a:t>
+            </a:r>
+          </a:p>
+        </p:txBody>
+      </p:sp>
+      <p:grpSp>
+        <p:nvGrpSpPr>
+          <p:cNvPr id="25" name="Group 24">
+            <a:extLst>
+              <a:ext uri="{FF2B5EF4-FFF2-40B4-BE49-F238E27FC236}">
+                <a16:creationId xmlns:a16="http://schemas.microsoft.com/office/drawing/2014/main" id="{5735C6C1-F9A9-304A-864B-D687B805B448}"/>
+              </a:ext>
+            </a:extLst>
+          </p:cNvPr>
+          <p:cNvGrpSpPr/>
+          <p:nvPr/>
+        </p:nvGrpSpPr>
+        <p:grpSpPr>
+          <a:xfrm>
+            <a:off x="6781800" y="334168"/>
+            <a:ext cx="2133600" cy="1723232"/>
+            <a:chOff x="6858000" y="334168"/>
+            <a:chExt cx="2133600" cy="1723232"/>
+          </a:xfrm>
+        </p:grpSpPr>
+        <p:pic>
+          <p:nvPicPr>
+            <p:cNvPr id="21" name="Picture 20">
+              <a:extLst>
+                <a:ext uri="{FF2B5EF4-FFF2-40B4-BE49-F238E27FC236}">
+                  <a16:creationId xmlns:a16="http://schemas.microsoft.com/office/drawing/2014/main" id="{D544468C-58F2-C54B-BFDE-60175B855C83}"/>
+                </a:ext>
+              </a:extLst>
+            </p:cNvPr>
+            <p:cNvPicPr>
+              <a:picLocks noChangeAspect="1"/>
+            </p:cNvPicPr>
+            <p:nvPr/>
+          </p:nvPicPr>
+          <p:blipFill>
+            <a:blip r:embed="rId4"/>
+            <a:stretch>
+              <a:fillRect/>
+            </a:stretch>
+          </p:blipFill>
+          <p:spPr>
+            <a:xfrm>
+              <a:off x="6896674" y="334168"/>
+              <a:ext cx="1880479" cy="1723232"/>
+            </a:xfrm>
+            <a:prstGeom prst="rect">
+              <a:avLst/>
+            </a:prstGeom>
+          </p:spPr>
+        </p:pic>
+        <p:pic>
+          <p:nvPicPr>
+            <p:cNvPr id="22" name="Picture 21">
+              <a:extLst>
+                <a:ext uri="{FF2B5EF4-FFF2-40B4-BE49-F238E27FC236}">
+                  <a16:creationId xmlns:a16="http://schemas.microsoft.com/office/drawing/2014/main" id="{2A5BF163-C88E-9F4A-A9B8-E8C918CBC00B}"/>
+                </a:ext>
+              </a:extLst>
+            </p:cNvPr>
+            <p:cNvPicPr>
+              <a:picLocks noChangeAspect="1"/>
+            </p:cNvPicPr>
+            <p:nvPr/>
+          </p:nvPicPr>
+          <p:blipFill>
+            <a:blip r:embed="rId5"/>
+            <a:stretch>
+              <a:fillRect/>
+            </a:stretch>
+          </p:blipFill>
+          <p:spPr>
+            <a:xfrm>
+              <a:off x="6858000" y="1195784"/>
+              <a:ext cx="1388702" cy="609165"/>
+            </a:xfrm>
+            <a:prstGeom prst="rect">
+              <a:avLst/>
+            </a:prstGeom>
+          </p:spPr>
+        </p:pic>
+        <p:sp>
+          <p:nvSpPr>
+            <p:cNvPr id="23" name="Freeform 22">
+              <a:extLst>
+                <a:ext uri="{FF2B5EF4-FFF2-40B4-BE49-F238E27FC236}">
+                  <a16:creationId xmlns:a16="http://schemas.microsoft.com/office/drawing/2014/main" id="{CA258781-393E-554B-9C6A-146F8A74D0B1}"/>
+                </a:ext>
+              </a:extLst>
+            </p:cNvPr>
+            <p:cNvSpPr/>
+            <p:nvPr/>
+          </p:nvSpPr>
+          <p:spPr>
+            <a:xfrm>
+              <a:off x="7078126" y="1208808"/>
+              <a:ext cx="314635" cy="618171"/>
+            </a:xfrm>
+            <a:custGeom>
+              <a:avLst/>
+              <a:gdLst>
+                <a:gd name="connsiteX0" fmla="*/ 0 w 562708"/>
+                <a:gd name="connsiteY0" fmla="*/ 0 h 1041009"/>
+                <a:gd name="connsiteX1" fmla="*/ 84407 w 562708"/>
+                <a:gd name="connsiteY1" fmla="*/ 506437 h 1041009"/>
+                <a:gd name="connsiteX2" fmla="*/ 309490 w 562708"/>
+                <a:gd name="connsiteY2" fmla="*/ 844061 h 1041009"/>
+                <a:gd name="connsiteX3" fmla="*/ 562708 w 562708"/>
+                <a:gd name="connsiteY3" fmla="*/ 1041009 h 1041009"/>
+              </a:gdLst>
+              <a:ahLst/>
+              <a:cxnLst>
+                <a:cxn ang="0">
+                  <a:pos x="connsiteX0" y="connsiteY0"/>
+                </a:cxn>
+                <a:cxn ang="0">
+                  <a:pos x="connsiteX1" y="connsiteY1"/>
+                </a:cxn>
+                <a:cxn ang="0">
+                  <a:pos x="connsiteX2" y="connsiteY2"/>
+                </a:cxn>
+                <a:cxn ang="0">
+                  <a:pos x="connsiteX3" y="connsiteY3"/>
+                </a:cxn>
+              </a:cxnLst>
+              <a:rect l="l" t="t" r="r" b="b"/>
+              <a:pathLst>
+                <a:path w="562708" h="1041009">
+                  <a:moveTo>
+                    <a:pt x="0" y="0"/>
+                  </a:moveTo>
+                  <a:cubicBezTo>
+                    <a:pt x="16412" y="182880"/>
+                    <a:pt x="32825" y="365760"/>
+                    <a:pt x="84407" y="506437"/>
+                  </a:cubicBezTo>
+                  <a:cubicBezTo>
+                    <a:pt x="135989" y="647114"/>
+                    <a:pt x="229773" y="754966"/>
+                    <a:pt x="309490" y="844061"/>
+                  </a:cubicBezTo>
+                  <a:cubicBezTo>
+                    <a:pt x="389207" y="933156"/>
+                    <a:pt x="562708" y="1041009"/>
+                    <a:pt x="562708" y="1041009"/>
+                  </a:cubicBezTo>
+                </a:path>
+              </a:pathLst>
+            </a:custGeom>
+            <a:noFill/>
+            <a:ln>
+              <a:solidFill>
+                <a:schemeClr val="tx1"/>
+              </a:solidFill>
+              <a:prstDash val="dash"/>
+            </a:ln>
+          </p:spPr>
+          <p:style>
+            <a:lnRef idx="1">
+              <a:schemeClr val="accent1"/>
+            </a:lnRef>
+            <a:fillRef idx="3">
+              <a:schemeClr val="accent1"/>
+            </a:fillRef>
+            <a:effectRef idx="2">
+              <a:schemeClr val="accent1"/>
+            </a:effectRef>
+            <a:fontRef idx="minor">
+              <a:schemeClr val="lt1"/>
+            </a:fontRef>
+          </p:style>
+          <p:txBody>
+            <a:bodyPr rtlCol="0" anchor="ctr"/>
+            <a:lstStyle/>
+            <a:p>
+              <a:pPr algn="ctr"/>
+              <a:endParaRPr lang="en-US"/>
+            </a:p>
+          </p:txBody>
+        </p:sp>
+        <mc:AlternateContent xmlns:mc="http://schemas.openxmlformats.org/markup-compatibility/2006" xmlns:a14="http://schemas.microsoft.com/office/drawing/2010/main">
+          <mc:Choice Requires="a14">
+            <p:sp>
+              <p:nvSpPr>
+                <p:cNvPr id="24" name="TextBox 23">
+                  <a:extLst>
+                    <a:ext uri="{FF2B5EF4-FFF2-40B4-BE49-F238E27FC236}">
+                      <a16:creationId xmlns:a16="http://schemas.microsoft.com/office/drawing/2014/main" id="{BCA239F0-821B-2A47-94CA-FDD037CB656F}"/>
+                    </a:ext>
+                  </a:extLst>
+                </p:cNvPr>
+                <p:cNvSpPr txBox="1"/>
+                <p:nvPr/>
+              </p:nvSpPr>
+              <p:spPr>
+                <a:xfrm>
+                  <a:off x="8686516" y="1323201"/>
+                  <a:ext cx="305084" cy="276999"/>
+                </a:xfrm>
+                <a:prstGeom prst="rect">
+                  <a:avLst/>
+                </a:prstGeom>
+                <a:noFill/>
+              </p:spPr>
+              <p:txBody>
+                <a:bodyPr wrap="none" lIns="0" tIns="0" rIns="0" bIns="0" rtlCol="0">
+                  <a:spAutoFit/>
+                </a:bodyPr>
+                <a:lstStyle/>
+                <a:p>
+                  <a:pPr/>
+                  <a14:m>
+                    <m:oMathPara xmlns:m="http://schemas.openxmlformats.org/officeDocument/2006/math">
+                      <m:oMathParaPr>
+                        <m:jc m:val="centerGroup"/>
+                      </m:oMathParaPr>
+                      <m:oMath xmlns:m="http://schemas.openxmlformats.org/officeDocument/2006/math">
+                        <m:sSub>
+                          <m:sSubPr>
+                            <m:ctrlPr>
+                              <a:rPr lang="en-US" b="0" i="1" smtClean="0">
+                                <a:latin typeface="Cambria Math" panose="02040503050406030204" pitchFamily="18" charset="0"/>
+                              </a:rPr>
+                            </m:ctrlPr>
+                          </m:sSubPr>
+                          <m:e>
+                            <m:r>
+                              <a:rPr lang="en-US" b="0" i="1" smtClean="0">
+                                <a:latin typeface="Cambria Math" panose="02040503050406030204" pitchFamily="18" charset="0"/>
+                              </a:rPr>
+                              <m:t>𝑋</m:t>
+                            </m:r>
+                          </m:e>
+                          <m:sub>
+                            <m:r>
+                              <a:rPr lang="en-US" b="0" i="1" smtClean="0">
+                                <a:latin typeface="Cambria Math" panose="02040503050406030204" pitchFamily="18" charset="0"/>
+                              </a:rPr>
+                              <m:t>1</m:t>
+                            </m:r>
+                          </m:sub>
+                        </m:sSub>
+                      </m:oMath>
+                    </m:oMathPara>
+                  </a14:m>
+                  <a:endParaRPr lang="en-US" dirty="0"/>
+                </a:p>
+              </p:txBody>
+            </p:sp>
+          </mc:Choice>
+          <mc:Fallback xmlns="">
+            <p:sp>
+              <p:nvSpPr>
+                <p:cNvPr id="24" name="TextBox 23">
+                  <a:extLst>
+                    <a:ext uri="{FF2B5EF4-FFF2-40B4-BE49-F238E27FC236}">
+                      <a16:creationId xmlns:a16="http://schemas.microsoft.com/office/drawing/2014/main" id="{BCA239F0-821B-2A47-94CA-FDD037CB656F}"/>
+                    </a:ext>
+                  </a:extLst>
+                </p:cNvPr>
+                <p:cNvSpPr txBox="1">
+                  <a:spLocks noRot="1" noChangeAspect="1" noMove="1" noResize="1" noEditPoints="1" noAdjustHandles="1" noChangeArrowheads="1" noChangeShapeType="1" noTextEdit="1"/>
+                </p:cNvSpPr>
+                <p:nvPr/>
+              </p:nvSpPr>
+              <p:spPr>
+                <a:xfrm>
+                  <a:off x="8686516" y="1323201"/>
+                  <a:ext cx="305084" cy="276999"/>
+                </a:xfrm>
+                <a:prstGeom prst="rect">
+                  <a:avLst/>
+                </a:prstGeom>
+                <a:blipFill>
+                  <a:blip r:embed="rId6"/>
+                  <a:stretch>
+                    <a:fillRect l="-12000" b="-17391"/>
+                  </a:stretch>
+                </a:blipFill>
+              </p:spPr>
+              <p:txBody>
+                <a:bodyPr/>
+                <a:lstStyle/>
+                <a:p>
+                  <a:r>
+                    <a:rPr lang="en-US">
+                      <a:noFill/>
+                    </a:rPr>
+                    <a:t> </a:t>
+                  </a:r>
+                </a:p>
+              </p:txBody>
+            </p:sp>
+          </mc:Fallback>
+        </mc:AlternateContent>
+      </p:grpSp>
+    </p:spTree>
+    <p:extLst>
+      <p:ext uri="{BB962C8B-B14F-4D97-AF65-F5344CB8AC3E}">
+        <p14:creationId xmlns:p14="http://schemas.microsoft.com/office/powerpoint/2010/main" val="200577848"/>
+      </p:ext>
+    </p:extLst>
+  </p:cSld>
+  <p:clrMapOvr>
+    <a:masterClrMapping/>
+  </p:clrMapOvr>
+  <p:timing>
+    <p:tnLst>
+      <p:par>
+        <p:cTn id="1" dur="indefinite" restart="never" nodeType="tmRoot">
+          <p:childTnLst>
+            <p:seq concurrent="1" nextAc="seek">
+              <p:cTn id="2" dur="indefinite" nodeType="mainSeq">
+                <p:childTnLst>
+                  <p:par>
+                    <p:cTn id="3" fill="hold">
+                      <p:stCondLst>
+                        <p:cond delay="indefinite"/>
+                      </p:stCondLst>
+                      <p:childTnLst>
+                        <p:par>
+                          <p:cTn id="4" fill="hold">
+                            <p:stCondLst>
+                              <p:cond delay="0"/>
+                            </p:stCondLst>
+                            <p:childTnLst>
+                              <p:par>
+                                <p:cTn id="5" presetID="1" presetClass="entr" presetSubtype="0" fill="hold" nodeType="clickEffect">
+                                  <p:stCondLst>
+                                    <p:cond delay="0"/>
+                                  </p:stCondLst>
+                                  <p:childTnLst>
+                                    <p:set>
+                                      <p:cBhvr>
+                                        <p:cTn id="6" dur="1" fill="hold">
+                                          <p:stCondLst>
+                                            <p:cond delay="0"/>
+                                          </p:stCondLst>
+                                        </p:cTn>
+                                        <p:tgtEl>
+                                          <p:spTgt spid="15"/>
+                                        </p:tgtEl>
+                                        <p:attrNameLst>
+                                          <p:attrName>style.visibility</p:attrName>
+                                        </p:attrNameLst>
+                                      </p:cBhvr>
+                                      <p:to>
+                                        <p:strVal val="visible"/>
+                                      </p:to>
+                                    </p:set>
+                                  </p:childTnLst>
+                                </p:cTn>
+                              </p:par>
+                              <p:par>
+                                <p:cTn id="7" presetID="1" presetClass="entr" presetSubtype="0" fill="hold" grpId="0" nodeType="withEffect">
+                                  <p:stCondLst>
+                                    <p:cond delay="0"/>
+                                  </p:stCondLst>
+                                  <p:childTnLst>
+                                    <p:set>
+                                      <p:cBhvr>
+                                        <p:cTn id="8" dur="1" fill="hold">
+                                          <p:stCondLst>
+                                            <p:cond delay="0"/>
+                                          </p:stCondLst>
+                                        </p:cTn>
+                                        <p:tgtEl>
+                                          <p:spTgt spid="16"/>
+                                        </p:tgtEl>
+                                        <p:attrNameLst>
+                                          <p:attrName>style.visibility</p:attrName>
+                                        </p:attrNameLst>
+                                      </p:cBhvr>
+                                      <p:to>
+                                        <p:strVal val="visible"/>
+                                      </p:to>
+                                    </p:set>
+                                  </p:childTnLst>
+                                </p:cTn>
+                              </p:par>
+                            </p:childTnLst>
+                          </p:cTn>
+                        </p:par>
+                      </p:childTnLst>
+                    </p:cTn>
+                  </p:par>
+                  <p:par>
+                    <p:cTn id="9" fill="hold">
+                      <p:stCondLst>
+                        <p:cond delay="indefinite"/>
+                      </p:stCondLst>
+                      <p:childTnLst>
+                        <p:par>
+                          <p:cTn id="10" fill="hold">
+                            <p:stCondLst>
+                              <p:cond delay="0"/>
+                            </p:stCondLst>
+                            <p:childTnLst>
+                              <p:par>
+                                <p:cTn id="11" presetID="1" presetClass="entr" presetSubtype="0" fill="hold" nodeType="clickEffect">
+                                  <p:stCondLst>
+                                    <p:cond delay="0"/>
+                                  </p:stCondLst>
+                                  <p:childTnLst>
+                                    <p:set>
+                                      <p:cBhvr>
+                                        <p:cTn id="12" dur="1" fill="hold">
+                                          <p:stCondLst>
+                                            <p:cond delay="0"/>
+                                          </p:stCondLst>
+                                        </p:cTn>
+                                        <p:tgtEl>
+                                          <p:spTgt spid="19">
+                                            <p:txEl>
+                                              <p:pRg st="0" end="0"/>
+                                            </p:txEl>
+                                          </p:spTgt>
+                                        </p:tgtEl>
+                                        <p:attrNameLst>
+                                          <p:attrName>style.visibility</p:attrName>
+                                        </p:attrNameLst>
+                                      </p:cBhvr>
+                                      <p:to>
+                                        <p:strVal val="visible"/>
+                                      </p:to>
+                                    </p:set>
+                                  </p:childTnLst>
+                                </p:cTn>
+                              </p:par>
+                            </p:childTnLst>
+                          </p:cTn>
+                        </p:par>
+                      </p:childTnLst>
+                    </p:cTn>
+                  </p:par>
+                  <p:par>
+                    <p:cTn id="13" fill="hold">
+                      <p:stCondLst>
+                        <p:cond delay="indefinite"/>
+                      </p:stCondLst>
+                      <p:childTnLst>
+                        <p:par>
+                          <p:cTn id="14" fill="hold">
+                            <p:stCondLst>
+                              <p:cond delay="0"/>
+                            </p:stCondLst>
+                            <p:childTnLst>
+                              <p:par>
+                                <p:cTn id="15" presetID="1" presetClass="entr" presetSubtype="0" fill="hold" nodeType="clickEffect">
+                                  <p:stCondLst>
+                                    <p:cond delay="0"/>
+                                  </p:stCondLst>
+                                  <p:childTnLst>
+                                    <p:set>
+                                      <p:cBhvr>
+                                        <p:cTn id="16" dur="1" fill="hold">
+                                          <p:stCondLst>
+                                            <p:cond delay="0"/>
+                                          </p:stCondLst>
+                                        </p:cTn>
+                                        <p:tgtEl>
+                                          <p:spTgt spid="19">
+                                            <p:txEl>
+                                              <p:pRg st="1" end="1"/>
+                                            </p:txEl>
+                                          </p:spTgt>
+                                        </p:tgtEl>
+                                        <p:attrNameLst>
+                                          <p:attrName>style.visibility</p:attrName>
+                                        </p:attrNameLst>
+                                      </p:cBhvr>
+                                      <p:to>
+                                        <p:strVal val="visible"/>
+                                      </p:to>
+                                    </p:set>
+                                  </p:childTnLst>
+                                </p:cTn>
+                              </p:par>
+                            </p:childTnLst>
+                          </p:cTn>
+                        </p:par>
+                      </p:childTnLst>
+                    </p:cTn>
+                  </p:par>
+                  <p:par>
+                    <p:cTn id="17" fill="hold">
+                      <p:stCondLst>
+                        <p:cond delay="indefinite"/>
+                      </p:stCondLst>
+                      <p:childTnLst>
+                        <p:par>
+                          <p:cTn id="18" fill="hold">
+                            <p:stCondLst>
+                              <p:cond delay="0"/>
+                            </p:stCondLst>
+                            <p:childTnLst>
+                              <p:par>
+                                <p:cTn id="19" presetID="1" presetClass="entr" presetSubtype="0" fill="hold" nodeType="clickEffect">
+                                  <p:stCondLst>
+                                    <p:cond delay="0"/>
+                                  </p:stCondLst>
+                                  <p:childTnLst>
+                                    <p:set>
+                                      <p:cBhvr>
+                                        <p:cTn id="20" dur="1" fill="hold">
+                                          <p:stCondLst>
+                                            <p:cond delay="0"/>
+                                          </p:stCondLst>
+                                        </p:cTn>
+                                        <p:tgtEl>
+                                          <p:spTgt spid="19">
+                                            <p:txEl>
+                                              <p:pRg st="2" end="2"/>
+                                            </p:txEl>
+                                          </p:spTgt>
+                                        </p:tgtEl>
+                                        <p:attrNameLst>
+                                          <p:attrName>style.visibility</p:attrName>
+                                        </p:attrNameLst>
+                                      </p:cBhvr>
+                                      <p:to>
+                                        <p:strVal val="visible"/>
+                                      </p:to>
+                                    </p:set>
+                                  </p:childTnLst>
+                                </p:cTn>
+                              </p:par>
+                            </p:childTnLst>
+                          </p:cTn>
+                        </p:par>
+                      </p:childTnLst>
+                    </p:cTn>
+                  </p:par>
+                </p:childTnLst>
+              </p:cTn>
+              <p:prevCondLst>
+                <p:cond evt="onPrev" delay="0">
+                  <p:tgtEl>
+                    <p:sldTgt/>
+                  </p:tgtEl>
+                </p:cond>
+              </p:prevCondLst>
+              <p:nextCondLst>
+                <p:cond evt="onNext" delay="0">
+                  <p:tgtEl>
+                    <p:sldTgt/>
+                  </p:tgtEl>
+                </p:cond>
+              </p:nextCondLst>
+            </p:seq>
+          </p:childTnLst>
+        </p:cTn>
+      </p:par>
+    </p:tnLst>
+    <p:bldLst>
+      <p:bldP spid="16" grpId="0"/>
+    </p:bldLst>
+  </p:timing>
+</p:sld>
+</file>
+
+<file path=ppt/slides/slide31.xml><?xml version="1.0" encoding="utf-8"?>
+<p:sld xmlns:a="http://schemas.openxmlformats.org/drawingml/2006/main" xmlns:r="http://schemas.openxmlformats.org/officeDocument/2006/relationships" xmlns:p="http://schemas.openxmlformats.org/presentationml/2006/main">
+  <p:cSld>
+    <p:spTree>
+      <p:nvGrpSpPr>
+        <p:cNvPr id="1" name=""/>
+        <p:cNvGrpSpPr/>
+        <p:nvPr/>
+      </p:nvGrpSpPr>
+      <p:grpSpPr>
+        <a:xfrm>
+          <a:off x="0" y="0"/>
+          <a:ext cx="0" cy="0"/>
+          <a:chOff x="0" y="0"/>
+          <a:chExt cx="0" cy="0"/>
+        </a:xfrm>
+      </p:grpSpPr>
+      <p:sp>
+        <p:nvSpPr>
+          <p:cNvPr id="2" name="Title 1">
+            <a:extLst>
+              <a:ext uri="{FF2B5EF4-FFF2-40B4-BE49-F238E27FC236}">
                 <a16:creationId xmlns:a16="http://schemas.microsoft.com/office/drawing/2014/main" id="{4CB50C54-92A7-2A41-8B18-70B077D819E8}"/>
               </a:ext>
             </a:extLst>
@@ -22631,7 +24664,7 @@
               <a:pPr>
                 <a:defRPr/>
               </a:pPr>
-              <a:t>30</a:t>
+              <a:t>31</a:t>
             </a:fld>
             <a:endParaRPr lang="en-US" altLang="x-none"/>
           </a:p>
@@ -22816,8 +24849,8 @@
             </a:p>
           </p:txBody>
         </p:sp>
-        <mc:AlternateContent xmlns:mc="http://schemas.openxmlformats.org/markup-compatibility/2006">
-          <mc:Choice xmlns:a14="http://schemas.microsoft.com/office/drawing/2010/main" Requires="a14">
+        <mc:AlternateContent xmlns:mc="http://schemas.openxmlformats.org/markup-compatibility/2006" xmlns:a14="http://schemas.microsoft.com/office/drawing/2010/main">
+          <mc:Choice Requires="a14">
             <p:sp>
               <p:nvSpPr>
                 <p:cNvPr id="17" name="TextBox 16">
@@ -22846,6 +24879,7 @@
                 </a:bodyPr>
                 <a:lstStyle/>
                 <a:p>
+                  <a:pPr/>
                   <a14:m>
                     <m:oMathPara xmlns:m="http://schemas.openxmlformats.org/officeDocument/2006/math">
                       <m:oMathParaPr>
@@ -22885,7 +24919,7 @@
               </p:txBody>
             </p:sp>
           </mc:Choice>
-          <mc:Fallback>
+          <mc:Fallback xmlns="">
             <p:sp>
               <p:nvSpPr>
                 <p:cNvPr id="17" name="TextBox 16">
@@ -22944,7 +24978,7 @@
 </p:sld>
 </file>
 
-<file path=ppt/slides/slide31.xml><?xml version="1.0" encoding="utf-8"?>
+<file path=ppt/slides/slide32.xml><?xml version="1.0" encoding="utf-8"?>
 <p:sld xmlns:a="http://schemas.openxmlformats.org/drawingml/2006/main" xmlns:r="http://schemas.openxmlformats.org/officeDocument/2006/relationships" xmlns:p="http://schemas.openxmlformats.org/presentationml/2006/main">
   <p:cSld>
     <p:spTree>
@@ -23099,7 +25133,7 @@
               <a:pPr>
                 <a:defRPr/>
               </a:pPr>
-              <a:t>31</a:t>
+              <a:t>32</a:t>
             </a:fld>
             <a:endParaRPr lang="en-US" altLang="x-none"/>
           </a:p>
@@ -23471,8 +25505,8 @@
           </a:p>
         </p:txBody>
       </p:sp>
-      <mc:AlternateContent xmlns:mc="http://schemas.openxmlformats.org/markup-compatibility/2006">
-        <mc:Choice xmlns:a14="http://schemas.microsoft.com/office/drawing/2010/main" Requires="a14">
+      <mc:AlternateContent xmlns:mc="http://schemas.openxmlformats.org/markup-compatibility/2006" xmlns:a14="http://schemas.microsoft.com/office/drawing/2010/main">
+        <mc:Choice Requires="a14">
           <p:sp>
             <p:nvSpPr>
               <p:cNvPr id="14" name="TextBox 13">
@@ -23576,7 +25610,7 @@
                     <m:f>
                       <m:fPr>
                         <m:ctrlPr>
-                          <a:rPr lang="en-US" sz="2800" b="1" i="0" dirty="0" smtClean="0">
+                          <a:rPr lang="en-US" sz="2800" b="1" i="1" dirty="0" smtClean="0">
                             <a:latin typeface="Cambria Math" panose="02040503050406030204" pitchFamily="18" charset="0"/>
                           </a:rPr>
                         </m:ctrlPr>
@@ -23709,6 +25743,7 @@
                 <a:endParaRPr lang="en-US" sz="2000" dirty="0"/>
               </a:p>
               <a:p>
+                <a:pPr/>
                 <a14:m>
                   <m:oMathPara xmlns:m="http://schemas.openxmlformats.org/officeDocument/2006/math">
                     <m:oMathParaPr>
@@ -23878,7 +25913,7 @@
             </p:txBody>
           </p:sp>
         </mc:Choice>
-        <mc:Fallback>
+        <mc:Fallback xmlns="">
           <p:sp>
             <p:nvSpPr>
               <p:cNvPr id="14" name="TextBox 13">
@@ -24288,8 +26323,8 @@
             </p:txBody>
           </p:sp>
         </p:grpSp>
-        <mc:AlternateContent xmlns:mc="http://schemas.openxmlformats.org/markup-compatibility/2006">
-          <mc:Choice xmlns:a14="http://schemas.microsoft.com/office/drawing/2010/main" Requires="a14">
+        <mc:AlternateContent xmlns:mc="http://schemas.openxmlformats.org/markup-compatibility/2006" xmlns:a14="http://schemas.microsoft.com/office/drawing/2010/main">
+          <mc:Choice Requires="a14">
             <p:sp>
               <p:nvSpPr>
                 <p:cNvPr id="22" name="Rectangle 21">
@@ -24354,7 +26389,7 @@
               </p:txBody>
             </p:sp>
           </mc:Choice>
-          <mc:Fallback>
+          <mc:Fallback xmlns="">
             <p:sp>
               <p:nvSpPr>
                 <p:cNvPr id="22" name="Rectangle 21">
@@ -24399,8 +26434,8 @@
             </p:sp>
           </mc:Fallback>
         </mc:AlternateContent>
-        <mc:AlternateContent xmlns:mc="http://schemas.openxmlformats.org/markup-compatibility/2006">
-          <mc:Choice xmlns:a14="http://schemas.microsoft.com/office/drawing/2010/main" Requires="a14">
+        <mc:AlternateContent xmlns:mc="http://schemas.openxmlformats.org/markup-compatibility/2006" xmlns:a14="http://schemas.microsoft.com/office/drawing/2010/main">
+          <mc:Choice Requires="a14">
             <p:sp>
               <p:nvSpPr>
                 <p:cNvPr id="23" name="Rectangle 22">
@@ -24428,6 +26463,7 @@
                 </a:bodyPr>
                 <a:lstStyle/>
                 <a:p>
+                  <a:pPr/>
                   <a14:m>
                     <m:oMathPara xmlns:m="http://schemas.openxmlformats.org/officeDocument/2006/math">
                       <m:oMathParaPr>
@@ -24467,7 +26503,7 @@
               </p:txBody>
             </p:sp>
           </mc:Choice>
-          <mc:Fallback>
+          <mc:Fallback xmlns="">
             <p:sp>
               <p:nvSpPr>
                 <p:cNvPr id="23" name="Rectangle 22">
@@ -24512,8 +26548,8 @@
             </p:sp>
           </mc:Fallback>
         </mc:AlternateContent>
-        <mc:AlternateContent xmlns:mc="http://schemas.openxmlformats.org/markup-compatibility/2006">
-          <mc:Choice xmlns:a14="http://schemas.microsoft.com/office/drawing/2010/main" Requires="a14">
+        <mc:AlternateContent xmlns:mc="http://schemas.openxmlformats.org/markup-compatibility/2006" xmlns:a14="http://schemas.microsoft.com/office/drawing/2010/main">
+          <mc:Choice Requires="a14">
             <p:sp>
               <p:nvSpPr>
                 <p:cNvPr id="24" name="Rectangle 23">
@@ -24541,6 +26577,7 @@
                 </a:bodyPr>
                 <a:lstStyle/>
                 <a:p>
+                  <a:pPr/>
                   <a14:m>
                     <m:oMathPara xmlns:m="http://schemas.openxmlformats.org/officeDocument/2006/math">
                       <m:oMathParaPr>
@@ -24561,7 +26598,7 @@
               </p:txBody>
             </p:sp>
           </mc:Choice>
-          <mc:Fallback>
+          <mc:Fallback xmlns="">
             <p:sp>
               <p:nvSpPr>
                 <p:cNvPr id="24" name="Rectangle 23">
@@ -24635,8 +26672,8 @@
           </a:p>
         </p:txBody>
       </p:sp>
-      <mc:AlternateContent xmlns:mc="http://schemas.openxmlformats.org/markup-compatibility/2006">
-        <mc:Choice xmlns:a14="http://schemas.microsoft.com/office/drawing/2010/main" Requires="a14">
+      <mc:AlternateContent xmlns:mc="http://schemas.openxmlformats.org/markup-compatibility/2006" xmlns:a14="http://schemas.microsoft.com/office/drawing/2010/main">
+        <mc:Choice Requires="a14">
           <p:sp>
             <p:nvSpPr>
               <p:cNvPr id="5" name="Content Placeholder 4">
@@ -24979,7 +27016,7 @@
             </p:txBody>
           </p:sp>
         </mc:Choice>
-        <mc:Fallback>
+        <mc:Fallback xmlns="">
           <p:sp>
             <p:nvSpPr>
               <p:cNvPr id="5" name="Content Placeholder 4">
@@ -25058,8 +27095,8 @@
           </a:p>
         </p:txBody>
       </p:sp>
-      <mc:AlternateContent xmlns:mc="http://schemas.openxmlformats.org/markup-compatibility/2006">
-        <mc:Choice xmlns:a14="http://schemas.microsoft.com/office/drawing/2010/main" Requires="a14">
+      <mc:AlternateContent xmlns:mc="http://schemas.openxmlformats.org/markup-compatibility/2006" xmlns:a14="http://schemas.microsoft.com/office/drawing/2010/main">
+        <mc:Choice Requires="a14">
           <p:sp>
             <p:nvSpPr>
               <p:cNvPr id="15" name="TextBox 14">
@@ -25275,7 +27312,7 @@
             </p:txBody>
           </p:sp>
         </mc:Choice>
-        <mc:Fallback>
+        <mc:Fallback xmlns="">
           <p:sp>
             <p:nvSpPr>
               <p:cNvPr id="15" name="TextBox 14">
@@ -25320,8 +27357,8 @@
           </p:sp>
         </mc:Fallback>
       </mc:AlternateContent>
-      <mc:AlternateContent xmlns:mc="http://schemas.openxmlformats.org/markup-compatibility/2006">
-        <mc:Choice xmlns:a14="http://schemas.microsoft.com/office/drawing/2010/main" Requires="a14">
+      <mc:AlternateContent xmlns:mc="http://schemas.openxmlformats.org/markup-compatibility/2006" xmlns:a14="http://schemas.microsoft.com/office/drawing/2010/main">
+        <mc:Choice Requires="a14">
           <p:sp>
             <p:nvSpPr>
               <p:cNvPr id="17" name="TextBox 16">
@@ -25445,7 +27482,7 @@
             </p:txBody>
           </p:sp>
         </mc:Choice>
-        <mc:Fallback>
+        <mc:Fallback xmlns="">
           <p:sp>
             <p:nvSpPr>
               <p:cNvPr id="17" name="TextBox 16">
@@ -25875,8 +27912,8 @@
           </a:p>
         </p:txBody>
       </p:sp>
-      <mc:AlternateContent xmlns:mc="http://schemas.openxmlformats.org/markup-compatibility/2006">
-        <mc:Choice xmlns:a14="http://schemas.microsoft.com/office/drawing/2010/main" Requires="a14">
+      <mc:AlternateContent xmlns:mc="http://schemas.openxmlformats.org/markup-compatibility/2006" xmlns:a14="http://schemas.microsoft.com/office/drawing/2010/main">
+        <mc:Choice Requires="a14">
           <p:sp>
             <p:nvSpPr>
               <p:cNvPr id="4" name="Content Placeholder 3">
@@ -26243,7 +28280,7 @@
             </p:txBody>
           </p:sp>
         </mc:Choice>
-        <mc:Fallback>
+        <mc:Fallback xmlns="">
           <p:sp>
             <p:nvSpPr>
               <p:cNvPr id="4" name="Content Placeholder 3">
@@ -26816,8 +28853,8 @@
           </a:p>
         </p:txBody>
       </p:sp>
-      <mc:AlternateContent xmlns:mc="http://schemas.openxmlformats.org/markup-compatibility/2006">
-        <mc:Choice xmlns:a14="http://schemas.microsoft.com/office/drawing/2010/main" Requires="a14">
+      <mc:AlternateContent xmlns:mc="http://schemas.openxmlformats.org/markup-compatibility/2006" xmlns:a14="http://schemas.microsoft.com/office/drawing/2010/main">
+        <mc:Choice Requires="a14">
           <p:sp>
             <p:nvSpPr>
               <p:cNvPr id="17" name="TextBox 16">
@@ -26892,7 +28929,7 @@
             </p:txBody>
           </p:sp>
         </mc:Choice>
-        <mc:Fallback>
+        <mc:Fallback xmlns="">
           <p:sp>
             <p:nvSpPr>
               <p:cNvPr id="17" name="TextBox 16">
@@ -27953,8 +29990,8 @@
           </a:prstGeom>
         </p:spPr>
       </p:pic>
-      <mc:AlternateContent xmlns:mc="http://schemas.openxmlformats.org/markup-compatibility/2006">
-        <mc:Choice xmlns:a14="http://schemas.microsoft.com/office/drawing/2010/main" Requires="a14">
+      <mc:AlternateContent xmlns:mc="http://schemas.openxmlformats.org/markup-compatibility/2006" xmlns:a14="http://schemas.microsoft.com/office/drawing/2010/main">
+        <mc:Choice Requires="a14">
           <p:sp>
             <p:nvSpPr>
               <p:cNvPr id="7" name="TextBox 6">
@@ -27983,6 +30020,7 @@
               </a:bodyPr>
               <a:lstStyle/>
               <a:p>
+                <a:pPr/>
                 <a14:m>
                   <m:oMathPara xmlns:m="http://schemas.openxmlformats.org/officeDocument/2006/math">
                     <m:oMathParaPr>
@@ -28028,7 +30066,7 @@
             </p:txBody>
           </p:sp>
         </mc:Choice>
-        <mc:Fallback>
+        <mc:Fallback xmlns="">
           <p:sp>
             <p:nvSpPr>
               <p:cNvPr id="7" name="TextBox 6">

--- a/Lectures/Week_2/CSE 599V Lecture 6 - Model Evaluation and System Responses.pptx
+++ b/Lectures/Week_2/CSE 599V Lecture 6 - Model Evaluation and System Responses.pptx
@@ -6287,7 +6287,7 @@
           <a:p>
             <a:r>
               <a:rPr lang="en-US" dirty="0"/>
-              <a:t>Performance of Python Solvers</a:t>
+              <a:t>Performance of Numerical Methods</a:t>
             </a:r>
           </a:p>
         </p:txBody>
@@ -10168,7 +10168,7 @@
           <a:p>
             <a:r>
               <a:rPr lang="en-US" sz="2400" dirty="0"/>
-              <a:t>A system is in thermodynamic equilibrium if no simple process lowers its energy.</a:t>
+              <a:t>A system is in thermodynamic equilibrium if no infinitesimal change lowers its energy.</a:t>
             </a:r>
           </a:p>
         </p:txBody>
@@ -12073,8 +12073,8 @@
           </a:p>
         </p:txBody>
       </p:sp>
-      <mc:AlternateContent xmlns:mc="http://schemas.openxmlformats.org/markup-compatibility/2006" xmlns:a14="http://schemas.microsoft.com/office/drawing/2010/main">
-        <mc:Choice Requires="a14">
+      <mc:AlternateContent xmlns:mc="http://schemas.openxmlformats.org/markup-compatibility/2006">
+        <mc:Choice xmlns:a14="http://schemas.microsoft.com/office/drawing/2010/main" Requires="a14">
           <p:sp>
             <p:nvSpPr>
               <p:cNvPr id="4" name="Content Placeholder 3">
@@ -12093,13 +12093,75 @@
             </p:nvSpPr>
             <p:spPr>
               <a:xfrm>
-                <a:off x="457200" y="1371599"/>
-                <a:ext cx="8229600" cy="3657601"/>
+                <a:off x="457200" y="1143000"/>
+                <a:ext cx="8229600" cy="4191000"/>
               </a:xfrm>
             </p:spPr>
             <p:txBody>
               <a:bodyPr/>
               <a:lstStyle/>
+              <a:p>
+                <a:pPr marL="457200" lvl="1" indent="0">
+                  <a:buNone/>
+                </a:pPr>
+                <a14:m>
+                  <m:oMathPara xmlns:m="http://schemas.openxmlformats.org/officeDocument/2006/math">
+                    <m:oMathParaPr>
+                      <m:jc m:val="centerGroup"/>
+                    </m:oMathParaPr>
+                    <m:oMath xmlns:m="http://schemas.openxmlformats.org/officeDocument/2006/math">
+                      <m:f>
+                        <m:fPr>
+                          <m:ctrlPr>
+                            <a:rPr lang="en-US" i="1">
+                              <a:latin typeface="Cambria Math" panose="02040503050406030204" pitchFamily="18" charset="0"/>
+                            </a:rPr>
+                          </m:ctrlPr>
+                        </m:fPr>
+                        <m:num>
+                          <m:r>
+                            <a:rPr lang="en-US" i="1">
+                              <a:latin typeface="Cambria Math" panose="02040503050406030204" pitchFamily="18" charset="0"/>
+                            </a:rPr>
+                            <m:t>𝑑𝐴</m:t>
+                          </m:r>
+                        </m:num>
+                        <m:den>
+                          <m:r>
+                            <a:rPr lang="en-US" i="1">
+                              <a:latin typeface="Cambria Math" panose="02040503050406030204" pitchFamily="18" charset="0"/>
+                            </a:rPr>
+                            <m:t>𝑑𝑡</m:t>
+                          </m:r>
+                        </m:den>
+                      </m:f>
+                      <m:r>
+                        <a:rPr lang="en-US" i="1">
+                          <a:latin typeface="Cambria Math" panose="02040503050406030204" pitchFamily="18" charset="0"/>
+                        </a:rPr>
+                        <m:t>=−</m:t>
+                      </m:r>
+                      <m:r>
+                        <a:rPr lang="en-US" i="1">
+                          <a:latin typeface="Cambria Math" panose="02040503050406030204" pitchFamily="18" charset="0"/>
+                        </a:rPr>
+                        <m:t>𝑘𝐴</m:t>
+                      </m:r>
+                    </m:oMath>
+                  </m:oMathPara>
+                </a14:m>
+                <a:endParaRPr lang="en-US" b="0" i="1" dirty="0">
+                  <a:latin typeface="Cambria Math" panose="02040503050406030204" pitchFamily="18" charset="0"/>
+                </a:endParaRPr>
+              </a:p>
+              <a:p>
+                <a:pPr marL="457200" lvl="1" indent="0">
+                  <a:buNone/>
+                </a:pPr>
+                <a:endParaRPr lang="en-US" b="0" i="1" dirty="0">
+                  <a:latin typeface="Cambria Math" panose="02040503050406030204" pitchFamily="18" charset="0"/>
+                </a:endParaRPr>
+              </a:p>
               <a:p>
                 <a:pPr marL="457200" lvl="1" indent="0">
                   <a:buNone/>
@@ -12720,7 +12782,7 @@
             </p:txBody>
           </p:sp>
         </mc:Choice>
-        <mc:Fallback xmlns="">
+        <mc:Fallback>
           <p:sp>
             <p:nvSpPr>
               <p:cNvPr id="4" name="Content Placeholder 3">
@@ -12739,13 +12801,13 @@
             </p:nvSpPr>
             <p:spPr>
               <a:xfrm>
-                <a:off x="457200" y="1371599"/>
-                <a:ext cx="8229600" cy="3657601"/>
+                <a:off x="457200" y="1143000"/>
+                <a:ext cx="8229600" cy="4191000"/>
               </a:xfrm>
               <a:blipFill>
                 <a:blip r:embed="rId2"/>
                 <a:stretch>
-                  <a:fillRect t="-21181" b="-7292"/>
+                  <a:fillRect b="-20544"/>
                 </a:stretch>
               </a:blipFill>
             </p:spPr>
@@ -12953,7 +13015,7 @@
                                         <p:tgtEl>
                                           <p:spTgt spid="4">
                                             <p:txEl>
-                                              <p:pRg st="0" end="0"/>
+                                              <p:pRg st="2" end="2"/>
                                             </p:txEl>
                                           </p:spTgt>
                                         </p:tgtEl>
@@ -13002,7 +13064,7 @@
                                         <p:tgtEl>
                                           <p:spTgt spid="4">
                                             <p:txEl>
-                                              <p:pRg st="1" end="1"/>
+                                              <p:pRg st="3" end="3"/>
                                             </p:txEl>
                                           </p:spTgt>
                                         </p:tgtEl>
@@ -13051,7 +13113,7 @@
                                         <p:tgtEl>
                                           <p:spTgt spid="4">
                                             <p:txEl>
-                                              <p:pRg st="2" end="2"/>
+                                              <p:pRg st="4" end="4"/>
                                             </p:txEl>
                                           </p:spTgt>
                                         </p:tgtEl>
@@ -13100,7 +13162,7 @@
                                         <p:tgtEl>
                                           <p:spTgt spid="4">
                                             <p:txEl>
-                                              <p:pRg st="3" end="3"/>
+                                              <p:pRg st="5" end="5"/>
                                             </p:txEl>
                                           </p:spTgt>
                                         </p:tgtEl>
@@ -13149,7 +13211,7 @@
                                         <p:tgtEl>
                                           <p:spTgt spid="4">
                                             <p:txEl>
-                                              <p:pRg st="5" end="5"/>
+                                              <p:pRg st="7" end="7"/>
                                             </p:txEl>
                                           </p:spTgt>
                                         </p:tgtEl>
@@ -13198,7 +13260,7 @@
                                         <p:tgtEl>
                                           <p:spTgt spid="4">
                                             <p:txEl>
-                                              <p:pRg st="6" end="6"/>
+                                              <p:pRg st="8" end="8"/>
                                             </p:txEl>
                                           </p:spTgt>
                                         </p:tgtEl>
@@ -23542,8 +23604,8 @@
           </a:p>
         </p:txBody>
       </p:sp>
-      <mc:AlternateContent xmlns:mc="http://schemas.openxmlformats.org/markup-compatibility/2006" xmlns:a14="http://schemas.microsoft.com/office/drawing/2010/main">
-        <mc:Choice Requires="a14">
+      <mc:AlternateContent xmlns:mc="http://schemas.openxmlformats.org/markup-compatibility/2006">
+        <mc:Choice xmlns:a14="http://schemas.microsoft.com/office/drawing/2010/main" Requires="a14">
           <p:sp>
             <p:nvSpPr>
               <p:cNvPr id="19" name="Content Placeholder 18">
@@ -23574,77 +23636,12 @@
               <a:lstStyle/>
               <a:p>
                 <a:r>
-                  <a:rPr lang="en-US" dirty="0"/>
-                  <a:t>What is </a:t>
+                  <a:rPr lang="en-US"/>
+                  <a:t>What </a:t>
                 </a:r>
-                <a14:m>
-                  <m:oMath xmlns:m="http://schemas.openxmlformats.org/officeDocument/2006/math">
-                    <m:r>
-                      <a:rPr lang="en-US" b="0" i="1" smtClean="0">
-                        <a:latin typeface="Cambria Math" panose="02040503050406030204" pitchFamily="18" charset="0"/>
-                      </a:rPr>
-                      <m:t>𝐴</m:t>
-                    </m:r>
-                    <m:d>
-                      <m:dPr>
-                        <m:ctrlPr>
-                          <a:rPr lang="en-US" b="0" i="1" smtClean="0">
-                            <a:latin typeface="Cambria Math" panose="02040503050406030204" pitchFamily="18" charset="0"/>
-                          </a:rPr>
-                        </m:ctrlPr>
-                      </m:dPr>
-                      <m:e>
-                        <m:r>
-                          <a:rPr lang="en-US" b="0" i="1" smtClean="0">
-                            <a:latin typeface="Cambria Math" panose="02040503050406030204" pitchFamily="18" charset="0"/>
-                          </a:rPr>
-                          <m:t>0</m:t>
-                        </m:r>
-                      </m:e>
-                    </m:d>
-                    <m:r>
-                      <a:rPr lang="en-US" b="0" i="1" smtClean="0">
-                        <a:latin typeface="Cambria Math" panose="02040503050406030204" pitchFamily="18" charset="0"/>
-                      </a:rPr>
-                      <m:t>, </m:t>
-                    </m:r>
-                    <m:r>
-                      <a:rPr lang="en-US" b="0" i="1" smtClean="0">
-                        <a:latin typeface="Cambria Math" panose="02040503050406030204" pitchFamily="18" charset="0"/>
-                      </a:rPr>
-                      <m:t>𝐵</m:t>
-                    </m:r>
-                    <m:d>
-                      <m:dPr>
-                        <m:ctrlPr>
-                          <a:rPr lang="en-US" b="0" i="1" smtClean="0">
-                            <a:latin typeface="Cambria Math" panose="02040503050406030204" pitchFamily="18" charset="0"/>
-                          </a:rPr>
-                        </m:ctrlPr>
-                      </m:dPr>
-                      <m:e>
-                        <m:r>
-                          <a:rPr lang="en-US" b="0" i="1" smtClean="0">
-                            <a:latin typeface="Cambria Math" panose="02040503050406030204" pitchFamily="18" charset="0"/>
-                          </a:rPr>
-                          <m:t>0</m:t>
-                        </m:r>
-                      </m:e>
-                    </m:d>
-                    <m:r>
-                      <a:rPr lang="en-US" b="0" i="1" smtClean="0">
-                        <a:latin typeface="Cambria Math" panose="02040503050406030204" pitchFamily="18" charset="0"/>
-                      </a:rPr>
-                      <m:t>?</m:t>
-                    </m:r>
-                  </m:oMath>
-                </a14:m>
-                <a:endParaRPr lang="en-US" b="0" dirty="0"/>
-              </a:p>
-              <a:p>
                 <a:r>
                   <a:rPr lang="en-US" dirty="0"/>
-                  <a:t>What is </a:t>
+                  <a:t>is </a:t>
                 </a:r>
                 <a14:m>
                   <m:oMath xmlns:m="http://schemas.openxmlformats.org/officeDocument/2006/math">
@@ -23799,7 +23796,7 @@
             </p:txBody>
           </p:sp>
         </mc:Choice>
-        <mc:Fallback xmlns="">
+        <mc:Fallback>
           <p:sp>
             <p:nvSpPr>
               <p:cNvPr id="19" name="Content Placeholder 18">
@@ -24406,55 +24403,6 @@
                                           <p:spTgt spid="19">
                                             <p:txEl>
                                               <p:pRg st="1" end="1"/>
-                                            </p:txEl>
-                                          </p:spTgt>
-                                        </p:tgtEl>
-                                        <p:attrNameLst>
-                                          <p:attrName>style.visibility</p:attrName>
-                                        </p:attrNameLst>
-                                      </p:cBhvr>
-                                      <p:to>
-                                        <p:strVal val="visible"/>
-                                      </p:to>
-                                    </p:set>
-                                  </p:childTnLst>
-                                </p:cTn>
-                              </p:par>
-                            </p:childTnLst>
-                          </p:cTn>
-                        </p:par>
-                      </p:childTnLst>
-                    </p:cTn>
-                  </p:par>
-                  <p:par>
-                    <p:cTn id="17" fill="hold">
-                      <p:stCondLst>
-                        <p:cond delay="indefinite"/>
-                      </p:stCondLst>
-                      <p:childTnLst>
-                        <p:par>
-                          <p:cTn id="18" fill="hold">
-                            <p:stCondLst>
-                              <p:cond delay="0"/>
-                            </p:stCondLst>
-                            <p:childTnLst>
-                              <p:par>
-                                <p:cTn id="19" presetID="1" presetClass="entr" presetSubtype="0" fill="hold" nodeType="clickEffect">
-                                  <p:stCondLst>
-                                    <p:cond delay="0"/>
-                                  </p:stCondLst>
-                                  <p:childTnLst>
-                                    <p:set>
-                                      <p:cBhvr>
-                                        <p:cTn id="20" dur="1" fill="hold">
-                                          <p:stCondLst>
-                                            <p:cond delay="0"/>
-                                          </p:stCondLst>
-                                        </p:cTn>
-                                        <p:tgtEl>
-                                          <p:spTgt spid="19">
-                                            <p:txEl>
-                                              <p:pRg st="2" end="2"/>
                                             </p:txEl>
                                           </p:spTgt>
                                         </p:tgtEl>
@@ -29758,7 +29706,7 @@
             <a:pPr lvl="1"/>
             <a:r>
               <a:rPr lang="en-US" altLang="zh-TW" dirty="0"/>
-              <a:t>we will be able to approximate it accurately with a wide variety of method</a:t>
+              <a:t>we will be able to approximate it accurately with a wide variety of methods</a:t>
             </a:r>
           </a:p>
         </p:txBody>
